--- a/Data_Analytics_2018/PPT/Lesson 20 - Data Analytics - Text Mining.pptx
+++ b/Data_Analytics_2018/PPT/Lesson 20 - Data Analytics - Text Mining.pptx
@@ -2,13 +2,13 @@
 <file path=ppt/presentation.xml><?xml version="1.0" encoding="utf-8"?>
 <p:presentation xmlns:a="http://schemas.openxmlformats.org/drawingml/2006/main" xmlns:r="http://schemas.openxmlformats.org/officeDocument/2006/relationships" xmlns:p="http://schemas.openxmlformats.org/presentationml/2006/main" showSpecialPlsOnTitleSld="0" saveSubsetFonts="1">
   <p:sldMasterIdLst>
-    <p:sldMasterId id="2147483661" r:id="rId1"/>
+    <p:sldMasterId id="2147483674" r:id="rId1"/>
   </p:sldMasterIdLst>
   <p:notesMasterIdLst>
-    <p:notesMasterId r:id="rId22"/>
+    <p:notesMasterId r:id="rId35"/>
   </p:notesMasterIdLst>
   <p:handoutMasterIdLst>
-    <p:handoutMasterId r:id="rId23"/>
+    <p:handoutMasterId r:id="rId36"/>
   </p:handoutMasterIdLst>
   <p:sldIdLst>
     <p:sldId id="256" r:id="rId2"/>
@@ -26,11 +26,24 @@
     <p:sldId id="317" r:id="rId14"/>
     <p:sldId id="318" r:id="rId15"/>
     <p:sldId id="319" r:id="rId16"/>
-    <p:sldId id="321" r:id="rId17"/>
-    <p:sldId id="320" r:id="rId18"/>
-    <p:sldId id="323" r:id="rId19"/>
-    <p:sldId id="322" r:id="rId20"/>
-    <p:sldId id="266" r:id="rId21"/>
+    <p:sldId id="320" r:id="rId17"/>
+    <p:sldId id="323" r:id="rId18"/>
+    <p:sldId id="322" r:id="rId19"/>
+    <p:sldId id="324" r:id="rId20"/>
+    <p:sldId id="325" r:id="rId21"/>
+    <p:sldId id="326" r:id="rId22"/>
+    <p:sldId id="327" r:id="rId23"/>
+    <p:sldId id="328" r:id="rId24"/>
+    <p:sldId id="329" r:id="rId25"/>
+    <p:sldId id="330" r:id="rId26"/>
+    <p:sldId id="331" r:id="rId27"/>
+    <p:sldId id="332" r:id="rId28"/>
+    <p:sldId id="333" r:id="rId29"/>
+    <p:sldId id="334" r:id="rId30"/>
+    <p:sldId id="335" r:id="rId31"/>
+    <p:sldId id="336" r:id="rId32"/>
+    <p:sldId id="337" r:id="rId33"/>
+    <p:sldId id="266" r:id="rId34"/>
   </p:sldIdLst>
   <p:sldSz cx="12192000" cy="6858000"/>
   <p:notesSz cx="6858000" cy="9144000"/>
@@ -222,7 +235,7 @@
           <a:p>
             <a:fld id="{12E2E0BF-1E19-48CE-A5B4-11AA1325EE0B}" type="datetimeFigureOut">
               <a:rPr lang="en-US" smtClean="0"/>
-              <a:t>8/1/2018</a:t>
+              <a:t>8/11/2018</a:t>
             </a:fld>
             <a:endParaRPr lang="en-US" dirty="0"/>
           </a:p>
@@ -387,7 +400,7 @@
           <a:p>
             <a:fld id="{B3E6BC81-1184-4954-A4F1-6E56C89D84BE}" type="datetimeFigureOut">
               <a:rPr lang="en-US" smtClean="0"/>
-              <a:t>8/1/2018</a:t>
+              <a:t>8/11/2018</a:t>
             </a:fld>
             <a:endParaRPr lang="en-US" dirty="0"/>
           </a:p>
@@ -787,7 +800,7 @@
         </p:nvSpPr>
         <p:spPr>
           <a:xfrm>
-            <a:off x="152400" y="6443433"/>
+            <a:off x="152400" y="6485768"/>
             <a:ext cx="2743200" cy="365125"/>
           </a:xfrm>
         </p:spPr>
@@ -797,7 +810,7 @@
           <a:p>
             <a:fld id="{A24D462D-0ABF-4F66-AA29-FCADD808DF8B}" type="datetime1">
               <a:rPr lang="en-US" smtClean="0"/>
-              <a:t>8/1/2018</a:t>
+              <a:t>8/11/2018</a:t>
             </a:fld>
             <a:endParaRPr lang="en-US" dirty="0"/>
           </a:p>
@@ -815,7 +828,7 @@
         </p:nvSpPr>
         <p:spPr>
           <a:xfrm>
-            <a:off x="4038600" y="6443434"/>
+            <a:off x="4038600" y="6485769"/>
             <a:ext cx="4114800" cy="365125"/>
           </a:xfrm>
         </p:spPr>
@@ -843,7 +856,7 @@
         </p:nvSpPr>
         <p:spPr>
           <a:xfrm>
-            <a:off x="9361714" y="6443432"/>
+            <a:off x="9361714" y="6485767"/>
             <a:ext cx="2743200" cy="365125"/>
           </a:xfrm>
         </p:spPr>
@@ -862,7 +875,7 @@
     </p:spTree>
     <p:extLst>
       <p:ext uri="{BB962C8B-B14F-4D97-AF65-F5344CB8AC3E}">
-        <p14:creationId xmlns:p14="http://schemas.microsoft.com/office/powerpoint/2010/main" val="3184244823"/>
+        <p14:creationId xmlns:p14="http://schemas.microsoft.com/office/powerpoint/2010/main" val="709255549"/>
       </p:ext>
     </p:extLst>
   </p:cSld>
@@ -1067,7 +1080,7 @@
           <a:p>
             <a:fld id="{E07E8265-18F4-4680-A16E-90ED1CF19BF4}" type="datetime1">
               <a:rPr lang="en-US" smtClean="0"/>
-              <a:t>8/1/2018</a:t>
+              <a:t>8/11/2018</a:t>
             </a:fld>
             <a:endParaRPr lang="en-US" dirty="0"/>
           </a:p>
@@ -1122,7 +1135,7 @@
     </p:spTree>
     <p:extLst>
       <p:ext uri="{BB962C8B-B14F-4D97-AF65-F5344CB8AC3E}">
-        <p14:creationId xmlns:p14="http://schemas.microsoft.com/office/powerpoint/2010/main" val="2503771199"/>
+        <p14:creationId xmlns:p14="http://schemas.microsoft.com/office/powerpoint/2010/main" val="4265514748"/>
       </p:ext>
     </p:extLst>
   </p:cSld>
@@ -1244,7 +1257,7 @@
           <a:p>
             <a:fld id="{50A3F95B-AA19-4AF1-8E3F-0C1F80E644D7}" type="datetime1">
               <a:rPr lang="en-US" smtClean="0"/>
-              <a:t>8/1/2018</a:t>
+              <a:t>8/11/2018</a:t>
             </a:fld>
             <a:endParaRPr lang="en-US" dirty="0"/>
           </a:p>
@@ -1299,7 +1312,7 @@
     </p:spTree>
     <p:extLst>
       <p:ext uri="{BB962C8B-B14F-4D97-AF65-F5344CB8AC3E}">
-        <p14:creationId xmlns:p14="http://schemas.microsoft.com/office/powerpoint/2010/main" val="3028650806"/>
+        <p14:creationId xmlns:p14="http://schemas.microsoft.com/office/powerpoint/2010/main" val="3010616568"/>
       </p:ext>
     </p:extLst>
   </p:cSld>
@@ -1426,7 +1439,7 @@
           <a:p>
             <a:fld id="{CCDBCEF4-92B1-4F4B-B523-BAFBFD103FD6}" type="datetime1">
               <a:rPr lang="en-US" smtClean="0"/>
-              <a:t>8/1/2018</a:t>
+              <a:t>8/11/2018</a:t>
             </a:fld>
             <a:endParaRPr lang="en-US" dirty="0"/>
           </a:p>
@@ -1481,7 +1494,7 @@
     </p:spTree>
     <p:extLst>
       <p:ext uri="{BB962C8B-B14F-4D97-AF65-F5344CB8AC3E}">
-        <p14:creationId xmlns:p14="http://schemas.microsoft.com/office/powerpoint/2010/main" val="1996458397"/>
+        <p14:creationId xmlns:p14="http://schemas.microsoft.com/office/powerpoint/2010/main" val="1130290998"/>
       </p:ext>
     </p:extLst>
   </p:cSld>
@@ -1652,7 +1665,7 @@
             <a:fld id="{13570084-B57A-493D-8A30-572F2D9F55F8}" type="datetime1">
               <a:rPr lang="en-US" smtClean="0"/>
               <a:pPr/>
-              <a:t>8/1/2018</a:t>
+              <a:t>8/11/2018</a:t>
             </a:fld>
             <a:endParaRPr lang="en-US" dirty="0"/>
           </a:p>
@@ -1732,7 +1745,7 @@
     </p:spTree>
     <p:extLst>
       <p:ext uri="{BB962C8B-B14F-4D97-AF65-F5344CB8AC3E}">
-        <p14:creationId xmlns:p14="http://schemas.microsoft.com/office/powerpoint/2010/main" val="1683905768"/>
+        <p14:creationId xmlns:p14="http://schemas.microsoft.com/office/powerpoint/2010/main" val="1702849193"/>
       </p:ext>
     </p:extLst>
   </p:cSld>
@@ -1849,7 +1862,7 @@
             <a:lvl1pPr>
               <a:defRPr>
                 <a:solidFill>
-                  <a:srgbClr val="0070C0"/>
+                  <a:srgbClr val="00B4B0"/>
                 </a:solidFill>
               </a:defRPr>
             </a:lvl1pPr>
@@ -1858,7 +1871,7 @@
             <a:fld id="{13570084-B57A-493D-8A30-572F2D9F55F8}" type="datetime1">
               <a:rPr lang="en-US" smtClean="0"/>
               <a:pPr/>
-              <a:t>8/1/2018</a:t>
+              <a:t>8/11/2018</a:t>
             </a:fld>
             <a:endParaRPr lang="en-US" dirty="0"/>
           </a:p>
@@ -1881,7 +1894,7 @@
             <a:lvl1pPr>
               <a:defRPr>
                 <a:solidFill>
-                  <a:srgbClr val="0070C0"/>
+                  <a:srgbClr val="00B4B0"/>
                 </a:solidFill>
               </a:defRPr>
             </a:lvl1pPr>
@@ -1896,36 +1909,6 @@
           </a:p>
         </p:txBody>
       </p:sp>
-      <p:cxnSp>
-        <p:nvCxnSpPr>
-          <p:cNvPr id="9" name="Straight Connector 8"/>
-          <p:cNvCxnSpPr/>
-          <p:nvPr/>
-        </p:nvCxnSpPr>
-        <p:spPr>
-          <a:xfrm>
-            <a:off x="0" y="6342743"/>
-            <a:ext cx="12192000" cy="0"/>
-          </a:xfrm>
-          <a:prstGeom prst="line">
-            <a:avLst/>
-          </a:prstGeom>
-        </p:spPr>
-        <p:style>
-          <a:lnRef idx="1">
-            <a:schemeClr val="accent1"/>
-          </a:lnRef>
-          <a:fillRef idx="0">
-            <a:schemeClr val="accent1"/>
-          </a:fillRef>
-          <a:effectRef idx="0">
-            <a:schemeClr val="accent1"/>
-          </a:effectRef>
-          <a:fontRef idx="minor">
-            <a:schemeClr val="tx1"/>
-          </a:fontRef>
-        </p:style>
-      </p:cxnSp>
       <p:sp>
         <p:nvSpPr>
           <p:cNvPr id="10" name="Footer Placeholder 4"/>
@@ -1951,7 +1934,7 @@
             <a:lvl1pPr algn="ctr">
               <a:defRPr sz="1200">
                 <a:solidFill>
-                  <a:srgbClr val="0070C0"/>
+                  <a:srgbClr val="00B4B0"/>
                 </a:solidFill>
               </a:defRPr>
             </a:lvl1pPr>
@@ -1968,7 +1951,7 @@
     </p:spTree>
     <p:extLst>
       <p:ext uri="{BB962C8B-B14F-4D97-AF65-F5344CB8AC3E}">
-        <p14:creationId xmlns:p14="http://schemas.microsoft.com/office/powerpoint/2010/main" val="2944488653"/>
+        <p14:creationId xmlns:p14="http://schemas.microsoft.com/office/powerpoint/2010/main" val="2357309216"/>
       </p:ext>
     </p:extLst>
   </p:cSld>
@@ -2167,7 +2150,7 @@
           <a:p>
             <a:fld id="{8F7D0969-017A-4CFD-B470-B6959400D96E}" type="datetime1">
               <a:rPr lang="en-US" smtClean="0"/>
-              <a:t>8/1/2018</a:t>
+              <a:t>8/11/2018</a:t>
             </a:fld>
             <a:endParaRPr lang="en-US" dirty="0"/>
           </a:p>
@@ -2222,7 +2205,7 @@
     </p:spTree>
     <p:extLst>
       <p:ext uri="{BB962C8B-B14F-4D97-AF65-F5344CB8AC3E}">
-        <p14:creationId xmlns:p14="http://schemas.microsoft.com/office/powerpoint/2010/main" val="2920025911"/>
+        <p14:creationId xmlns:p14="http://schemas.microsoft.com/office/powerpoint/2010/main" val="3811430831"/>
       </p:ext>
     </p:extLst>
   </p:cSld>
@@ -2268,6 +2251,7 @@
               <a:rPr lang="en-US"/>
               <a:t>Click to edit Master title style</a:t>
             </a:r>
+            <a:endParaRPr lang="en-US" dirty="0"/>
           </a:p>
         </p:txBody>
       </p:sp>
@@ -2283,8 +2267,8 @@
         </p:nvSpPr>
         <p:spPr>
           <a:xfrm>
-            <a:off x="838200" y="1825625"/>
-            <a:ext cx="5181600" cy="4351338"/>
+            <a:off x="406400" y="1354666"/>
+            <a:ext cx="5613400" cy="5046134"/>
           </a:xfrm>
         </p:spPr>
         <p:txBody>
@@ -2391,8 +2375,8 @@
         </p:nvSpPr>
         <p:spPr>
           <a:xfrm>
-            <a:off x="6172200" y="1825625"/>
-            <a:ext cx="5181600" cy="4351338"/>
+            <a:off x="6172199" y="1354666"/>
+            <a:ext cx="5469467" cy="5046134"/>
           </a:xfrm>
         </p:spPr>
         <p:txBody>
@@ -2432,6 +2416,7 @@
               <a:rPr lang="en-US"/>
               <a:t>Fifth level</a:t>
             </a:r>
+            <a:endParaRPr lang="en-US" dirty="0"/>
           </a:p>
         </p:txBody>
       </p:sp>
@@ -2452,7 +2437,7 @@
           <a:p>
             <a:fld id="{E7244459-F2A5-4FF9-8125-3DD79827DEF5}" type="datetime1">
               <a:rPr lang="en-US" smtClean="0"/>
-              <a:t>8/1/2018</a:t>
+              <a:t>8/11/2018</a:t>
             </a:fld>
             <a:endParaRPr lang="en-US" dirty="0"/>
           </a:p>
@@ -2507,7 +2492,7 @@
     </p:spTree>
     <p:extLst>
       <p:ext uri="{BB962C8B-B14F-4D97-AF65-F5344CB8AC3E}">
-        <p14:creationId xmlns:p14="http://schemas.microsoft.com/office/powerpoint/2010/main" val="2456643818"/>
+        <p14:creationId xmlns:p14="http://schemas.microsoft.com/office/powerpoint/2010/main" val="706243193"/>
       </p:ext>
     </p:extLst>
   </p:cSld>
@@ -2546,8 +2531,8 @@
         </p:nvSpPr>
         <p:spPr>
           <a:xfrm>
-            <a:off x="839788" y="161926"/>
-            <a:ext cx="8536439" cy="1325563"/>
+            <a:off x="381000" y="5555"/>
+            <a:ext cx="10151533" cy="1325563"/>
           </a:xfrm>
         </p:spPr>
         <p:txBody>
@@ -2568,17 +2553,17 @@
             <a:spLocks noGrp="1"/>
           </p:cNvSpPr>
           <p:nvPr>
-            <p:ph type="body" idx="1"/>
+            <p:ph type="body" idx="1" hasCustomPrompt="1"/>
           </p:nvPr>
         </p:nvSpPr>
         <p:spPr>
           <a:xfrm>
-            <a:off x="839788" y="1681163"/>
-            <a:ext cx="5157787" cy="823912"/>
+            <a:off x="381000" y="1444096"/>
+            <a:ext cx="5616575" cy="823912"/>
           </a:xfrm>
         </p:spPr>
         <p:txBody>
-          <a:bodyPr anchor="b"/>
+          <a:bodyPr anchor="ctr"/>
           <a:lstStyle>
             <a:lvl1pPr marL="0" indent="0">
               <a:buNone/>
@@ -2620,86 +2605,86 @@
           <a:p>
             <a:pPr lvl="0"/>
             <a:r>
+              <a:rPr lang="en-US" dirty="0"/>
+              <a:t>Click to edit Master text styles</a:t>
+            </a:r>
+          </a:p>
+        </p:txBody>
+      </p:sp>
+      <p:sp>
+        <p:nvSpPr>
+          <p:cNvPr id="4" name="Content Placeholder 3"/>
+          <p:cNvSpPr>
+            <a:spLocks noGrp="1"/>
+          </p:cNvSpPr>
+          <p:nvPr>
+            <p:ph sz="half" idx="2"/>
+          </p:nvPr>
+        </p:nvSpPr>
+        <p:spPr>
+          <a:xfrm>
+            <a:off x="381000" y="2268007"/>
+            <a:ext cx="5616575" cy="4014259"/>
+          </a:xfrm>
+        </p:spPr>
+        <p:txBody>
+          <a:bodyPr/>
+          <a:lstStyle/>
+          <a:p>
+            <a:pPr lvl="0"/>
+            <a:r>
               <a:rPr lang="en-US"/>
               <a:t>Edit Master text styles</a:t>
             </a:r>
           </a:p>
-        </p:txBody>
-      </p:sp>
-      <p:sp>
-        <p:nvSpPr>
-          <p:cNvPr id="4" name="Content Placeholder 3"/>
-          <p:cNvSpPr>
-            <a:spLocks noGrp="1"/>
-          </p:cNvSpPr>
-          <p:nvPr>
-            <p:ph sz="half" idx="2"/>
+          <a:p>
+            <a:pPr lvl="1"/>
+            <a:r>
+              <a:rPr lang="en-US"/>
+              <a:t>Second level</a:t>
+            </a:r>
+          </a:p>
+          <a:p>
+            <a:pPr lvl="2"/>
+            <a:r>
+              <a:rPr lang="en-US"/>
+              <a:t>Third level</a:t>
+            </a:r>
+          </a:p>
+          <a:p>
+            <a:pPr lvl="3"/>
+            <a:r>
+              <a:rPr lang="en-US"/>
+              <a:t>Fourth level</a:t>
+            </a:r>
+          </a:p>
+          <a:p>
+            <a:pPr lvl="4"/>
+            <a:r>
+              <a:rPr lang="en-US"/>
+              <a:t>Fifth level</a:t>
+            </a:r>
+          </a:p>
+        </p:txBody>
+      </p:sp>
+      <p:sp>
+        <p:nvSpPr>
+          <p:cNvPr id="5" name="Text Placeholder 4"/>
+          <p:cNvSpPr>
+            <a:spLocks noGrp="1"/>
+          </p:cNvSpPr>
+          <p:nvPr>
+            <p:ph type="body" sz="quarter" idx="3" hasCustomPrompt="1"/>
           </p:nvPr>
         </p:nvSpPr>
         <p:spPr>
           <a:xfrm>
-            <a:off x="839788" y="2505075"/>
-            <a:ext cx="5157787" cy="3684588"/>
+            <a:off x="6172200" y="1444096"/>
+            <a:ext cx="5638800" cy="823912"/>
           </a:xfrm>
         </p:spPr>
         <p:txBody>
-          <a:bodyPr/>
-          <a:lstStyle/>
-          <a:p>
-            <a:pPr lvl="0"/>
-            <a:r>
-              <a:rPr lang="en-US"/>
-              <a:t>Edit Master text styles</a:t>
-            </a:r>
-          </a:p>
-          <a:p>
-            <a:pPr lvl="1"/>
-            <a:r>
-              <a:rPr lang="en-US"/>
-              <a:t>Second level</a:t>
-            </a:r>
-          </a:p>
-          <a:p>
-            <a:pPr lvl="2"/>
-            <a:r>
-              <a:rPr lang="en-US"/>
-              <a:t>Third level</a:t>
-            </a:r>
-          </a:p>
-          <a:p>
-            <a:pPr lvl="3"/>
-            <a:r>
-              <a:rPr lang="en-US"/>
-              <a:t>Fourth level</a:t>
-            </a:r>
-          </a:p>
-          <a:p>
-            <a:pPr lvl="4"/>
-            <a:r>
-              <a:rPr lang="en-US"/>
-              <a:t>Fifth level</a:t>
-            </a:r>
-          </a:p>
-        </p:txBody>
-      </p:sp>
-      <p:sp>
-        <p:nvSpPr>
-          <p:cNvPr id="5" name="Text Placeholder 4"/>
-          <p:cNvSpPr>
-            <a:spLocks noGrp="1"/>
-          </p:cNvSpPr>
-          <p:nvPr>
-            <p:ph type="body" sz="quarter" idx="3"/>
-          </p:nvPr>
-        </p:nvSpPr>
-        <p:spPr>
-          <a:xfrm>
-            <a:off x="6172200" y="1681163"/>
-            <a:ext cx="5183188" cy="823912"/>
-          </a:xfrm>
-        </p:spPr>
-        <p:txBody>
-          <a:bodyPr anchor="b"/>
+          <a:bodyPr anchor="ctr"/>
           <a:lstStyle>
             <a:lvl1pPr marL="0" indent="0">
               <a:buNone/>
@@ -2741,38 +2726,38 @@
           <a:p>
             <a:pPr lvl="0"/>
             <a:r>
+              <a:rPr lang="en-US" dirty="0"/>
+              <a:t>Click to edit Master text styles</a:t>
+            </a:r>
+          </a:p>
+        </p:txBody>
+      </p:sp>
+      <p:sp>
+        <p:nvSpPr>
+          <p:cNvPr id="6" name="Content Placeholder 5"/>
+          <p:cNvSpPr>
+            <a:spLocks noGrp="1"/>
+          </p:cNvSpPr>
+          <p:nvPr>
+            <p:ph sz="quarter" idx="4"/>
+          </p:nvPr>
+        </p:nvSpPr>
+        <p:spPr>
+          <a:xfrm>
+            <a:off x="6172199" y="2268007"/>
+            <a:ext cx="5616575" cy="4014259"/>
+          </a:xfrm>
+        </p:spPr>
+        <p:txBody>
+          <a:bodyPr/>
+          <a:lstStyle/>
+          <a:p>
+            <a:pPr lvl="0"/>
+            <a:r>
               <a:rPr lang="en-US"/>
               <a:t>Edit Master text styles</a:t>
             </a:r>
           </a:p>
-        </p:txBody>
-      </p:sp>
-      <p:sp>
-        <p:nvSpPr>
-          <p:cNvPr id="6" name="Content Placeholder 5"/>
-          <p:cNvSpPr>
-            <a:spLocks noGrp="1"/>
-          </p:cNvSpPr>
-          <p:nvPr>
-            <p:ph sz="quarter" idx="4"/>
-          </p:nvPr>
-        </p:nvSpPr>
-        <p:spPr>
-          <a:xfrm>
-            <a:off x="6172200" y="2505075"/>
-            <a:ext cx="5183188" cy="3684588"/>
-          </a:xfrm>
-        </p:spPr>
-        <p:txBody>
-          <a:bodyPr/>
-          <a:lstStyle/>
-          <a:p>
-            <a:pPr lvl="0"/>
-            <a:r>
-              <a:rPr lang="en-US"/>
-              <a:t>Edit Master text styles</a:t>
-            </a:r>
-          </a:p>
           <a:p>
             <a:pPr lvl="1"/>
             <a:r>
@@ -2820,7 +2805,7 @@
           <a:p>
             <a:fld id="{B3A53202-F90A-473F-9577-0694CB3DE811}" type="datetime1">
               <a:rPr lang="en-US" smtClean="0"/>
-              <a:t>8/1/2018</a:t>
+              <a:t>8/11/2018</a:t>
             </a:fld>
             <a:endParaRPr lang="en-US" dirty="0"/>
           </a:p>
@@ -2875,7 +2860,7 @@
     </p:spTree>
     <p:extLst>
       <p:ext uri="{BB962C8B-B14F-4D97-AF65-F5344CB8AC3E}">
-        <p14:creationId xmlns:p14="http://schemas.microsoft.com/office/powerpoint/2010/main" val="649367323"/>
+        <p14:creationId xmlns:p14="http://schemas.microsoft.com/office/powerpoint/2010/main" val="1183892096"/>
       </p:ext>
     </p:extLst>
   </p:cSld>
@@ -2946,7 +2931,7 @@
             <a:lvl1pPr>
               <a:defRPr>
                 <a:solidFill>
-                  <a:srgbClr val="0070C0"/>
+                  <a:srgbClr val="00B4B0"/>
                 </a:solidFill>
               </a:defRPr>
             </a:lvl1pPr>
@@ -2955,7 +2940,7 @@
             <a:fld id="{64FA1387-E9BD-4269-B052-15A23CD1D16B}" type="datetime1">
               <a:rPr lang="en-US" smtClean="0"/>
               <a:pPr/>
-              <a:t>8/1/2018</a:t>
+              <a:t>8/11/2018</a:t>
             </a:fld>
             <a:endParaRPr lang="en-US" dirty="0"/>
           </a:p>
@@ -2978,7 +2963,7 @@
             <a:lvl1pPr>
               <a:defRPr>
                 <a:solidFill>
-                  <a:srgbClr val="0070C0"/>
+                  <a:srgbClr val="00B4B0"/>
                 </a:solidFill>
               </a:defRPr>
             </a:lvl1pPr>
@@ -3018,7 +3003,7 @@
             <a:lvl1pPr algn="ctr">
               <a:defRPr sz="1200">
                 <a:solidFill>
-                  <a:srgbClr val="0070C0"/>
+                  <a:srgbClr val="00B4B0"/>
                 </a:solidFill>
               </a:defRPr>
             </a:lvl1pPr>
@@ -3035,7 +3020,7 @@
     </p:spTree>
     <p:extLst>
       <p:ext uri="{BB962C8B-B14F-4D97-AF65-F5344CB8AC3E}">
-        <p14:creationId xmlns:p14="http://schemas.microsoft.com/office/powerpoint/2010/main" val="1334591382"/>
+        <p14:creationId xmlns:p14="http://schemas.microsoft.com/office/powerpoint/2010/main" val="751771041"/>
       </p:ext>
     </p:extLst>
   </p:cSld>
@@ -3079,7 +3064,7 @@
           <a:p>
             <a:fld id="{A197E209-8033-4044-BA05-35D0B8A61D52}" type="datetime1">
               <a:rPr lang="en-US" smtClean="0"/>
-              <a:t>8/1/2018</a:t>
+              <a:t>8/11/2018</a:t>
             </a:fld>
             <a:endParaRPr lang="en-US" dirty="0"/>
           </a:p>
@@ -3134,7 +3119,7 @@
     </p:spTree>
     <p:extLst>
       <p:ext uri="{BB962C8B-B14F-4D97-AF65-F5344CB8AC3E}">
-        <p14:creationId xmlns:p14="http://schemas.microsoft.com/office/powerpoint/2010/main" val="266348371"/>
+        <p14:creationId xmlns:p14="http://schemas.microsoft.com/office/powerpoint/2010/main" val="1827973251"/>
       </p:ext>
     </p:extLst>
   </p:cSld>
@@ -3358,7 +3343,7 @@
           <a:p>
             <a:fld id="{488CFC0E-11F7-458D-9C54-1B7C7C814EDD}" type="datetime1">
               <a:rPr lang="en-US" smtClean="0"/>
-              <a:t>8/1/2018</a:t>
+              <a:t>8/11/2018</a:t>
             </a:fld>
             <a:endParaRPr lang="en-US" dirty="0"/>
           </a:p>
@@ -3410,40 +3395,10 @@
           </a:p>
         </p:txBody>
       </p:sp>
-      <p:cxnSp>
-        <p:nvCxnSpPr>
-          <p:cNvPr id="11" name="Straight Connector 10"/>
-          <p:cNvCxnSpPr/>
-          <p:nvPr/>
-        </p:nvCxnSpPr>
-        <p:spPr>
-          <a:xfrm>
-            <a:off x="0" y="6342743"/>
-            <a:ext cx="12192000" cy="0"/>
-          </a:xfrm>
-          <a:prstGeom prst="line">
-            <a:avLst/>
-          </a:prstGeom>
-        </p:spPr>
-        <p:style>
-          <a:lnRef idx="1">
-            <a:schemeClr val="accent1"/>
-          </a:lnRef>
-          <a:fillRef idx="0">
-            <a:schemeClr val="accent1"/>
-          </a:fillRef>
-          <a:effectRef idx="0">
-            <a:schemeClr val="accent1"/>
-          </a:effectRef>
-          <a:fontRef idx="minor">
-            <a:schemeClr val="tx1"/>
-          </a:fontRef>
-        </p:style>
-      </p:cxnSp>
     </p:spTree>
     <p:extLst>
       <p:ext uri="{BB962C8B-B14F-4D97-AF65-F5344CB8AC3E}">
-        <p14:creationId xmlns:p14="http://schemas.microsoft.com/office/powerpoint/2010/main" val="4284597888"/>
+        <p14:creationId xmlns:p14="http://schemas.microsoft.com/office/powerpoint/2010/main" val="3435326068"/>
       </p:ext>
     </p:extLst>
   </p:cSld>
@@ -3620,8 +3575,8 @@
         </p:nvSpPr>
         <p:spPr>
           <a:xfrm>
-            <a:off x="406400" y="91440"/>
-            <a:ext cx="11393714" cy="1234123"/>
+            <a:off x="406400" y="6770"/>
+            <a:ext cx="10049933" cy="1234123"/>
           </a:xfrm>
           <a:prstGeom prst="rect">
             <a:avLst/>
@@ -3652,8 +3607,8 @@
         </p:nvSpPr>
         <p:spPr>
           <a:xfrm>
-            <a:off x="406400" y="1489166"/>
-            <a:ext cx="11393714" cy="4687797"/>
+            <a:off x="406400" y="1337187"/>
+            <a:ext cx="11393714" cy="5064803"/>
           </a:xfrm>
           <a:prstGeom prst="rect">
             <a:avLst/>
@@ -3736,7 +3691,7 @@
             <a:fld id="{DA3380A9-99D8-412F-8F98-2C2792A83619}" type="datetime1">
               <a:rPr lang="en-US" smtClean="0"/>
               <a:pPr/>
-              <a:t>8/1/2018</a:t>
+              <a:t>8/11/2018</a:t>
             </a:fld>
             <a:endParaRPr lang="en-US" dirty="0"/>
           </a:p>
@@ -3862,12 +3817,55 @@
           </a:fontRef>
         </p:style>
       </p:cxnSp>
+      <p:pic>
+        <p:nvPicPr>
+          <p:cNvPr id="10" name="Picture 9" descr="A close up of a sign&#10;&#10;Description generated with very high confidence">
+            <a:extLst>
+              <a:ext uri="{FF2B5EF4-FFF2-40B4-BE49-F238E27FC236}">
+                <a16:creationId xmlns:a16="http://schemas.microsoft.com/office/drawing/2014/main" id="{6D9D6532-6138-406D-8115-7BAFD8D73FEB}"/>
+              </a:ext>
+            </a:extLst>
+          </p:cNvPr>
+          <p:cNvPicPr>
+            <a:picLocks noChangeAspect="1"/>
+          </p:cNvPicPr>
+          <p:nvPr/>
+        </p:nvPicPr>
+        <p:blipFill>
+          <a:blip r:embed="rId16">
+            <a:duotone>
+              <a:schemeClr val="bg2">
+                <a:shade val="45000"/>
+                <a:satMod val="135000"/>
+              </a:schemeClr>
+              <a:prstClr val="white"/>
+            </a:duotone>
+            <a:extLst>
+              <a:ext uri="{28A0092B-C50C-407E-A947-70E740481C1C}">
+                <a14:useLocalDpi xmlns:a14="http://schemas.microsoft.com/office/drawing/2010/main" val="0"/>
+              </a:ext>
+            </a:extLst>
+          </a:blip>
+          <a:stretch>
+            <a:fillRect/>
+          </a:stretch>
+        </p:blipFill>
+        <p:spPr>
+          <a:xfrm>
+            <a:off x="10634133" y="96294"/>
+            <a:ext cx="1165981" cy="1229580"/>
+          </a:xfrm>
+          <a:prstGeom prst="rect">
+            <a:avLst/>
+          </a:prstGeom>
+        </p:spPr>
+      </p:pic>
       <p:cxnSp>
         <p:nvCxnSpPr>
-          <p:cNvPr id="10" name="Straight Connector 9">
+          <p:cNvPr id="11" name="Straight Connector 10">
             <a:extLst>
               <a:ext uri="{FF2B5EF4-FFF2-40B4-BE49-F238E27FC236}">
-                <a16:creationId xmlns:a16="http://schemas.microsoft.com/office/drawing/2014/main" id="{93ADFD60-FDE3-4BA6-8AB9-1F7443A2A7FB}"/>
+                <a16:creationId xmlns:a16="http://schemas.microsoft.com/office/drawing/2014/main" id="{16CA9E7B-012E-46AE-8E34-7DFEB4F2D872}"/>
               </a:ext>
             </a:extLst>
           </p:cNvPr>
@@ -3906,24 +3904,24 @@
     </p:spTree>
     <p:extLst>
       <p:ext uri="{BB962C8B-B14F-4D97-AF65-F5344CB8AC3E}">
-        <p14:creationId xmlns:p14="http://schemas.microsoft.com/office/powerpoint/2010/main" val="2166479738"/>
+        <p14:creationId xmlns:p14="http://schemas.microsoft.com/office/powerpoint/2010/main" val="4209217028"/>
       </p:ext>
     </p:extLst>
   </p:cSld>
   <p:clrMap bg1="lt1" tx1="dk1" bg2="lt2" tx2="dk2" accent1="accent1" accent2="accent2" accent3="accent3" accent4="accent4" accent5="accent5" accent6="accent6" hlink="hlink" folHlink="folHlink"/>
   <p:sldLayoutIdLst>
-    <p:sldLayoutId id="2147483662" r:id="rId1"/>
-    <p:sldLayoutId id="2147483663" r:id="rId2"/>
-    <p:sldLayoutId id="2147483664" r:id="rId3"/>
-    <p:sldLayoutId id="2147483665" r:id="rId4"/>
-    <p:sldLayoutId id="2147483666" r:id="rId5"/>
-    <p:sldLayoutId id="2147483667" r:id="rId6"/>
-    <p:sldLayoutId id="2147483668" r:id="rId7"/>
-    <p:sldLayoutId id="2147483669" r:id="rId8"/>
-    <p:sldLayoutId id="2147483670" r:id="rId9"/>
-    <p:sldLayoutId id="2147483671" r:id="rId10"/>
-    <p:sldLayoutId id="2147483672" r:id="rId11"/>
-    <p:sldLayoutId id="2147483673" r:id="rId12"/>
+    <p:sldLayoutId id="2147483675" r:id="rId1"/>
+    <p:sldLayoutId id="2147483676" r:id="rId2"/>
+    <p:sldLayoutId id="2147483677" r:id="rId3"/>
+    <p:sldLayoutId id="2147483678" r:id="rId4"/>
+    <p:sldLayoutId id="2147483679" r:id="rId5"/>
+    <p:sldLayoutId id="2147483680" r:id="rId6"/>
+    <p:sldLayoutId id="2147483681" r:id="rId7"/>
+    <p:sldLayoutId id="2147483682" r:id="rId8"/>
+    <p:sldLayoutId id="2147483683" r:id="rId9"/>
+    <p:sldLayoutId id="2147483684" r:id="rId10"/>
+    <p:sldLayoutId id="2147483685" r:id="rId11"/>
+    <p:sldLayoutId id="2147483686" r:id="rId12"/>
   </p:sldLayoutIdLst>
   <p:hf hdr="0"/>
   <p:txStyles>
@@ -4785,7 +4783,7 @@
           <a:p>
             <a:fld id="{B3A53202-F90A-473F-9577-0694CB3DE811}" type="datetime1">
               <a:rPr lang="en-US" smtClean="0"/>
-              <a:t>8/1/2018</a:t>
+              <a:t>8/11/2018</a:t>
             </a:fld>
             <a:endParaRPr lang="en-US" dirty="0"/>
           </a:p>
@@ -5568,7 +5566,7 @@
           <a:p>
             <a:fld id="{E7244459-F2A5-4FF9-8125-3DD79827DEF5}" type="datetime1">
               <a:rPr lang="en-US" smtClean="0"/>
-              <a:t>8/1/2018</a:t>
+              <a:t>8/11/2018</a:t>
             </a:fld>
             <a:endParaRPr lang="en-US" dirty="0"/>
           </a:p>
@@ -6157,7 +6155,7 @@
           <a:p>
             <a:fld id="{E7244459-F2A5-4FF9-8125-3DD79827DEF5}" type="datetime1">
               <a:rPr lang="en-US" smtClean="0"/>
-              <a:t>8/1/2018</a:t>
+              <a:t>8/11/2018</a:t>
             </a:fld>
             <a:endParaRPr lang="en-US" dirty="0"/>
           </a:p>
@@ -6894,7 +6892,7 @@
           <a:p>
             <a:fld id="{E7244459-F2A5-4FF9-8125-3DD79827DEF5}" type="datetime1">
               <a:rPr lang="en-US" smtClean="0"/>
-              <a:t>8/1/2018</a:t>
+              <a:t>8/11/2018</a:t>
             </a:fld>
             <a:endParaRPr lang="en-US" dirty="0"/>
           </a:p>
@@ -7799,7 +7797,7 @@
           <a:p>
             <a:fld id="{E7244459-F2A5-4FF9-8125-3DD79827DEF5}" type="datetime1">
               <a:rPr lang="en-US" smtClean="0"/>
-              <a:t>8/1/2018</a:t>
+              <a:t>8/11/2018</a:t>
             </a:fld>
             <a:endParaRPr lang="en-US" dirty="0"/>
           </a:p>
@@ -8261,7 +8259,7 @@
           <a:p>
             <a:fld id="{E7244459-F2A5-4FF9-8125-3DD79827DEF5}" type="datetime1">
               <a:rPr lang="en-US" smtClean="0"/>
-              <a:t>8/1/2018</a:t>
+              <a:t>8/11/2018</a:t>
             </a:fld>
             <a:endParaRPr lang="en-US" dirty="0"/>
           </a:p>
@@ -8360,198 +8358,6 @@
           <p:cNvPr id="2" name="Title 1">
             <a:extLst>
               <a:ext uri="{FF2B5EF4-FFF2-40B4-BE49-F238E27FC236}">
-                <a16:creationId xmlns:a16="http://schemas.microsoft.com/office/drawing/2014/main" id="{0350F08D-E947-4566-8D3B-C54A1D7AFB80}"/>
-              </a:ext>
-            </a:extLst>
-          </p:cNvPr>
-          <p:cNvSpPr>
-            <a:spLocks noGrp="1"/>
-          </p:cNvSpPr>
-          <p:nvPr>
-            <p:ph type="title"/>
-          </p:nvPr>
-        </p:nvSpPr>
-        <p:spPr/>
-        <p:txBody>
-          <a:bodyPr/>
-          <a:lstStyle/>
-          <a:p>
-            <a:endParaRPr lang="en-US"/>
-          </a:p>
-        </p:txBody>
-      </p:sp>
-      <p:sp>
-        <p:nvSpPr>
-          <p:cNvPr id="3" name="Content Placeholder 2">
-            <a:extLst>
-              <a:ext uri="{FF2B5EF4-FFF2-40B4-BE49-F238E27FC236}">
-                <a16:creationId xmlns:a16="http://schemas.microsoft.com/office/drawing/2014/main" id="{ACBC7DC3-804F-4B79-9D4A-D24D28C843FA}"/>
-              </a:ext>
-            </a:extLst>
-          </p:cNvPr>
-          <p:cNvSpPr>
-            <a:spLocks noGrp="1"/>
-          </p:cNvSpPr>
-          <p:nvPr>
-            <p:ph sz="half" idx="1"/>
-          </p:nvPr>
-        </p:nvSpPr>
-        <p:spPr/>
-        <p:txBody>
-          <a:bodyPr/>
-          <a:lstStyle/>
-          <a:p>
-            <a:endParaRPr lang="en-US"/>
-          </a:p>
-        </p:txBody>
-      </p:sp>
-      <p:sp>
-        <p:nvSpPr>
-          <p:cNvPr id="4" name="Content Placeholder 3">
-            <a:extLst>
-              <a:ext uri="{FF2B5EF4-FFF2-40B4-BE49-F238E27FC236}">
-                <a16:creationId xmlns:a16="http://schemas.microsoft.com/office/drawing/2014/main" id="{53C9B650-DC0B-44E3-9855-D1713230CA7E}"/>
-              </a:ext>
-            </a:extLst>
-          </p:cNvPr>
-          <p:cNvSpPr>
-            <a:spLocks noGrp="1"/>
-          </p:cNvSpPr>
-          <p:nvPr>
-            <p:ph sz="half" idx="2"/>
-          </p:nvPr>
-        </p:nvSpPr>
-        <p:spPr/>
-        <p:txBody>
-          <a:bodyPr/>
-          <a:lstStyle/>
-          <a:p>
-            <a:endParaRPr lang="en-US"/>
-          </a:p>
-        </p:txBody>
-      </p:sp>
-      <p:sp>
-        <p:nvSpPr>
-          <p:cNvPr id="5" name="Date Placeholder 4">
-            <a:extLst>
-              <a:ext uri="{FF2B5EF4-FFF2-40B4-BE49-F238E27FC236}">
-                <a16:creationId xmlns:a16="http://schemas.microsoft.com/office/drawing/2014/main" id="{F97BE51E-A166-4458-B294-D6FC196B68C1}"/>
-              </a:ext>
-            </a:extLst>
-          </p:cNvPr>
-          <p:cNvSpPr>
-            <a:spLocks noGrp="1"/>
-          </p:cNvSpPr>
-          <p:nvPr>
-            <p:ph type="dt" sz="half" idx="10"/>
-          </p:nvPr>
-        </p:nvSpPr>
-        <p:spPr/>
-        <p:txBody>
-          <a:bodyPr/>
-          <a:lstStyle/>
-          <a:p>
-            <a:fld id="{E7244459-F2A5-4FF9-8125-3DD79827DEF5}" type="datetime1">
-              <a:rPr lang="en-US" smtClean="0"/>
-              <a:t>8/1/2018</a:t>
-            </a:fld>
-            <a:endParaRPr lang="en-US" dirty="0"/>
-          </a:p>
-        </p:txBody>
-      </p:sp>
-      <p:sp>
-        <p:nvSpPr>
-          <p:cNvPr id="6" name="Footer Placeholder 5">
-            <a:extLst>
-              <a:ext uri="{FF2B5EF4-FFF2-40B4-BE49-F238E27FC236}">
-                <a16:creationId xmlns:a16="http://schemas.microsoft.com/office/drawing/2014/main" id="{AFFF727A-EE7B-4A56-A73F-87FB71C538ED}"/>
-              </a:ext>
-            </a:extLst>
-          </p:cNvPr>
-          <p:cNvSpPr>
-            <a:spLocks noGrp="1"/>
-          </p:cNvSpPr>
-          <p:nvPr>
-            <p:ph type="ftr" sz="quarter" idx="11"/>
-          </p:nvPr>
-        </p:nvSpPr>
-        <p:spPr/>
-        <p:txBody>
-          <a:bodyPr/>
-          <a:lstStyle/>
-          <a:p>
-            <a:r>
-              <a:rPr lang="en-US"/>
-              <a:t>Copyright © 2010 Simulation Educators</a:t>
-            </a:r>
-            <a:endParaRPr lang="en-US" dirty="0"/>
-          </a:p>
-        </p:txBody>
-      </p:sp>
-      <p:sp>
-        <p:nvSpPr>
-          <p:cNvPr id="7" name="Slide Number Placeholder 6">
-            <a:extLst>
-              <a:ext uri="{FF2B5EF4-FFF2-40B4-BE49-F238E27FC236}">
-                <a16:creationId xmlns:a16="http://schemas.microsoft.com/office/drawing/2014/main" id="{7C900ACC-57B0-456A-AD07-111174773F58}"/>
-              </a:ext>
-            </a:extLst>
-          </p:cNvPr>
-          <p:cNvSpPr>
-            <a:spLocks noGrp="1"/>
-          </p:cNvSpPr>
-          <p:nvPr>
-            <p:ph type="sldNum" sz="quarter" idx="12"/>
-          </p:nvPr>
-        </p:nvSpPr>
-        <p:spPr/>
-        <p:txBody>
-          <a:bodyPr/>
-          <a:lstStyle/>
-          <a:p>
-            <a:fld id="{799C26FD-E1A0-49B8-8B03-25A733166562}" type="slidenum">
-              <a:rPr lang="en-US" smtClean="0"/>
-              <a:t>16</a:t>
-            </a:fld>
-            <a:endParaRPr lang="en-US" dirty="0"/>
-          </a:p>
-        </p:txBody>
-      </p:sp>
-    </p:spTree>
-    <p:extLst>
-      <p:ext uri="{BB962C8B-B14F-4D97-AF65-F5344CB8AC3E}">
-        <p14:creationId xmlns:p14="http://schemas.microsoft.com/office/powerpoint/2010/main" val="3788032368"/>
-      </p:ext>
-    </p:extLst>
-  </p:cSld>
-  <p:clrMapOvr>
-    <a:masterClrMapping/>
-  </p:clrMapOvr>
-</p:sld>
-</file>
-
-<file path=ppt/slides/slide17.xml><?xml version="1.0" encoding="utf-8"?>
-<p:sld xmlns:a="http://schemas.openxmlformats.org/drawingml/2006/main" xmlns:r="http://schemas.openxmlformats.org/officeDocument/2006/relationships" xmlns:p="http://schemas.openxmlformats.org/presentationml/2006/main">
-  <p:cSld>
-    <p:spTree>
-      <p:nvGrpSpPr>
-        <p:cNvPr id="1" name=""/>
-        <p:cNvGrpSpPr/>
-        <p:nvPr/>
-      </p:nvGrpSpPr>
-      <p:grpSpPr>
-        <a:xfrm>
-          <a:off x="0" y="0"/>
-          <a:ext cx="0" cy="0"/>
-          <a:chOff x="0" y="0"/>
-          <a:chExt cx="0" cy="0"/>
-        </a:xfrm>
-      </p:grpSpPr>
-      <p:sp>
-        <p:nvSpPr>
-          <p:cNvPr id="2" name="Title 1">
-            <a:extLst>
-              <a:ext uri="{FF2B5EF4-FFF2-40B4-BE49-F238E27FC236}">
                 <a16:creationId xmlns:a16="http://schemas.microsoft.com/office/drawing/2014/main" id="{72AC091E-5C61-470E-A897-8E809F5AAE8F}"/>
               </a:ext>
             </a:extLst>
@@ -8566,7 +8372,7 @@
         <p:spPr/>
         <p:txBody>
           <a:bodyPr vert="horz" lIns="91440" tIns="45720" rIns="91440" bIns="45720" rtlCol="0" anchor="ctr">
-            <a:normAutofit/>
+            <a:normAutofit fontScale="90000"/>
           </a:bodyPr>
           <a:lstStyle/>
           <a:p>
@@ -11514,7 +11320,7 @@
           <a:p>
             <a:fld id="{E7244459-F2A5-4FF9-8125-3DD79827DEF5}" type="datetime1">
               <a:rPr lang="en-US" smtClean="0"/>
-              <a:t>8/1/2018</a:t>
+              <a:t>8/11/2018</a:t>
             </a:fld>
             <a:endParaRPr lang="en-US" dirty="0"/>
           </a:p>
@@ -11572,7 +11378,7 @@
           <a:p>
             <a:fld id="{799C26FD-E1A0-49B8-8B03-25A733166562}" type="slidenum">
               <a:rPr lang="en-US" smtClean="0"/>
-              <a:t>17</a:t>
+              <a:t>16</a:t>
             </a:fld>
             <a:endParaRPr lang="en-US" dirty="0"/>
           </a:p>
@@ -11582,6 +11388,191 @@
     <p:extLst>
       <p:ext uri="{BB962C8B-B14F-4D97-AF65-F5344CB8AC3E}">
         <p14:creationId xmlns:p14="http://schemas.microsoft.com/office/powerpoint/2010/main" val="68363824"/>
+      </p:ext>
+    </p:extLst>
+  </p:cSld>
+  <p:clrMapOvr>
+    <a:masterClrMapping/>
+  </p:clrMapOvr>
+</p:sld>
+</file>
+
+<file path=ppt/slides/slide17.xml><?xml version="1.0" encoding="utf-8"?>
+<p:sld xmlns:a="http://schemas.openxmlformats.org/drawingml/2006/main" xmlns:r="http://schemas.openxmlformats.org/officeDocument/2006/relationships" xmlns:p="http://schemas.openxmlformats.org/presentationml/2006/main">
+  <p:cSld>
+    <p:spTree>
+      <p:nvGrpSpPr>
+        <p:cNvPr id="1" name=""/>
+        <p:cNvGrpSpPr/>
+        <p:nvPr/>
+      </p:nvGrpSpPr>
+      <p:grpSpPr>
+        <a:xfrm>
+          <a:off x="0" y="0"/>
+          <a:ext cx="0" cy="0"/>
+          <a:chOff x="0" y="0"/>
+          <a:chExt cx="0" cy="0"/>
+        </a:xfrm>
+      </p:grpSpPr>
+      <p:sp>
+        <p:nvSpPr>
+          <p:cNvPr id="2" name="Title 1">
+            <a:extLst>
+              <a:ext uri="{FF2B5EF4-FFF2-40B4-BE49-F238E27FC236}">
+                <a16:creationId xmlns:a16="http://schemas.microsoft.com/office/drawing/2014/main" id="{0DB082C7-2424-4A18-A9D1-1743890A09FF}"/>
+              </a:ext>
+            </a:extLst>
+          </p:cNvPr>
+          <p:cNvSpPr>
+            <a:spLocks noGrp="1"/>
+          </p:cNvSpPr>
+          <p:nvPr>
+            <p:ph type="title"/>
+          </p:nvPr>
+        </p:nvSpPr>
+        <p:spPr/>
+        <p:txBody>
+          <a:bodyPr/>
+          <a:lstStyle/>
+          <a:p>
+            <a:r>
+              <a:rPr lang="en-US" dirty="0"/>
+              <a:t>K-means Clustering – How Many </a:t>
+            </a:r>
+            <a:r>
+              <a:rPr lang="en-US" dirty="0" err="1"/>
+              <a:t>Clsusters</a:t>
+            </a:r>
+            <a:r>
+              <a:rPr lang="en-US" dirty="0"/>
+              <a:t>?</a:t>
+            </a:r>
+          </a:p>
+        </p:txBody>
+      </p:sp>
+      <p:pic>
+        <p:nvPicPr>
+          <p:cNvPr id="9" name="Content Placeholder 8">
+            <a:extLst>
+              <a:ext uri="{FF2B5EF4-FFF2-40B4-BE49-F238E27FC236}">
+                <a16:creationId xmlns:a16="http://schemas.microsoft.com/office/drawing/2014/main" id="{2451ADAD-E13C-496E-AC20-DF7C5CCCE6F5}"/>
+              </a:ext>
+            </a:extLst>
+          </p:cNvPr>
+          <p:cNvPicPr>
+            <a:picLocks noGrp="1" noChangeAspect="1"/>
+          </p:cNvPicPr>
+          <p:nvPr>
+            <p:ph idx="1"/>
+          </p:nvPr>
+        </p:nvPicPr>
+        <p:blipFill>
+          <a:blip r:embed="rId2"/>
+          <a:stretch>
+            <a:fillRect/>
+          </a:stretch>
+        </p:blipFill>
+        <p:spPr>
+          <a:xfrm>
+            <a:off x="1748739" y="1336675"/>
+            <a:ext cx="8708810" cy="5065713"/>
+          </a:xfrm>
+          <a:prstGeom prst="rect">
+            <a:avLst/>
+          </a:prstGeom>
+        </p:spPr>
+      </p:pic>
+      <p:sp>
+        <p:nvSpPr>
+          <p:cNvPr id="5" name="Date Placeholder 4">
+            <a:extLst>
+              <a:ext uri="{FF2B5EF4-FFF2-40B4-BE49-F238E27FC236}">
+                <a16:creationId xmlns:a16="http://schemas.microsoft.com/office/drawing/2014/main" id="{CB1AA2AD-6938-4E68-AF09-C7DF9D5490E4}"/>
+              </a:ext>
+            </a:extLst>
+          </p:cNvPr>
+          <p:cNvSpPr>
+            <a:spLocks noGrp="1"/>
+          </p:cNvSpPr>
+          <p:nvPr>
+            <p:ph type="dt" sz="half" idx="10"/>
+          </p:nvPr>
+        </p:nvSpPr>
+        <p:spPr/>
+        <p:txBody>
+          <a:bodyPr/>
+          <a:lstStyle/>
+          <a:p>
+            <a:fld id="{E7244459-F2A5-4FF9-8125-3DD79827DEF5}" type="datetime1">
+              <a:rPr lang="en-US" smtClean="0"/>
+              <a:t>8/11/2018</a:t>
+            </a:fld>
+            <a:endParaRPr lang="en-US" dirty="0"/>
+          </a:p>
+        </p:txBody>
+      </p:sp>
+      <p:sp>
+        <p:nvSpPr>
+          <p:cNvPr id="7" name="Slide Number Placeholder 6">
+            <a:extLst>
+              <a:ext uri="{FF2B5EF4-FFF2-40B4-BE49-F238E27FC236}">
+                <a16:creationId xmlns:a16="http://schemas.microsoft.com/office/drawing/2014/main" id="{62150556-A38C-4C9C-AF82-96C3901FC96E}"/>
+              </a:ext>
+            </a:extLst>
+          </p:cNvPr>
+          <p:cNvSpPr>
+            <a:spLocks noGrp="1"/>
+          </p:cNvSpPr>
+          <p:nvPr>
+            <p:ph type="sldNum" sz="quarter" idx="12"/>
+          </p:nvPr>
+        </p:nvSpPr>
+        <p:spPr/>
+        <p:txBody>
+          <a:bodyPr/>
+          <a:lstStyle/>
+          <a:p>
+            <a:fld id="{799C26FD-E1A0-49B8-8B03-25A733166562}" type="slidenum">
+              <a:rPr lang="en-US" smtClean="0"/>
+              <a:t>17</a:t>
+            </a:fld>
+            <a:endParaRPr lang="en-US" dirty="0"/>
+          </a:p>
+        </p:txBody>
+      </p:sp>
+      <p:sp>
+        <p:nvSpPr>
+          <p:cNvPr id="6" name="Footer Placeholder 5">
+            <a:extLst>
+              <a:ext uri="{FF2B5EF4-FFF2-40B4-BE49-F238E27FC236}">
+                <a16:creationId xmlns:a16="http://schemas.microsoft.com/office/drawing/2014/main" id="{22614ADA-3A85-4178-9647-C10BE6EB4746}"/>
+              </a:ext>
+            </a:extLst>
+          </p:cNvPr>
+          <p:cNvSpPr>
+            <a:spLocks noGrp="1"/>
+          </p:cNvSpPr>
+          <p:nvPr>
+            <p:ph type="ftr" sz="quarter" idx="3"/>
+          </p:nvPr>
+        </p:nvSpPr>
+        <p:spPr/>
+        <p:txBody>
+          <a:bodyPr/>
+          <a:lstStyle/>
+          <a:p>
+            <a:r>
+              <a:rPr lang="en-US"/>
+              <a:t>Copyright © 2010 Simulation Educators</a:t>
+            </a:r>
+            <a:endParaRPr lang="en-US" dirty="0"/>
+          </a:p>
+        </p:txBody>
+      </p:sp>
+    </p:spTree>
+    <p:extLst>
+      <p:ext uri="{BB962C8B-B14F-4D97-AF65-F5344CB8AC3E}">
+        <p14:creationId xmlns:p14="http://schemas.microsoft.com/office/powerpoint/2010/main" val="3543013649"/>
       </p:ext>
     </p:extLst>
   </p:cSld>
@@ -11610,191 +11601,6 @@
       </p:grpSpPr>
       <p:sp>
         <p:nvSpPr>
-          <p:cNvPr id="2" name="Title 1">
-            <a:extLst>
-              <a:ext uri="{FF2B5EF4-FFF2-40B4-BE49-F238E27FC236}">
-                <a16:creationId xmlns:a16="http://schemas.microsoft.com/office/drawing/2014/main" id="{0DB082C7-2424-4A18-A9D1-1743890A09FF}"/>
-              </a:ext>
-            </a:extLst>
-          </p:cNvPr>
-          <p:cNvSpPr>
-            <a:spLocks noGrp="1"/>
-          </p:cNvSpPr>
-          <p:nvPr>
-            <p:ph type="title"/>
-          </p:nvPr>
-        </p:nvSpPr>
-        <p:spPr/>
-        <p:txBody>
-          <a:bodyPr/>
-          <a:lstStyle/>
-          <a:p>
-            <a:r>
-              <a:rPr lang="en-US" dirty="0"/>
-              <a:t>K-means Clustering – How Many </a:t>
-            </a:r>
-            <a:r>
-              <a:rPr lang="en-US" dirty="0" err="1"/>
-              <a:t>Clsusters</a:t>
-            </a:r>
-            <a:r>
-              <a:rPr lang="en-US" dirty="0"/>
-              <a:t>?</a:t>
-            </a:r>
-          </a:p>
-        </p:txBody>
-      </p:sp>
-      <p:pic>
-        <p:nvPicPr>
-          <p:cNvPr id="9" name="Content Placeholder 8">
-            <a:extLst>
-              <a:ext uri="{FF2B5EF4-FFF2-40B4-BE49-F238E27FC236}">
-                <a16:creationId xmlns:a16="http://schemas.microsoft.com/office/drawing/2014/main" id="{2451ADAD-E13C-496E-AC20-DF7C5CCCE6F5}"/>
-              </a:ext>
-            </a:extLst>
-          </p:cNvPr>
-          <p:cNvPicPr>
-            <a:picLocks noGrp="1" noChangeAspect="1"/>
-          </p:cNvPicPr>
-          <p:nvPr>
-            <p:ph idx="1"/>
-          </p:nvPr>
-        </p:nvPicPr>
-        <p:blipFill>
-          <a:blip r:embed="rId2"/>
-          <a:stretch>
-            <a:fillRect/>
-          </a:stretch>
-        </p:blipFill>
-        <p:spPr>
-          <a:xfrm>
-            <a:off x="2073511" y="1489075"/>
-            <a:ext cx="8059265" cy="4687888"/>
-          </a:xfrm>
-          <a:prstGeom prst="rect">
-            <a:avLst/>
-          </a:prstGeom>
-        </p:spPr>
-      </p:pic>
-      <p:sp>
-        <p:nvSpPr>
-          <p:cNvPr id="5" name="Date Placeholder 4">
-            <a:extLst>
-              <a:ext uri="{FF2B5EF4-FFF2-40B4-BE49-F238E27FC236}">
-                <a16:creationId xmlns:a16="http://schemas.microsoft.com/office/drawing/2014/main" id="{CB1AA2AD-6938-4E68-AF09-C7DF9D5490E4}"/>
-              </a:ext>
-            </a:extLst>
-          </p:cNvPr>
-          <p:cNvSpPr>
-            <a:spLocks noGrp="1"/>
-          </p:cNvSpPr>
-          <p:nvPr>
-            <p:ph type="dt" sz="half" idx="10"/>
-          </p:nvPr>
-        </p:nvSpPr>
-        <p:spPr/>
-        <p:txBody>
-          <a:bodyPr/>
-          <a:lstStyle/>
-          <a:p>
-            <a:fld id="{E7244459-F2A5-4FF9-8125-3DD79827DEF5}" type="datetime1">
-              <a:rPr lang="en-US" smtClean="0"/>
-              <a:t>8/1/2018</a:t>
-            </a:fld>
-            <a:endParaRPr lang="en-US" dirty="0"/>
-          </a:p>
-        </p:txBody>
-      </p:sp>
-      <p:sp>
-        <p:nvSpPr>
-          <p:cNvPr id="7" name="Slide Number Placeholder 6">
-            <a:extLst>
-              <a:ext uri="{FF2B5EF4-FFF2-40B4-BE49-F238E27FC236}">
-                <a16:creationId xmlns:a16="http://schemas.microsoft.com/office/drawing/2014/main" id="{62150556-A38C-4C9C-AF82-96C3901FC96E}"/>
-              </a:ext>
-            </a:extLst>
-          </p:cNvPr>
-          <p:cNvSpPr>
-            <a:spLocks noGrp="1"/>
-          </p:cNvSpPr>
-          <p:nvPr>
-            <p:ph type="sldNum" sz="quarter" idx="12"/>
-          </p:nvPr>
-        </p:nvSpPr>
-        <p:spPr/>
-        <p:txBody>
-          <a:bodyPr/>
-          <a:lstStyle/>
-          <a:p>
-            <a:fld id="{799C26FD-E1A0-49B8-8B03-25A733166562}" type="slidenum">
-              <a:rPr lang="en-US" smtClean="0"/>
-              <a:t>18</a:t>
-            </a:fld>
-            <a:endParaRPr lang="en-US" dirty="0"/>
-          </a:p>
-        </p:txBody>
-      </p:sp>
-      <p:sp>
-        <p:nvSpPr>
-          <p:cNvPr id="6" name="Footer Placeholder 5">
-            <a:extLst>
-              <a:ext uri="{FF2B5EF4-FFF2-40B4-BE49-F238E27FC236}">
-                <a16:creationId xmlns:a16="http://schemas.microsoft.com/office/drawing/2014/main" id="{22614ADA-3A85-4178-9647-C10BE6EB4746}"/>
-              </a:ext>
-            </a:extLst>
-          </p:cNvPr>
-          <p:cNvSpPr>
-            <a:spLocks noGrp="1"/>
-          </p:cNvSpPr>
-          <p:nvPr>
-            <p:ph type="ftr" sz="quarter" idx="3"/>
-          </p:nvPr>
-        </p:nvSpPr>
-        <p:spPr/>
-        <p:txBody>
-          <a:bodyPr/>
-          <a:lstStyle/>
-          <a:p>
-            <a:r>
-              <a:rPr lang="en-US"/>
-              <a:t>Copyright © 2010 Simulation Educators</a:t>
-            </a:r>
-            <a:endParaRPr lang="en-US" dirty="0"/>
-          </a:p>
-        </p:txBody>
-      </p:sp>
-    </p:spTree>
-    <p:extLst>
-      <p:ext uri="{BB962C8B-B14F-4D97-AF65-F5344CB8AC3E}">
-        <p14:creationId xmlns:p14="http://schemas.microsoft.com/office/powerpoint/2010/main" val="3543013649"/>
-      </p:ext>
-    </p:extLst>
-  </p:cSld>
-  <p:clrMapOvr>
-    <a:masterClrMapping/>
-  </p:clrMapOvr>
-</p:sld>
-</file>
-
-<file path=ppt/slides/slide19.xml><?xml version="1.0" encoding="utf-8"?>
-<p:sld xmlns:a="http://schemas.openxmlformats.org/drawingml/2006/main" xmlns:r="http://schemas.openxmlformats.org/officeDocument/2006/relationships" xmlns:p="http://schemas.openxmlformats.org/presentationml/2006/main">
-  <p:cSld>
-    <p:spTree>
-      <p:nvGrpSpPr>
-        <p:cNvPr id="1" name=""/>
-        <p:cNvGrpSpPr/>
-        <p:nvPr/>
-      </p:nvGrpSpPr>
-      <p:grpSpPr>
-        <a:xfrm>
-          <a:off x="0" y="0"/>
-          <a:ext cx="0" cy="0"/>
-          <a:chOff x="0" y="0"/>
-          <a:chExt cx="0" cy="0"/>
-        </a:xfrm>
-      </p:grpSpPr>
-      <p:sp>
-        <p:nvSpPr>
           <p:cNvPr id="8" name="Title 7">
             <a:extLst>
               <a:ext uri="{FF2B5EF4-FFF2-40B4-BE49-F238E27FC236}">
@@ -11844,7 +11650,7 @@
           <a:p>
             <a:fld id="{E7244459-F2A5-4FF9-8125-3DD79827DEF5}" type="datetime1">
               <a:rPr lang="en-US" smtClean="0"/>
-              <a:t>8/1/2018</a:t>
+              <a:t>8/11/2018</a:t>
             </a:fld>
             <a:endParaRPr lang="en-US" dirty="0"/>
           </a:p>
@@ -11873,7 +11679,7 @@
           <a:p>
             <a:fld id="{799C26FD-E1A0-49B8-8B03-25A733166562}" type="slidenum">
               <a:rPr lang="en-US" smtClean="0"/>
-              <a:t>19</a:t>
+              <a:t>18</a:t>
             </a:fld>
             <a:endParaRPr lang="en-US" dirty="0"/>
           </a:p>
@@ -11951,6 +11757,246 @@
 </p:sld>
 </file>
 
+<file path=ppt/slides/slide19.xml><?xml version="1.0" encoding="utf-8"?>
+<p:sld xmlns:a="http://schemas.openxmlformats.org/drawingml/2006/main" xmlns:r="http://schemas.openxmlformats.org/officeDocument/2006/relationships" xmlns:p="http://schemas.openxmlformats.org/presentationml/2006/main">
+  <p:cSld>
+    <p:spTree>
+      <p:nvGrpSpPr>
+        <p:cNvPr id="1" name=""/>
+        <p:cNvGrpSpPr/>
+        <p:nvPr/>
+      </p:nvGrpSpPr>
+      <p:grpSpPr>
+        <a:xfrm>
+          <a:off x="0" y="0"/>
+          <a:ext cx="0" cy="0"/>
+          <a:chOff x="0" y="0"/>
+          <a:chExt cx="0" cy="0"/>
+        </a:xfrm>
+      </p:grpSpPr>
+      <p:sp>
+        <p:nvSpPr>
+          <p:cNvPr id="9" name="Title 8">
+            <a:extLst>
+              <a:ext uri="{FF2B5EF4-FFF2-40B4-BE49-F238E27FC236}">
+                <a16:creationId xmlns:a16="http://schemas.microsoft.com/office/drawing/2014/main" id="{67E6AF11-B945-4E98-9E1D-E4BC27027B2F}"/>
+              </a:ext>
+            </a:extLst>
+          </p:cNvPr>
+          <p:cNvSpPr>
+            <a:spLocks noGrp="1"/>
+          </p:cNvSpPr>
+          <p:nvPr>
+            <p:ph type="title"/>
+          </p:nvPr>
+        </p:nvSpPr>
+        <p:spPr/>
+        <p:txBody>
+          <a:bodyPr/>
+          <a:lstStyle/>
+          <a:p>
+            <a:r>
+              <a:rPr lang="en-US" dirty="0"/>
+              <a:t>Projects Preview</a:t>
+            </a:r>
+          </a:p>
+        </p:txBody>
+      </p:sp>
+      <p:sp>
+        <p:nvSpPr>
+          <p:cNvPr id="11" name="Content Placeholder 10">
+            <a:extLst>
+              <a:ext uri="{FF2B5EF4-FFF2-40B4-BE49-F238E27FC236}">
+                <a16:creationId xmlns:a16="http://schemas.microsoft.com/office/drawing/2014/main" id="{4FF078CC-D293-43C4-95D1-95314AB4BFDB}"/>
+              </a:ext>
+            </a:extLst>
+          </p:cNvPr>
+          <p:cNvSpPr>
+            <a:spLocks noGrp="1"/>
+          </p:cNvSpPr>
+          <p:nvPr>
+            <p:ph idx="1"/>
+          </p:nvPr>
+        </p:nvSpPr>
+        <p:spPr/>
+        <p:txBody>
+          <a:bodyPr>
+            <a:normAutofit/>
+          </a:bodyPr>
+          <a:lstStyle/>
+          <a:p>
+            <a:r>
+              <a:rPr lang="en-US" sz="2000" dirty="0"/>
+              <a:t>The projects in this directory are for applied data analytics and are tailored for R and Python. </a:t>
+            </a:r>
+          </a:p>
+          <a:p>
+            <a:r>
+              <a:rPr lang="en-US" sz="2000" dirty="0"/>
+              <a:t>Data located at: </a:t>
+            </a:r>
+            <a:r>
+              <a:rPr lang="en-US" sz="2000" dirty="0">
+                <a:hlinkClick r:id="rId2"/>
+              </a:rPr>
+              <a:t>https://github.com/stricje1/VIT_University/blob/master/Data_Analytics_2018/</a:t>
+            </a:r>
+            <a:endParaRPr lang="en-US" sz="2000" dirty="0"/>
+          </a:p>
+          <a:p>
+            <a:r>
+              <a:rPr lang="en-US" sz="2000" dirty="0" err="1"/>
+              <a:t>Rojects</a:t>
+            </a:r>
+            <a:r>
+              <a:rPr lang="en-US" sz="2000" dirty="0"/>
+              <a:t> include:</a:t>
+            </a:r>
+          </a:p>
+          <a:p>
+            <a:pPr marL="914400" indent="-457200">
+              <a:buFont typeface="+mj-lt"/>
+              <a:buAutoNum type="arabicPeriod"/>
+            </a:pPr>
+            <a:r>
+              <a:rPr lang="en-US" sz="2000" dirty="0"/>
+              <a:t>Credit Default Prediction Model - Machine Learning Models </a:t>
+            </a:r>
+          </a:p>
+          <a:p>
+            <a:pPr marL="914400" indent="-457200">
+              <a:buFont typeface="+mj-lt"/>
+              <a:buAutoNum type="arabicPeriod"/>
+            </a:pPr>
+            <a:r>
+              <a:rPr lang="en-US" sz="2000" dirty="0"/>
+              <a:t>Culturally Relevant Sentiment Analysis - Sentiment or Topic Analysis </a:t>
+            </a:r>
+          </a:p>
+          <a:p>
+            <a:pPr marL="914400" indent="-457200">
+              <a:buFont typeface="+mj-lt"/>
+              <a:buAutoNum type="arabicPeriod"/>
+            </a:pPr>
+            <a:r>
+              <a:rPr lang="en-US" sz="2000" dirty="0"/>
+              <a:t>American Politics Sentiment Analysis - Sentiment Analysis </a:t>
+            </a:r>
+          </a:p>
+          <a:p>
+            <a:pPr marL="914400" indent="-457200">
+              <a:buFont typeface="+mj-lt"/>
+              <a:buAutoNum type="arabicPeriod"/>
+            </a:pPr>
+            <a:r>
+              <a:rPr lang="en-US" sz="2000" dirty="0"/>
+              <a:t>Counterpoise Pro-ISIS Sentiment Analysis - Text Analytics</a:t>
+            </a:r>
+          </a:p>
+        </p:txBody>
+      </p:sp>
+      <p:sp>
+        <p:nvSpPr>
+          <p:cNvPr id="3" name="Date Placeholder 2">
+            <a:extLst>
+              <a:ext uri="{FF2B5EF4-FFF2-40B4-BE49-F238E27FC236}">
+                <a16:creationId xmlns:a16="http://schemas.microsoft.com/office/drawing/2014/main" id="{E7E73AF3-9983-46F7-BB52-331E0B197983}"/>
+              </a:ext>
+            </a:extLst>
+          </p:cNvPr>
+          <p:cNvSpPr>
+            <a:spLocks noGrp="1"/>
+          </p:cNvSpPr>
+          <p:nvPr>
+            <p:ph type="dt" sz="half" idx="10"/>
+          </p:nvPr>
+        </p:nvSpPr>
+        <p:spPr/>
+        <p:txBody>
+          <a:bodyPr/>
+          <a:lstStyle/>
+          <a:p>
+            <a:fld id="{64FA1387-E9BD-4269-B052-15A23CD1D16B}" type="datetime1">
+              <a:rPr lang="en-US" smtClean="0"/>
+              <a:pPr/>
+              <a:t>8/11/2018</a:t>
+            </a:fld>
+            <a:endParaRPr lang="en-US" dirty="0"/>
+          </a:p>
+        </p:txBody>
+      </p:sp>
+      <p:sp>
+        <p:nvSpPr>
+          <p:cNvPr id="4" name="Slide Number Placeholder 3">
+            <a:extLst>
+              <a:ext uri="{FF2B5EF4-FFF2-40B4-BE49-F238E27FC236}">
+                <a16:creationId xmlns:a16="http://schemas.microsoft.com/office/drawing/2014/main" id="{BDAAA93F-A290-4F62-8702-0CCE0D365392}"/>
+              </a:ext>
+            </a:extLst>
+          </p:cNvPr>
+          <p:cNvSpPr>
+            <a:spLocks noGrp="1"/>
+          </p:cNvSpPr>
+          <p:nvPr>
+            <p:ph type="sldNum" sz="quarter" idx="12"/>
+          </p:nvPr>
+        </p:nvSpPr>
+        <p:spPr/>
+        <p:txBody>
+          <a:bodyPr/>
+          <a:lstStyle/>
+          <a:p>
+            <a:fld id="{799C26FD-E1A0-49B8-8B03-25A733166562}" type="slidenum">
+              <a:rPr lang="en-US" smtClean="0"/>
+              <a:pPr/>
+              <a:t>19</a:t>
+            </a:fld>
+            <a:endParaRPr lang="en-US" dirty="0"/>
+          </a:p>
+        </p:txBody>
+      </p:sp>
+      <p:sp>
+        <p:nvSpPr>
+          <p:cNvPr id="5" name="Footer Placeholder 4">
+            <a:extLst>
+              <a:ext uri="{FF2B5EF4-FFF2-40B4-BE49-F238E27FC236}">
+                <a16:creationId xmlns:a16="http://schemas.microsoft.com/office/drawing/2014/main" id="{E3676B93-0935-42CA-846A-B95F844CAD76}"/>
+              </a:ext>
+            </a:extLst>
+          </p:cNvPr>
+          <p:cNvSpPr>
+            <a:spLocks noGrp="1"/>
+          </p:cNvSpPr>
+          <p:nvPr>
+            <p:ph type="ftr" sz="quarter" idx="3"/>
+          </p:nvPr>
+        </p:nvSpPr>
+        <p:spPr/>
+        <p:txBody>
+          <a:bodyPr/>
+          <a:lstStyle/>
+          <a:p>
+            <a:r>
+              <a:rPr lang="en-US"/>
+              <a:t>Copyright © 2010 Simulation Educators</a:t>
+            </a:r>
+            <a:endParaRPr lang="en-US" dirty="0"/>
+          </a:p>
+        </p:txBody>
+      </p:sp>
+    </p:spTree>
+    <p:extLst>
+      <p:ext uri="{BB962C8B-B14F-4D97-AF65-F5344CB8AC3E}">
+        <p14:creationId xmlns:p14="http://schemas.microsoft.com/office/powerpoint/2010/main" val="3997164036"/>
+      </p:ext>
+    </p:extLst>
+  </p:cSld>
+  <p:clrMapOvr>
+    <a:masterClrMapping/>
+  </p:clrMapOvr>
+</p:sld>
+</file>
+
 <file path=ppt/slides/slide2.xml><?xml version="1.0" encoding="utf-8"?>
 <p:sld xmlns:a="http://schemas.openxmlformats.org/drawingml/2006/main" xmlns:r="http://schemas.openxmlformats.org/officeDocument/2006/relationships" xmlns:p="http://schemas.openxmlformats.org/presentationml/2006/main">
   <p:cSld>
@@ -12211,7 +12257,7 @@
             <a:fld id="{13570084-B57A-493D-8A30-572F2D9F55F8}" type="datetime1">
               <a:rPr lang="en-US" smtClean="0"/>
               <a:pPr/>
-              <a:t>8/1/2018</a:t>
+              <a:t>8/11/2018</a:t>
             </a:fld>
             <a:endParaRPr lang="en-US" dirty="0"/>
           </a:p>
@@ -12295,6 +12341,3877 @@
       </p:grpSpPr>
       <p:sp>
         <p:nvSpPr>
+          <p:cNvPr id="2" name="Title 1">
+            <a:extLst>
+              <a:ext uri="{FF2B5EF4-FFF2-40B4-BE49-F238E27FC236}">
+                <a16:creationId xmlns:a16="http://schemas.microsoft.com/office/drawing/2014/main" id="{35E9D382-E9AA-442F-A007-038541E8BFF1}"/>
+              </a:ext>
+            </a:extLst>
+          </p:cNvPr>
+          <p:cNvSpPr>
+            <a:spLocks noGrp="1"/>
+          </p:cNvSpPr>
+          <p:nvPr>
+            <p:ph type="title"/>
+          </p:nvPr>
+        </p:nvSpPr>
+        <p:spPr/>
+        <p:txBody>
+          <a:bodyPr/>
+          <a:lstStyle/>
+          <a:p>
+            <a:r>
+              <a:rPr lang="en-US" dirty="0"/>
+              <a:t>Project Requirements – Part 1</a:t>
+            </a:r>
+          </a:p>
+        </p:txBody>
+      </p:sp>
+      <p:sp>
+        <p:nvSpPr>
+          <p:cNvPr id="3" name="Content Placeholder 2">
+            <a:extLst>
+              <a:ext uri="{FF2B5EF4-FFF2-40B4-BE49-F238E27FC236}">
+                <a16:creationId xmlns:a16="http://schemas.microsoft.com/office/drawing/2014/main" id="{AC5B6A5E-3FE1-411D-8E6A-72B9AC8E46FF}"/>
+              </a:ext>
+            </a:extLst>
+          </p:cNvPr>
+          <p:cNvSpPr>
+            <a:spLocks noGrp="1"/>
+          </p:cNvSpPr>
+          <p:nvPr>
+            <p:ph idx="1"/>
+          </p:nvPr>
+        </p:nvSpPr>
+        <p:spPr/>
+        <p:txBody>
+          <a:bodyPr/>
+          <a:lstStyle/>
+          <a:p>
+            <a:r>
+              <a:rPr lang="en-US" dirty="0"/>
+              <a:t>Thorough and original analysis or model (depending on goal)</a:t>
+            </a:r>
+          </a:p>
+          <a:p>
+            <a:r>
+              <a:rPr lang="en-US" dirty="0"/>
+              <a:t>Goal achievement – stated in project</a:t>
+            </a:r>
+          </a:p>
+          <a:p>
+            <a:r>
+              <a:rPr lang="en-US" dirty="0"/>
+              <a:t>A </a:t>
+            </a:r>
+            <a:r>
+              <a:rPr lang="en-US" b="1" dirty="0"/>
+              <a:t>white-paper</a:t>
+            </a:r>
+            <a:r>
+              <a:rPr lang="en-US" dirty="0"/>
+              <a:t> report (Google what this consist of) with a maximum of five pages. </a:t>
+            </a:r>
+          </a:p>
+          <a:p>
+            <a:pPr lvl="1"/>
+            <a:r>
+              <a:rPr lang="en-US" dirty="0"/>
+              <a:t>You may add an appendix containing your detailed analysis results (no more than 10 additional pages). </a:t>
+            </a:r>
+          </a:p>
+          <a:p>
+            <a:pPr lvl="1"/>
+            <a:r>
+              <a:rPr lang="en-US" dirty="0"/>
+              <a:t>An appendix with your model code must be attached. </a:t>
+            </a:r>
+          </a:p>
+          <a:p>
+            <a:pPr lvl="1"/>
+            <a:r>
+              <a:rPr lang="en-US" dirty="0"/>
+              <a:t>This will give you the foundation of a conference paper.</a:t>
+            </a:r>
+          </a:p>
+          <a:p>
+            <a:endParaRPr lang="en-US" dirty="0"/>
+          </a:p>
+        </p:txBody>
+      </p:sp>
+      <p:sp>
+        <p:nvSpPr>
+          <p:cNvPr id="4" name="Date Placeholder 3">
+            <a:extLst>
+              <a:ext uri="{FF2B5EF4-FFF2-40B4-BE49-F238E27FC236}">
+                <a16:creationId xmlns:a16="http://schemas.microsoft.com/office/drawing/2014/main" id="{0562641E-0D0F-452F-BA18-8939596E87E1}"/>
+              </a:ext>
+            </a:extLst>
+          </p:cNvPr>
+          <p:cNvSpPr>
+            <a:spLocks noGrp="1"/>
+          </p:cNvSpPr>
+          <p:nvPr>
+            <p:ph type="dt" sz="half" idx="10"/>
+          </p:nvPr>
+        </p:nvSpPr>
+        <p:spPr/>
+        <p:txBody>
+          <a:bodyPr/>
+          <a:lstStyle/>
+          <a:p>
+            <a:fld id="{13570084-B57A-493D-8A30-572F2D9F55F8}" type="datetime1">
+              <a:rPr lang="en-US" smtClean="0"/>
+              <a:pPr/>
+              <a:t>8/11/2018</a:t>
+            </a:fld>
+            <a:endParaRPr lang="en-US" dirty="0"/>
+          </a:p>
+        </p:txBody>
+      </p:sp>
+      <p:sp>
+        <p:nvSpPr>
+          <p:cNvPr id="5" name="Slide Number Placeholder 4">
+            <a:extLst>
+              <a:ext uri="{FF2B5EF4-FFF2-40B4-BE49-F238E27FC236}">
+                <a16:creationId xmlns:a16="http://schemas.microsoft.com/office/drawing/2014/main" id="{550C5B51-C184-423B-8226-33D6CA3D7AE8}"/>
+              </a:ext>
+            </a:extLst>
+          </p:cNvPr>
+          <p:cNvSpPr>
+            <a:spLocks noGrp="1"/>
+          </p:cNvSpPr>
+          <p:nvPr>
+            <p:ph type="sldNum" sz="quarter" idx="12"/>
+          </p:nvPr>
+        </p:nvSpPr>
+        <p:spPr/>
+        <p:txBody>
+          <a:bodyPr/>
+          <a:lstStyle/>
+          <a:p>
+            <a:fld id="{799C26FD-E1A0-49B8-8B03-25A733166562}" type="slidenum">
+              <a:rPr lang="en-US" smtClean="0"/>
+              <a:pPr/>
+              <a:t>20</a:t>
+            </a:fld>
+            <a:endParaRPr lang="en-US" dirty="0"/>
+          </a:p>
+        </p:txBody>
+      </p:sp>
+      <p:sp>
+        <p:nvSpPr>
+          <p:cNvPr id="6" name="Footer Placeholder 5">
+            <a:extLst>
+              <a:ext uri="{FF2B5EF4-FFF2-40B4-BE49-F238E27FC236}">
+                <a16:creationId xmlns:a16="http://schemas.microsoft.com/office/drawing/2014/main" id="{DF5D86A8-85B8-4BA1-A88E-D941259710C0}"/>
+              </a:ext>
+            </a:extLst>
+          </p:cNvPr>
+          <p:cNvSpPr>
+            <a:spLocks noGrp="1"/>
+          </p:cNvSpPr>
+          <p:nvPr>
+            <p:ph type="ftr" sz="quarter" idx="3"/>
+          </p:nvPr>
+        </p:nvSpPr>
+        <p:spPr/>
+        <p:txBody>
+          <a:bodyPr/>
+          <a:lstStyle/>
+          <a:p>
+            <a:r>
+              <a:rPr lang="en-US"/>
+              <a:t>Copyright © 2010 Simulation Educators</a:t>
+            </a:r>
+            <a:endParaRPr lang="en-US" dirty="0"/>
+          </a:p>
+        </p:txBody>
+      </p:sp>
+    </p:spTree>
+    <p:extLst>
+      <p:ext uri="{BB962C8B-B14F-4D97-AF65-F5344CB8AC3E}">
+        <p14:creationId xmlns:p14="http://schemas.microsoft.com/office/powerpoint/2010/main" val="3309973693"/>
+      </p:ext>
+    </p:extLst>
+  </p:cSld>
+  <p:clrMapOvr>
+    <a:masterClrMapping/>
+  </p:clrMapOvr>
+</p:sld>
+</file>
+
+<file path=ppt/slides/slide21.xml><?xml version="1.0" encoding="utf-8"?>
+<p:sld xmlns:a="http://schemas.openxmlformats.org/drawingml/2006/main" xmlns:r="http://schemas.openxmlformats.org/officeDocument/2006/relationships" xmlns:p="http://schemas.openxmlformats.org/presentationml/2006/main">
+  <p:cSld>
+    <p:spTree>
+      <p:nvGrpSpPr>
+        <p:cNvPr id="1" name=""/>
+        <p:cNvGrpSpPr/>
+        <p:nvPr/>
+      </p:nvGrpSpPr>
+      <p:grpSpPr>
+        <a:xfrm>
+          <a:off x="0" y="0"/>
+          <a:ext cx="0" cy="0"/>
+          <a:chOff x="0" y="0"/>
+          <a:chExt cx="0" cy="0"/>
+        </a:xfrm>
+      </p:grpSpPr>
+      <p:sp>
+        <p:nvSpPr>
+          <p:cNvPr id="2" name="Title 1">
+            <a:extLst>
+              <a:ext uri="{FF2B5EF4-FFF2-40B4-BE49-F238E27FC236}">
+                <a16:creationId xmlns:a16="http://schemas.microsoft.com/office/drawing/2014/main" id="{05255E28-77A3-4948-A984-08280A97B615}"/>
+              </a:ext>
+            </a:extLst>
+          </p:cNvPr>
+          <p:cNvSpPr>
+            <a:spLocks noGrp="1"/>
+          </p:cNvSpPr>
+          <p:nvPr>
+            <p:ph type="title"/>
+          </p:nvPr>
+        </p:nvSpPr>
+        <p:spPr/>
+        <p:txBody>
+          <a:bodyPr/>
+          <a:lstStyle/>
+          <a:p>
+            <a:r>
+              <a:rPr lang="en-US" dirty="0"/>
+              <a:t>Project Requirements – Part 2</a:t>
+            </a:r>
+          </a:p>
+        </p:txBody>
+      </p:sp>
+      <p:sp>
+        <p:nvSpPr>
+          <p:cNvPr id="3" name="Content Placeholder 2">
+            <a:extLst>
+              <a:ext uri="{FF2B5EF4-FFF2-40B4-BE49-F238E27FC236}">
+                <a16:creationId xmlns:a16="http://schemas.microsoft.com/office/drawing/2014/main" id="{3B27FDC2-A7E3-4913-BC0D-AD23455D1087}"/>
+              </a:ext>
+            </a:extLst>
+          </p:cNvPr>
+          <p:cNvSpPr>
+            <a:spLocks noGrp="1"/>
+          </p:cNvSpPr>
+          <p:nvPr>
+            <p:ph idx="1"/>
+          </p:nvPr>
+        </p:nvSpPr>
+        <p:spPr>
+          <a:xfrm>
+            <a:off x="406400" y="1325564"/>
+            <a:ext cx="11393714" cy="4851400"/>
+          </a:xfrm>
+        </p:spPr>
+        <p:txBody>
+          <a:bodyPr>
+            <a:normAutofit lnSpcReduction="10000"/>
+          </a:bodyPr>
+          <a:lstStyle/>
+          <a:p>
+            <a:r>
+              <a:rPr lang="en-US" sz="2400" dirty="0"/>
+              <a:t>A </a:t>
+            </a:r>
+            <a:r>
+              <a:rPr lang="en-US" sz="2400" b="1" dirty="0"/>
+              <a:t>PowerPoint slide deck</a:t>
+            </a:r>
+            <a:r>
+              <a:rPr lang="en-US" sz="2400" dirty="0"/>
+              <a:t> consisting of a maximum of about 10 slides:</a:t>
+            </a:r>
+          </a:p>
+          <a:p>
+            <a:pPr marL="914400" lvl="0" indent="-457200">
+              <a:buFont typeface="+mj-lt"/>
+              <a:buAutoNum type="arabicPeriod"/>
+            </a:pPr>
+            <a:r>
+              <a:rPr lang="en-US" sz="2400" dirty="0"/>
+              <a:t>Title slide </a:t>
+            </a:r>
+          </a:p>
+          <a:p>
+            <a:pPr marL="914400" lvl="0" indent="-457200">
+              <a:buFont typeface="+mj-lt"/>
+              <a:buAutoNum type="arabicPeriod"/>
+            </a:pPr>
+            <a:r>
+              <a:rPr lang="en-US" sz="2400" dirty="0"/>
+              <a:t>Business problem statement</a:t>
+            </a:r>
+          </a:p>
+          <a:p>
+            <a:pPr marL="914400" lvl="0" indent="-457200">
+              <a:buFont typeface="+mj-lt"/>
+              <a:buAutoNum type="arabicPeriod"/>
+            </a:pPr>
+            <a:r>
+              <a:rPr lang="en-US" sz="2400" dirty="0"/>
+              <a:t>Modeling objective</a:t>
+            </a:r>
+          </a:p>
+          <a:p>
+            <a:pPr marL="914400" lvl="0" indent="-457200">
+              <a:buFont typeface="+mj-lt"/>
+              <a:buAutoNum type="arabicPeriod"/>
+            </a:pPr>
+            <a:r>
+              <a:rPr lang="en-US" sz="2400" dirty="0"/>
+              <a:t>Model functional form and reasoning for its selection</a:t>
+            </a:r>
+          </a:p>
+          <a:p>
+            <a:pPr marL="914400" lvl="0" indent="-457200">
+              <a:buFont typeface="+mj-lt"/>
+              <a:buAutoNum type="arabicPeriod"/>
+            </a:pPr>
+            <a:r>
+              <a:rPr lang="en-US" sz="2400" dirty="0"/>
+              <a:t>Final model (variables with coefficients and explanation) summary</a:t>
+            </a:r>
+          </a:p>
+          <a:p>
+            <a:pPr marL="914400" lvl="0" indent="-457200">
+              <a:buFont typeface="+mj-lt"/>
+              <a:buAutoNum type="arabicPeriod"/>
+            </a:pPr>
+            <a:r>
+              <a:rPr lang="en-US" sz="2400" dirty="0"/>
+              <a:t>1 deep-dive slide per model variable (a good model may only have three or four factors, even if all variables are statistically significant—modeling is an “art”).</a:t>
+            </a:r>
+          </a:p>
+          <a:p>
+            <a:r>
+              <a:rPr lang="en-US" sz="2000" dirty="0"/>
+              <a:t>Each slide in a PowerPoint slide deck needs to stand alone yet have few words and contain one graphic (chart, graph, table, picture, etc.) with words, but not verbose. </a:t>
+            </a:r>
+          </a:p>
+          <a:p>
+            <a:r>
+              <a:rPr lang="en-US" sz="2000" dirty="0"/>
+              <a:t>Each slide should tell a story that an executive will understand. If you cannot effectively communicate your analysis, it is worthless—a model is only good if it is used</a:t>
+            </a:r>
+            <a:r>
+              <a:rPr lang="en-US" dirty="0"/>
+              <a:t>.</a:t>
+            </a:r>
+          </a:p>
+          <a:p>
+            <a:pPr lvl="0"/>
+            <a:endParaRPr lang="en-US" sz="2400" dirty="0"/>
+          </a:p>
+          <a:p>
+            <a:endParaRPr lang="en-US" sz="2400" dirty="0"/>
+          </a:p>
+        </p:txBody>
+      </p:sp>
+      <p:sp>
+        <p:nvSpPr>
+          <p:cNvPr id="4" name="Date Placeholder 3">
+            <a:extLst>
+              <a:ext uri="{FF2B5EF4-FFF2-40B4-BE49-F238E27FC236}">
+                <a16:creationId xmlns:a16="http://schemas.microsoft.com/office/drawing/2014/main" id="{204A8219-E945-48C8-A906-512FDF59FC4B}"/>
+              </a:ext>
+            </a:extLst>
+          </p:cNvPr>
+          <p:cNvSpPr>
+            <a:spLocks noGrp="1"/>
+          </p:cNvSpPr>
+          <p:nvPr>
+            <p:ph type="dt" sz="half" idx="10"/>
+          </p:nvPr>
+        </p:nvSpPr>
+        <p:spPr/>
+        <p:txBody>
+          <a:bodyPr/>
+          <a:lstStyle/>
+          <a:p>
+            <a:fld id="{13570084-B57A-493D-8A30-572F2D9F55F8}" type="datetime1">
+              <a:rPr lang="en-US" smtClean="0"/>
+              <a:pPr/>
+              <a:t>8/11/2018</a:t>
+            </a:fld>
+            <a:endParaRPr lang="en-US" dirty="0"/>
+          </a:p>
+        </p:txBody>
+      </p:sp>
+      <p:sp>
+        <p:nvSpPr>
+          <p:cNvPr id="5" name="Slide Number Placeholder 4">
+            <a:extLst>
+              <a:ext uri="{FF2B5EF4-FFF2-40B4-BE49-F238E27FC236}">
+                <a16:creationId xmlns:a16="http://schemas.microsoft.com/office/drawing/2014/main" id="{3C91CDAB-9947-4162-BE69-80A1FA2A0C25}"/>
+              </a:ext>
+            </a:extLst>
+          </p:cNvPr>
+          <p:cNvSpPr>
+            <a:spLocks noGrp="1"/>
+          </p:cNvSpPr>
+          <p:nvPr>
+            <p:ph type="sldNum" sz="quarter" idx="12"/>
+          </p:nvPr>
+        </p:nvSpPr>
+        <p:spPr/>
+        <p:txBody>
+          <a:bodyPr/>
+          <a:lstStyle/>
+          <a:p>
+            <a:fld id="{799C26FD-E1A0-49B8-8B03-25A733166562}" type="slidenum">
+              <a:rPr lang="en-US" smtClean="0"/>
+              <a:pPr/>
+              <a:t>21</a:t>
+            </a:fld>
+            <a:endParaRPr lang="en-US" dirty="0"/>
+          </a:p>
+        </p:txBody>
+      </p:sp>
+      <p:sp>
+        <p:nvSpPr>
+          <p:cNvPr id="6" name="Footer Placeholder 5">
+            <a:extLst>
+              <a:ext uri="{FF2B5EF4-FFF2-40B4-BE49-F238E27FC236}">
+                <a16:creationId xmlns:a16="http://schemas.microsoft.com/office/drawing/2014/main" id="{82451392-189E-49D5-9B42-466F16ADE7B1}"/>
+              </a:ext>
+            </a:extLst>
+          </p:cNvPr>
+          <p:cNvSpPr>
+            <a:spLocks noGrp="1"/>
+          </p:cNvSpPr>
+          <p:nvPr>
+            <p:ph type="ftr" sz="quarter" idx="3"/>
+          </p:nvPr>
+        </p:nvSpPr>
+        <p:spPr/>
+        <p:txBody>
+          <a:bodyPr/>
+          <a:lstStyle/>
+          <a:p>
+            <a:r>
+              <a:rPr lang="en-US"/>
+              <a:t>Copyright © 2010 Simulation Educators</a:t>
+            </a:r>
+            <a:endParaRPr lang="en-US" dirty="0"/>
+          </a:p>
+        </p:txBody>
+      </p:sp>
+    </p:spTree>
+    <p:extLst>
+      <p:ext uri="{BB962C8B-B14F-4D97-AF65-F5344CB8AC3E}">
+        <p14:creationId xmlns:p14="http://schemas.microsoft.com/office/powerpoint/2010/main" val="1816944762"/>
+      </p:ext>
+    </p:extLst>
+  </p:cSld>
+  <p:clrMapOvr>
+    <a:masterClrMapping/>
+  </p:clrMapOvr>
+</p:sld>
+</file>
+
+<file path=ppt/slides/slide22.xml><?xml version="1.0" encoding="utf-8"?>
+<p:sld xmlns:a="http://schemas.openxmlformats.org/drawingml/2006/main" xmlns:r="http://schemas.openxmlformats.org/officeDocument/2006/relationships" xmlns:p="http://schemas.openxmlformats.org/presentationml/2006/main">
+  <p:cSld>
+    <p:spTree>
+      <p:nvGrpSpPr>
+        <p:cNvPr id="1" name=""/>
+        <p:cNvGrpSpPr/>
+        <p:nvPr/>
+      </p:nvGrpSpPr>
+      <p:grpSpPr>
+        <a:xfrm>
+          <a:off x="0" y="0"/>
+          <a:ext cx="0" cy="0"/>
+          <a:chOff x="0" y="0"/>
+          <a:chExt cx="0" cy="0"/>
+        </a:xfrm>
+      </p:grpSpPr>
+      <p:sp>
+        <p:nvSpPr>
+          <p:cNvPr id="2" name="Title 1">
+            <a:extLst>
+              <a:ext uri="{FF2B5EF4-FFF2-40B4-BE49-F238E27FC236}">
+                <a16:creationId xmlns:a16="http://schemas.microsoft.com/office/drawing/2014/main" id="{848133FB-9104-41E4-A4E4-4F890C84207D}"/>
+              </a:ext>
+            </a:extLst>
+          </p:cNvPr>
+          <p:cNvSpPr>
+            <a:spLocks noGrp="1"/>
+          </p:cNvSpPr>
+          <p:nvPr>
+            <p:ph type="title"/>
+          </p:nvPr>
+        </p:nvSpPr>
+        <p:spPr/>
+        <p:txBody>
+          <a:bodyPr>
+            <a:normAutofit/>
+          </a:bodyPr>
+          <a:lstStyle/>
+          <a:p>
+            <a:r>
+              <a:rPr lang="en-US" dirty="0"/>
+              <a:t>Stages of Model Development</a:t>
+            </a:r>
+          </a:p>
+        </p:txBody>
+      </p:sp>
+      <p:sp>
+        <p:nvSpPr>
+          <p:cNvPr id="3" name="Content Placeholder 2">
+            <a:extLst>
+              <a:ext uri="{FF2B5EF4-FFF2-40B4-BE49-F238E27FC236}">
+                <a16:creationId xmlns:a16="http://schemas.microsoft.com/office/drawing/2014/main" id="{CE021B04-7D0C-4D97-93D2-73C4CCB5BF84}"/>
+              </a:ext>
+            </a:extLst>
+          </p:cNvPr>
+          <p:cNvSpPr>
+            <a:spLocks noGrp="1"/>
+          </p:cNvSpPr>
+          <p:nvPr>
+            <p:ph idx="1"/>
+          </p:nvPr>
+        </p:nvSpPr>
+        <p:spPr/>
+        <p:txBody>
+          <a:bodyPr>
+            <a:normAutofit/>
+          </a:bodyPr>
+          <a:lstStyle/>
+          <a:p>
+            <a:pPr marL="514350" lvl="0" indent="-514350">
+              <a:buFont typeface="+mj-lt"/>
+              <a:buAutoNum type="arabicPeriod"/>
+            </a:pPr>
+            <a:r>
+              <a:rPr lang="en-US" dirty="0"/>
+              <a:t>Business problem development and model requirement definition</a:t>
+            </a:r>
+          </a:p>
+          <a:p>
+            <a:pPr marL="514350" lvl="0" indent="-514350">
+              <a:buFont typeface="+mj-lt"/>
+              <a:buAutoNum type="arabicPeriod"/>
+            </a:pPr>
+            <a:r>
+              <a:rPr lang="en-US" dirty="0"/>
+              <a:t>Model design plan, including modeling objective and model functional from, plus potential data sources</a:t>
+            </a:r>
+          </a:p>
+          <a:p>
+            <a:pPr marL="514350" lvl="0" indent="-514350">
+              <a:buFont typeface="+mj-lt"/>
+              <a:buAutoNum type="arabicPeriod"/>
+            </a:pPr>
+            <a:r>
+              <a:rPr lang="en-US" dirty="0"/>
+              <a:t>Model development</a:t>
+            </a:r>
+          </a:p>
+          <a:p>
+            <a:pPr lvl="1"/>
+            <a:r>
+              <a:rPr lang="en-US" dirty="0"/>
+              <a:t>Data preprocessing</a:t>
+            </a:r>
+          </a:p>
+          <a:p>
+            <a:pPr lvl="1"/>
+            <a:r>
+              <a:rPr lang="en-US" dirty="0"/>
+              <a:t>Exploratory analysis</a:t>
+            </a:r>
+          </a:p>
+          <a:p>
+            <a:pPr lvl="1"/>
+            <a:r>
+              <a:rPr lang="en-US" dirty="0"/>
+              <a:t>Model training</a:t>
+            </a:r>
+          </a:p>
+          <a:p>
+            <a:pPr lvl="1"/>
+            <a:r>
+              <a:rPr lang="en-US" dirty="0"/>
+              <a:t>Model testing</a:t>
+            </a:r>
+          </a:p>
+          <a:p>
+            <a:pPr marL="514350" lvl="0" indent="-514350">
+              <a:buFont typeface="+mj-lt"/>
+              <a:buAutoNum type="arabicPeriod"/>
+            </a:pPr>
+            <a:r>
+              <a:rPr lang="en-US" dirty="0"/>
+              <a:t>Model post processing analysis</a:t>
+            </a:r>
+          </a:p>
+          <a:p>
+            <a:pPr marL="514350" lvl="0" indent="-514350">
+              <a:buFont typeface="+mj-lt"/>
+              <a:buAutoNum type="arabicPeriod"/>
+            </a:pPr>
+            <a:r>
+              <a:rPr lang="en-US" dirty="0"/>
+              <a:t>Model validation</a:t>
+            </a:r>
+          </a:p>
+          <a:p>
+            <a:pPr marL="514350" lvl="0" indent="-514350">
+              <a:buFont typeface="+mj-lt"/>
+              <a:buAutoNum type="arabicPeriod"/>
+            </a:pPr>
+            <a:r>
+              <a:rPr lang="en-US" dirty="0"/>
+              <a:t>Model Implementation</a:t>
+            </a:r>
+          </a:p>
+          <a:p>
+            <a:pPr marL="0" indent="0">
+              <a:buNone/>
+            </a:pPr>
+            <a:endParaRPr lang="en-US" dirty="0"/>
+          </a:p>
+        </p:txBody>
+      </p:sp>
+      <p:sp>
+        <p:nvSpPr>
+          <p:cNvPr id="4" name="Date Placeholder 3">
+            <a:extLst>
+              <a:ext uri="{FF2B5EF4-FFF2-40B4-BE49-F238E27FC236}">
+                <a16:creationId xmlns:a16="http://schemas.microsoft.com/office/drawing/2014/main" id="{ED092E84-113F-410E-8EFA-E0F2E061C122}"/>
+              </a:ext>
+            </a:extLst>
+          </p:cNvPr>
+          <p:cNvSpPr>
+            <a:spLocks noGrp="1"/>
+          </p:cNvSpPr>
+          <p:nvPr>
+            <p:ph type="dt" sz="half" idx="10"/>
+          </p:nvPr>
+        </p:nvSpPr>
+        <p:spPr/>
+        <p:txBody>
+          <a:bodyPr/>
+          <a:lstStyle/>
+          <a:p>
+            <a:fld id="{13570084-B57A-493D-8A30-572F2D9F55F8}" type="datetime1">
+              <a:rPr lang="en-US" smtClean="0"/>
+              <a:pPr/>
+              <a:t>8/11/2018</a:t>
+            </a:fld>
+            <a:endParaRPr lang="en-US" dirty="0"/>
+          </a:p>
+        </p:txBody>
+      </p:sp>
+      <p:sp>
+        <p:nvSpPr>
+          <p:cNvPr id="5" name="Slide Number Placeholder 4">
+            <a:extLst>
+              <a:ext uri="{FF2B5EF4-FFF2-40B4-BE49-F238E27FC236}">
+                <a16:creationId xmlns:a16="http://schemas.microsoft.com/office/drawing/2014/main" id="{B9ABB064-71A8-4437-A8DA-3635BD0CDEEB}"/>
+              </a:ext>
+            </a:extLst>
+          </p:cNvPr>
+          <p:cNvSpPr>
+            <a:spLocks noGrp="1"/>
+          </p:cNvSpPr>
+          <p:nvPr>
+            <p:ph type="sldNum" sz="quarter" idx="12"/>
+          </p:nvPr>
+        </p:nvSpPr>
+        <p:spPr/>
+        <p:txBody>
+          <a:bodyPr/>
+          <a:lstStyle/>
+          <a:p>
+            <a:fld id="{799C26FD-E1A0-49B8-8B03-25A733166562}" type="slidenum">
+              <a:rPr lang="en-US" smtClean="0"/>
+              <a:pPr/>
+              <a:t>22</a:t>
+            </a:fld>
+            <a:endParaRPr lang="en-US" dirty="0"/>
+          </a:p>
+        </p:txBody>
+      </p:sp>
+      <p:sp>
+        <p:nvSpPr>
+          <p:cNvPr id="6" name="Footer Placeholder 5">
+            <a:extLst>
+              <a:ext uri="{FF2B5EF4-FFF2-40B4-BE49-F238E27FC236}">
+                <a16:creationId xmlns:a16="http://schemas.microsoft.com/office/drawing/2014/main" id="{CD3420A9-5502-412D-B084-83627BE0ECC6}"/>
+              </a:ext>
+            </a:extLst>
+          </p:cNvPr>
+          <p:cNvSpPr>
+            <a:spLocks noGrp="1"/>
+          </p:cNvSpPr>
+          <p:nvPr>
+            <p:ph type="ftr" sz="quarter" idx="3"/>
+          </p:nvPr>
+        </p:nvSpPr>
+        <p:spPr/>
+        <p:txBody>
+          <a:bodyPr/>
+          <a:lstStyle/>
+          <a:p>
+            <a:r>
+              <a:rPr lang="en-US"/>
+              <a:t>Copyright © 2010 Simulation Educators</a:t>
+            </a:r>
+            <a:endParaRPr lang="en-US" dirty="0"/>
+          </a:p>
+        </p:txBody>
+      </p:sp>
+    </p:spTree>
+    <p:extLst>
+      <p:ext uri="{BB962C8B-B14F-4D97-AF65-F5344CB8AC3E}">
+        <p14:creationId xmlns:p14="http://schemas.microsoft.com/office/powerpoint/2010/main" val="1195198651"/>
+      </p:ext>
+    </p:extLst>
+  </p:cSld>
+  <p:clrMapOvr>
+    <a:masterClrMapping/>
+  </p:clrMapOvr>
+</p:sld>
+</file>
+
+<file path=ppt/slides/slide23.xml><?xml version="1.0" encoding="utf-8"?>
+<p:sld xmlns:a="http://schemas.openxmlformats.org/drawingml/2006/main" xmlns:r="http://schemas.openxmlformats.org/officeDocument/2006/relationships" xmlns:p="http://schemas.openxmlformats.org/presentationml/2006/main">
+  <p:cSld>
+    <p:spTree>
+      <p:nvGrpSpPr>
+        <p:cNvPr id="1" name=""/>
+        <p:cNvGrpSpPr/>
+        <p:nvPr/>
+      </p:nvGrpSpPr>
+      <p:grpSpPr>
+        <a:xfrm>
+          <a:off x="0" y="0"/>
+          <a:ext cx="0" cy="0"/>
+          <a:chOff x="0" y="0"/>
+          <a:chExt cx="0" cy="0"/>
+        </a:xfrm>
+      </p:grpSpPr>
+      <p:sp>
+        <p:nvSpPr>
+          <p:cNvPr id="2" name="Title 1">
+            <a:extLst>
+              <a:ext uri="{FF2B5EF4-FFF2-40B4-BE49-F238E27FC236}">
+                <a16:creationId xmlns:a16="http://schemas.microsoft.com/office/drawing/2014/main" id="{848133FB-9104-41E4-A4E4-4F890C84207D}"/>
+              </a:ext>
+            </a:extLst>
+          </p:cNvPr>
+          <p:cNvSpPr>
+            <a:spLocks noGrp="1"/>
+          </p:cNvSpPr>
+          <p:nvPr>
+            <p:ph type="title"/>
+          </p:nvPr>
+        </p:nvSpPr>
+        <p:spPr/>
+        <p:txBody>
+          <a:bodyPr>
+            <a:normAutofit/>
+          </a:bodyPr>
+          <a:lstStyle/>
+          <a:p>
+            <a:r>
+              <a:rPr lang="en-US" dirty="0"/>
+              <a:t>Stages of Analysis</a:t>
+            </a:r>
+          </a:p>
+        </p:txBody>
+      </p:sp>
+      <p:sp>
+        <p:nvSpPr>
+          <p:cNvPr id="3" name="Content Placeholder 2">
+            <a:extLst>
+              <a:ext uri="{FF2B5EF4-FFF2-40B4-BE49-F238E27FC236}">
+                <a16:creationId xmlns:a16="http://schemas.microsoft.com/office/drawing/2014/main" id="{CE021B04-7D0C-4D97-93D2-73C4CCB5BF84}"/>
+              </a:ext>
+            </a:extLst>
+          </p:cNvPr>
+          <p:cNvSpPr>
+            <a:spLocks noGrp="1"/>
+          </p:cNvSpPr>
+          <p:nvPr>
+            <p:ph idx="1"/>
+          </p:nvPr>
+        </p:nvSpPr>
+        <p:spPr/>
+        <p:txBody>
+          <a:bodyPr>
+            <a:normAutofit/>
+          </a:bodyPr>
+          <a:lstStyle/>
+          <a:p>
+            <a:pPr marL="514350" lvl="0" indent="-514350">
+              <a:buFont typeface="+mj-lt"/>
+              <a:buAutoNum type="arabicPeriod"/>
+            </a:pPr>
+            <a:r>
+              <a:rPr lang="en-US" dirty="0"/>
+              <a:t>Business problem development and model requirement definition</a:t>
+            </a:r>
+          </a:p>
+          <a:p>
+            <a:pPr marL="514350" lvl="0" indent="-514350">
+              <a:buFont typeface="+mj-lt"/>
+              <a:buAutoNum type="arabicPeriod"/>
+            </a:pPr>
+            <a:r>
+              <a:rPr lang="en-US" dirty="0"/>
+              <a:t>Analysis design plan, including analysis objective and functional </a:t>
+            </a:r>
+            <a:r>
+              <a:rPr lang="en-US" dirty="0" err="1"/>
+              <a:t>froms</a:t>
+            </a:r>
+            <a:r>
+              <a:rPr lang="en-US" dirty="0"/>
+              <a:t>, plus potential data sources</a:t>
+            </a:r>
+          </a:p>
+          <a:p>
+            <a:pPr marL="514350" lvl="0" indent="-514350">
+              <a:buFont typeface="+mj-lt"/>
+              <a:buAutoNum type="arabicPeriod"/>
+            </a:pPr>
+            <a:r>
+              <a:rPr lang="en-US" dirty="0"/>
+              <a:t>Analysis development</a:t>
+            </a:r>
+          </a:p>
+          <a:p>
+            <a:pPr lvl="1"/>
+            <a:r>
+              <a:rPr lang="en-US" dirty="0"/>
+              <a:t>Data preprocessing</a:t>
+            </a:r>
+          </a:p>
+          <a:p>
+            <a:pPr lvl="1"/>
+            <a:r>
+              <a:rPr lang="en-US" dirty="0"/>
+              <a:t>Exploratory analysis</a:t>
+            </a:r>
+          </a:p>
+          <a:p>
+            <a:pPr lvl="1"/>
+            <a:r>
+              <a:rPr lang="en-US" dirty="0"/>
+              <a:t>Detailed analysis using selected functional form(s), i.e., tidy text analytics</a:t>
+            </a:r>
+          </a:p>
+          <a:p>
+            <a:pPr lvl="1"/>
+            <a:r>
+              <a:rPr lang="en-US" dirty="0"/>
+              <a:t>Post processing</a:t>
+            </a:r>
+          </a:p>
+          <a:p>
+            <a:pPr marL="514350" lvl="0" indent="-514350">
+              <a:buFont typeface="+mj-lt"/>
+              <a:buAutoNum type="arabicPeriod"/>
+            </a:pPr>
+            <a:r>
+              <a:rPr lang="en-US" dirty="0"/>
+              <a:t>Post processing analysis</a:t>
+            </a:r>
+          </a:p>
+          <a:p>
+            <a:pPr marL="514350" lvl="0" indent="-514350">
+              <a:buFont typeface="+mj-lt"/>
+              <a:buAutoNum type="arabicPeriod"/>
+            </a:pPr>
+            <a:r>
+              <a:rPr lang="en-US" dirty="0"/>
+              <a:t>Analysis verification</a:t>
+            </a:r>
+          </a:p>
+          <a:p>
+            <a:pPr marL="0" indent="0">
+              <a:buNone/>
+            </a:pPr>
+            <a:endParaRPr lang="en-US" dirty="0"/>
+          </a:p>
+        </p:txBody>
+      </p:sp>
+      <p:sp>
+        <p:nvSpPr>
+          <p:cNvPr id="4" name="Date Placeholder 3">
+            <a:extLst>
+              <a:ext uri="{FF2B5EF4-FFF2-40B4-BE49-F238E27FC236}">
+                <a16:creationId xmlns:a16="http://schemas.microsoft.com/office/drawing/2014/main" id="{ED092E84-113F-410E-8EFA-E0F2E061C122}"/>
+              </a:ext>
+            </a:extLst>
+          </p:cNvPr>
+          <p:cNvSpPr>
+            <a:spLocks noGrp="1"/>
+          </p:cNvSpPr>
+          <p:nvPr>
+            <p:ph type="dt" sz="half" idx="10"/>
+          </p:nvPr>
+        </p:nvSpPr>
+        <p:spPr/>
+        <p:txBody>
+          <a:bodyPr/>
+          <a:lstStyle/>
+          <a:p>
+            <a:fld id="{13570084-B57A-493D-8A30-572F2D9F55F8}" type="datetime1">
+              <a:rPr lang="en-US" smtClean="0"/>
+              <a:pPr/>
+              <a:t>8/11/2018</a:t>
+            </a:fld>
+            <a:endParaRPr lang="en-US" dirty="0"/>
+          </a:p>
+        </p:txBody>
+      </p:sp>
+      <p:sp>
+        <p:nvSpPr>
+          <p:cNvPr id="5" name="Slide Number Placeholder 4">
+            <a:extLst>
+              <a:ext uri="{FF2B5EF4-FFF2-40B4-BE49-F238E27FC236}">
+                <a16:creationId xmlns:a16="http://schemas.microsoft.com/office/drawing/2014/main" id="{B9ABB064-71A8-4437-A8DA-3635BD0CDEEB}"/>
+              </a:ext>
+            </a:extLst>
+          </p:cNvPr>
+          <p:cNvSpPr>
+            <a:spLocks noGrp="1"/>
+          </p:cNvSpPr>
+          <p:nvPr>
+            <p:ph type="sldNum" sz="quarter" idx="12"/>
+          </p:nvPr>
+        </p:nvSpPr>
+        <p:spPr/>
+        <p:txBody>
+          <a:bodyPr/>
+          <a:lstStyle/>
+          <a:p>
+            <a:fld id="{799C26FD-E1A0-49B8-8B03-25A733166562}" type="slidenum">
+              <a:rPr lang="en-US" smtClean="0"/>
+              <a:pPr/>
+              <a:t>23</a:t>
+            </a:fld>
+            <a:endParaRPr lang="en-US" dirty="0"/>
+          </a:p>
+        </p:txBody>
+      </p:sp>
+      <p:sp>
+        <p:nvSpPr>
+          <p:cNvPr id="6" name="Footer Placeholder 5">
+            <a:extLst>
+              <a:ext uri="{FF2B5EF4-FFF2-40B4-BE49-F238E27FC236}">
+                <a16:creationId xmlns:a16="http://schemas.microsoft.com/office/drawing/2014/main" id="{CD3420A9-5502-412D-B084-83627BE0ECC6}"/>
+              </a:ext>
+            </a:extLst>
+          </p:cNvPr>
+          <p:cNvSpPr>
+            <a:spLocks noGrp="1"/>
+          </p:cNvSpPr>
+          <p:nvPr>
+            <p:ph type="ftr" sz="quarter" idx="3"/>
+          </p:nvPr>
+        </p:nvSpPr>
+        <p:spPr/>
+        <p:txBody>
+          <a:bodyPr/>
+          <a:lstStyle/>
+          <a:p>
+            <a:r>
+              <a:rPr lang="en-US"/>
+              <a:t>Copyright © 2010 Simulation Educators</a:t>
+            </a:r>
+            <a:endParaRPr lang="en-US" dirty="0"/>
+          </a:p>
+        </p:txBody>
+      </p:sp>
+    </p:spTree>
+    <p:extLst>
+      <p:ext uri="{BB962C8B-B14F-4D97-AF65-F5344CB8AC3E}">
+        <p14:creationId xmlns:p14="http://schemas.microsoft.com/office/powerpoint/2010/main" val="2887979514"/>
+      </p:ext>
+    </p:extLst>
+  </p:cSld>
+  <p:clrMapOvr>
+    <a:masterClrMapping/>
+  </p:clrMapOvr>
+</p:sld>
+</file>
+
+<file path=ppt/slides/slide24.xml><?xml version="1.0" encoding="utf-8"?>
+<p:sld xmlns:a="http://schemas.openxmlformats.org/drawingml/2006/main" xmlns:r="http://schemas.openxmlformats.org/officeDocument/2006/relationships" xmlns:p="http://schemas.openxmlformats.org/presentationml/2006/main">
+  <p:cSld>
+    <p:spTree>
+      <p:nvGrpSpPr>
+        <p:cNvPr id="1" name=""/>
+        <p:cNvGrpSpPr/>
+        <p:nvPr/>
+      </p:nvGrpSpPr>
+      <p:grpSpPr>
+        <a:xfrm>
+          <a:off x="0" y="0"/>
+          <a:ext cx="0" cy="0"/>
+          <a:chOff x="0" y="0"/>
+          <a:chExt cx="0" cy="0"/>
+        </a:xfrm>
+      </p:grpSpPr>
+      <p:sp>
+        <p:nvSpPr>
+          <p:cNvPr id="2" name="Title 1">
+            <a:extLst>
+              <a:ext uri="{FF2B5EF4-FFF2-40B4-BE49-F238E27FC236}">
+                <a16:creationId xmlns:a16="http://schemas.microsoft.com/office/drawing/2014/main" id="{C44ECD68-1887-4E0B-A017-6636F175D1BC}"/>
+              </a:ext>
+            </a:extLst>
+          </p:cNvPr>
+          <p:cNvSpPr>
+            <a:spLocks noGrp="1"/>
+          </p:cNvSpPr>
+          <p:nvPr>
+            <p:ph type="title"/>
+          </p:nvPr>
+        </p:nvSpPr>
+        <p:spPr/>
+        <p:txBody>
+          <a:bodyPr>
+            <a:normAutofit/>
+          </a:bodyPr>
+          <a:lstStyle/>
+          <a:p>
+            <a:r>
+              <a:rPr lang="en-US" sz="3200" dirty="0"/>
+              <a:t>Project Example - Counterpoise Pro-ISIS Sentiment Analysis</a:t>
+            </a:r>
+          </a:p>
+        </p:txBody>
+      </p:sp>
+      <p:sp>
+        <p:nvSpPr>
+          <p:cNvPr id="7" name="Content Placeholder 6">
+            <a:extLst>
+              <a:ext uri="{FF2B5EF4-FFF2-40B4-BE49-F238E27FC236}">
+                <a16:creationId xmlns:a16="http://schemas.microsoft.com/office/drawing/2014/main" id="{ECA345BF-81F7-4746-A764-44D309D135F9}"/>
+              </a:ext>
+            </a:extLst>
+          </p:cNvPr>
+          <p:cNvSpPr>
+            <a:spLocks noGrp="1"/>
+          </p:cNvSpPr>
+          <p:nvPr>
+            <p:ph sz="half" idx="1"/>
+          </p:nvPr>
+        </p:nvSpPr>
+        <p:spPr/>
+        <p:txBody>
+          <a:bodyPr/>
+          <a:lstStyle/>
+          <a:p>
+            <a:r>
+              <a:rPr lang="en-US" dirty="0"/>
+              <a:t>Text analytics has become an important tool for assessing sentiment:</a:t>
+            </a:r>
+          </a:p>
+          <a:p>
+            <a:pPr lvl="1"/>
+            <a:r>
+              <a:rPr lang="en-US" dirty="0"/>
+              <a:t>customer service</a:t>
+            </a:r>
+          </a:p>
+          <a:p>
+            <a:pPr lvl="1"/>
+            <a:r>
+              <a:rPr lang="en-US" dirty="0"/>
+              <a:t>social media</a:t>
+            </a:r>
+          </a:p>
+          <a:p>
+            <a:pPr lvl="1"/>
+            <a:r>
+              <a:rPr lang="en-US" dirty="0"/>
+              <a:t>written works</a:t>
+            </a:r>
+          </a:p>
+          <a:p>
+            <a:pPr lvl="1"/>
+            <a:r>
+              <a:rPr lang="en-US" dirty="0"/>
+              <a:t>intelligence</a:t>
+            </a:r>
+          </a:p>
+          <a:p>
+            <a:r>
+              <a:rPr lang="en-US" dirty="0"/>
+              <a:t>Sentiment: </a:t>
+            </a:r>
+            <a:r>
+              <a:rPr lang="en-US" i="1" dirty="0"/>
+              <a:t>an immediate emotional response to an issue that may require immediate assistance.</a:t>
+            </a:r>
+          </a:p>
+          <a:p>
+            <a:endParaRPr lang="en-US" dirty="0"/>
+          </a:p>
+        </p:txBody>
+      </p:sp>
+      <p:sp>
+        <p:nvSpPr>
+          <p:cNvPr id="8" name="Content Placeholder 7">
+            <a:extLst>
+              <a:ext uri="{FF2B5EF4-FFF2-40B4-BE49-F238E27FC236}">
+                <a16:creationId xmlns:a16="http://schemas.microsoft.com/office/drawing/2014/main" id="{F7E7A61D-DEE6-4AF3-A17E-3F4378329543}"/>
+              </a:ext>
+            </a:extLst>
+          </p:cNvPr>
+          <p:cNvSpPr>
+            <a:spLocks noGrp="1"/>
+          </p:cNvSpPr>
+          <p:nvPr>
+            <p:ph sz="half" idx="2"/>
+          </p:nvPr>
+        </p:nvSpPr>
+        <p:spPr/>
+        <p:txBody>
+          <a:bodyPr/>
+          <a:lstStyle/>
+          <a:p>
+            <a:r>
+              <a:rPr lang="en-US" dirty="0"/>
+              <a:t>Terrorism becomes more severe these days, especially the attacks sponsored by Islamic State of Iraq and Syria (ISIS) or Daesh. </a:t>
+            </a:r>
+          </a:p>
+          <a:p>
+            <a:r>
+              <a:rPr lang="en-US" dirty="0"/>
+              <a:t>They are experts in using social network for propaganda and recruitment.</a:t>
+            </a:r>
+          </a:p>
+          <a:p>
+            <a:r>
+              <a:rPr lang="en-US" dirty="0"/>
+              <a:t>Predicting their activities through big social network data will help to predict and avoid more serious attacks.</a:t>
+            </a:r>
+          </a:p>
+          <a:p>
+            <a:endParaRPr lang="en-US" dirty="0"/>
+          </a:p>
+        </p:txBody>
+      </p:sp>
+      <p:sp>
+        <p:nvSpPr>
+          <p:cNvPr id="4" name="Date Placeholder 3">
+            <a:extLst>
+              <a:ext uri="{FF2B5EF4-FFF2-40B4-BE49-F238E27FC236}">
+                <a16:creationId xmlns:a16="http://schemas.microsoft.com/office/drawing/2014/main" id="{345803ED-5E78-4D98-8665-C0E0A2F71640}"/>
+              </a:ext>
+            </a:extLst>
+          </p:cNvPr>
+          <p:cNvSpPr>
+            <a:spLocks noGrp="1"/>
+          </p:cNvSpPr>
+          <p:nvPr>
+            <p:ph type="dt" sz="half" idx="10"/>
+          </p:nvPr>
+        </p:nvSpPr>
+        <p:spPr/>
+        <p:txBody>
+          <a:bodyPr/>
+          <a:lstStyle/>
+          <a:p>
+            <a:fld id="{13570084-B57A-493D-8A30-572F2D9F55F8}" type="datetime1">
+              <a:rPr lang="en-US" smtClean="0"/>
+              <a:pPr/>
+              <a:t>8/11/2018</a:t>
+            </a:fld>
+            <a:endParaRPr lang="en-US" dirty="0"/>
+          </a:p>
+        </p:txBody>
+      </p:sp>
+      <p:sp>
+        <p:nvSpPr>
+          <p:cNvPr id="6" name="Footer Placeholder 5">
+            <a:extLst>
+              <a:ext uri="{FF2B5EF4-FFF2-40B4-BE49-F238E27FC236}">
+                <a16:creationId xmlns:a16="http://schemas.microsoft.com/office/drawing/2014/main" id="{884BD15A-2826-4101-8AF5-8EFAD36603BB}"/>
+              </a:ext>
+            </a:extLst>
+          </p:cNvPr>
+          <p:cNvSpPr>
+            <a:spLocks noGrp="1"/>
+          </p:cNvSpPr>
+          <p:nvPr>
+            <p:ph type="ftr" sz="quarter" idx="11"/>
+          </p:nvPr>
+        </p:nvSpPr>
+        <p:spPr/>
+        <p:txBody>
+          <a:bodyPr/>
+          <a:lstStyle/>
+          <a:p>
+            <a:r>
+              <a:rPr lang="en-US"/>
+              <a:t>Copyright © 2010 Simulation Educators</a:t>
+            </a:r>
+            <a:endParaRPr lang="en-US" dirty="0"/>
+          </a:p>
+        </p:txBody>
+      </p:sp>
+      <p:sp>
+        <p:nvSpPr>
+          <p:cNvPr id="5" name="Slide Number Placeholder 4">
+            <a:extLst>
+              <a:ext uri="{FF2B5EF4-FFF2-40B4-BE49-F238E27FC236}">
+                <a16:creationId xmlns:a16="http://schemas.microsoft.com/office/drawing/2014/main" id="{6ECD1916-5976-4FB3-9CBF-71992BCA172B}"/>
+              </a:ext>
+            </a:extLst>
+          </p:cNvPr>
+          <p:cNvSpPr>
+            <a:spLocks noGrp="1"/>
+          </p:cNvSpPr>
+          <p:nvPr>
+            <p:ph type="sldNum" sz="quarter" idx="12"/>
+          </p:nvPr>
+        </p:nvSpPr>
+        <p:spPr/>
+        <p:txBody>
+          <a:bodyPr/>
+          <a:lstStyle/>
+          <a:p>
+            <a:fld id="{799C26FD-E1A0-49B8-8B03-25A733166562}" type="slidenum">
+              <a:rPr lang="en-US" smtClean="0"/>
+              <a:pPr/>
+              <a:t>24</a:t>
+            </a:fld>
+            <a:endParaRPr lang="en-US" dirty="0"/>
+          </a:p>
+        </p:txBody>
+      </p:sp>
+    </p:spTree>
+    <p:extLst>
+      <p:ext uri="{BB962C8B-B14F-4D97-AF65-F5344CB8AC3E}">
+        <p14:creationId xmlns:p14="http://schemas.microsoft.com/office/powerpoint/2010/main" val="4096244455"/>
+      </p:ext>
+    </p:extLst>
+  </p:cSld>
+  <p:clrMapOvr>
+    <a:masterClrMapping/>
+  </p:clrMapOvr>
+</p:sld>
+</file>
+
+<file path=ppt/slides/slide25.xml><?xml version="1.0" encoding="utf-8"?>
+<p:sld xmlns:a="http://schemas.openxmlformats.org/drawingml/2006/main" xmlns:r="http://schemas.openxmlformats.org/officeDocument/2006/relationships" xmlns:p="http://schemas.openxmlformats.org/presentationml/2006/main">
+  <p:cSld>
+    <p:spTree>
+      <p:nvGrpSpPr>
+        <p:cNvPr id="1" name=""/>
+        <p:cNvGrpSpPr/>
+        <p:nvPr/>
+      </p:nvGrpSpPr>
+      <p:grpSpPr>
+        <a:xfrm>
+          <a:off x="0" y="0"/>
+          <a:ext cx="0" cy="0"/>
+          <a:chOff x="0" y="0"/>
+          <a:chExt cx="0" cy="0"/>
+        </a:xfrm>
+      </p:grpSpPr>
+      <p:sp>
+        <p:nvSpPr>
+          <p:cNvPr id="2" name="Title 1">
+            <a:extLst>
+              <a:ext uri="{FF2B5EF4-FFF2-40B4-BE49-F238E27FC236}">
+                <a16:creationId xmlns:a16="http://schemas.microsoft.com/office/drawing/2014/main" id="{C44ECD68-1887-4E0B-A017-6636F175D1BC}"/>
+              </a:ext>
+            </a:extLst>
+          </p:cNvPr>
+          <p:cNvSpPr>
+            <a:spLocks noGrp="1"/>
+          </p:cNvSpPr>
+          <p:nvPr>
+            <p:ph type="title"/>
+          </p:nvPr>
+        </p:nvSpPr>
+        <p:spPr/>
+        <p:txBody>
+          <a:bodyPr>
+            <a:normAutofit/>
+          </a:bodyPr>
+          <a:lstStyle/>
+          <a:p>
+            <a:r>
+              <a:rPr lang="en-US" sz="3200" dirty="0"/>
+              <a:t>Project Example - Counterpoise Pro-ISIS Sentiment Analysis</a:t>
+            </a:r>
+          </a:p>
+        </p:txBody>
+      </p:sp>
+      <p:sp>
+        <p:nvSpPr>
+          <p:cNvPr id="7" name="Content Placeholder 6">
+            <a:extLst>
+              <a:ext uri="{FF2B5EF4-FFF2-40B4-BE49-F238E27FC236}">
+                <a16:creationId xmlns:a16="http://schemas.microsoft.com/office/drawing/2014/main" id="{ECA345BF-81F7-4746-A764-44D309D135F9}"/>
+              </a:ext>
+            </a:extLst>
+          </p:cNvPr>
+          <p:cNvSpPr>
+            <a:spLocks noGrp="1"/>
+          </p:cNvSpPr>
+          <p:nvPr>
+            <p:ph sz="half" idx="1"/>
+          </p:nvPr>
+        </p:nvSpPr>
+        <p:spPr/>
+        <p:txBody>
+          <a:bodyPr>
+            <a:normAutofit lnSpcReduction="10000"/>
+          </a:bodyPr>
+          <a:lstStyle/>
+          <a:p>
+            <a:r>
+              <a:rPr lang="en-US" sz="2400" dirty="0"/>
+              <a:t>So-called ISIS Fanboys have been actively tweeting all over the world. </a:t>
+            </a:r>
+          </a:p>
+          <a:p>
+            <a:r>
+              <a:rPr lang="en-US" sz="2400" dirty="0"/>
+              <a:t>A </a:t>
+            </a:r>
+            <a:r>
+              <a:rPr lang="en-US" sz="2400" i="1" dirty="0"/>
+              <a:t>fanboy</a:t>
+            </a:r>
+            <a:r>
+              <a:rPr lang="en-US" sz="2400" dirty="0"/>
+              <a:t> is a boy or man who ardently supports a single hobby, ideology, movement, etc. </a:t>
+            </a:r>
+          </a:p>
+          <a:p>
+            <a:r>
+              <a:rPr lang="en-US" sz="2400" dirty="0"/>
+              <a:t>Isis released #</a:t>
+            </a:r>
+            <a:r>
+              <a:rPr lang="en-US" sz="2400" dirty="0" err="1"/>
+              <a:t>TweetMovie</a:t>
+            </a:r>
+            <a:r>
+              <a:rPr lang="en-US" sz="2400" dirty="0"/>
+              <a:t> from twitter, a “normal” day when two Isis operatives murdered a priest saying mass in a French church. </a:t>
+            </a:r>
+          </a:p>
+          <a:p>
+            <a:r>
+              <a:rPr lang="en-US" sz="2400" dirty="0"/>
+              <a:t>Fanboy tweets suggested “violent” sentiments. </a:t>
+            </a:r>
+          </a:p>
+          <a:p>
+            <a:r>
+              <a:rPr lang="en-US" sz="2400" dirty="0"/>
+              <a:t>However, there are also many tweets that perhaps counterpoise the ISIS fanboy tweets. </a:t>
+            </a:r>
+          </a:p>
+        </p:txBody>
+      </p:sp>
+      <p:sp>
+        <p:nvSpPr>
+          <p:cNvPr id="8" name="Content Placeholder 7">
+            <a:extLst>
+              <a:ext uri="{FF2B5EF4-FFF2-40B4-BE49-F238E27FC236}">
+                <a16:creationId xmlns:a16="http://schemas.microsoft.com/office/drawing/2014/main" id="{F7E7A61D-DEE6-4AF3-A17E-3F4378329543}"/>
+              </a:ext>
+            </a:extLst>
+          </p:cNvPr>
+          <p:cNvSpPr>
+            <a:spLocks noGrp="1"/>
+          </p:cNvSpPr>
+          <p:nvPr>
+            <p:ph sz="half" idx="2"/>
+          </p:nvPr>
+        </p:nvSpPr>
+        <p:spPr/>
+        <p:txBody>
+          <a:bodyPr>
+            <a:normAutofit lnSpcReduction="10000"/>
+          </a:bodyPr>
+          <a:lstStyle/>
+          <a:p>
+            <a:r>
+              <a:rPr lang="en-US" sz="2400" dirty="0"/>
+              <a:t>Kaggle released a selection of data from the site and made it available to Kaggle users. </a:t>
+            </a:r>
+          </a:p>
+          <a:p>
+            <a:r>
+              <a:rPr lang="en-US" sz="2400" dirty="0"/>
+              <a:t>You can find the dataset in my GitHub repository, with the filename: </a:t>
+            </a:r>
+            <a:r>
+              <a:rPr lang="en-US" sz="2400" dirty="0" err="1"/>
+              <a:t>ISISFanboy</a:t>
+            </a:r>
+            <a:r>
+              <a:rPr lang="en-US" sz="2400" dirty="0"/>
+              <a:t>. </a:t>
+            </a:r>
+          </a:p>
+          <a:p>
+            <a:r>
+              <a:rPr lang="en-US" sz="2400" dirty="0"/>
+              <a:t>This data set is intended to be a counterpoise to the </a:t>
+            </a:r>
+            <a:r>
+              <a:rPr lang="en-US" sz="2400" i="1" dirty="0"/>
+              <a:t>How Isis Uses Twitter</a:t>
+            </a:r>
+            <a:r>
+              <a:rPr lang="en-US" sz="2400" dirty="0"/>
+              <a:t> data set. </a:t>
+            </a:r>
+          </a:p>
+          <a:p>
+            <a:r>
+              <a:rPr lang="en-US" sz="2400" dirty="0"/>
+              <a:t>That data set contains 17k tweets alleged to originate with “100+ pro-ISIS fanboys”. </a:t>
+            </a:r>
+          </a:p>
+          <a:p>
+            <a:r>
+              <a:rPr lang="en-US" sz="2400" dirty="0"/>
+              <a:t>This is not a perfect counterpoise as it almost surely contains a small number of pro-Isis fanboy tweets.</a:t>
+            </a:r>
+          </a:p>
+          <a:p>
+            <a:endParaRPr lang="en-US" sz="2400" dirty="0"/>
+          </a:p>
+        </p:txBody>
+      </p:sp>
+      <p:sp>
+        <p:nvSpPr>
+          <p:cNvPr id="4" name="Date Placeholder 3">
+            <a:extLst>
+              <a:ext uri="{FF2B5EF4-FFF2-40B4-BE49-F238E27FC236}">
+                <a16:creationId xmlns:a16="http://schemas.microsoft.com/office/drawing/2014/main" id="{345803ED-5E78-4D98-8665-C0E0A2F71640}"/>
+              </a:ext>
+            </a:extLst>
+          </p:cNvPr>
+          <p:cNvSpPr>
+            <a:spLocks noGrp="1"/>
+          </p:cNvSpPr>
+          <p:nvPr>
+            <p:ph type="dt" sz="half" idx="10"/>
+          </p:nvPr>
+        </p:nvSpPr>
+        <p:spPr/>
+        <p:txBody>
+          <a:bodyPr/>
+          <a:lstStyle/>
+          <a:p>
+            <a:fld id="{13570084-B57A-493D-8A30-572F2D9F55F8}" type="datetime1">
+              <a:rPr lang="en-US" smtClean="0"/>
+              <a:pPr/>
+              <a:t>8/11/2018</a:t>
+            </a:fld>
+            <a:endParaRPr lang="en-US" dirty="0"/>
+          </a:p>
+        </p:txBody>
+      </p:sp>
+      <p:sp>
+        <p:nvSpPr>
+          <p:cNvPr id="6" name="Footer Placeholder 5">
+            <a:extLst>
+              <a:ext uri="{FF2B5EF4-FFF2-40B4-BE49-F238E27FC236}">
+                <a16:creationId xmlns:a16="http://schemas.microsoft.com/office/drawing/2014/main" id="{884BD15A-2826-4101-8AF5-8EFAD36603BB}"/>
+              </a:ext>
+            </a:extLst>
+          </p:cNvPr>
+          <p:cNvSpPr>
+            <a:spLocks noGrp="1"/>
+          </p:cNvSpPr>
+          <p:nvPr>
+            <p:ph type="ftr" sz="quarter" idx="11"/>
+          </p:nvPr>
+        </p:nvSpPr>
+        <p:spPr/>
+        <p:txBody>
+          <a:bodyPr/>
+          <a:lstStyle/>
+          <a:p>
+            <a:r>
+              <a:rPr lang="en-US"/>
+              <a:t>Copyright © 2010 Simulation Educators</a:t>
+            </a:r>
+            <a:endParaRPr lang="en-US" dirty="0"/>
+          </a:p>
+        </p:txBody>
+      </p:sp>
+      <p:sp>
+        <p:nvSpPr>
+          <p:cNvPr id="5" name="Slide Number Placeholder 4">
+            <a:extLst>
+              <a:ext uri="{FF2B5EF4-FFF2-40B4-BE49-F238E27FC236}">
+                <a16:creationId xmlns:a16="http://schemas.microsoft.com/office/drawing/2014/main" id="{6ECD1916-5976-4FB3-9CBF-71992BCA172B}"/>
+              </a:ext>
+            </a:extLst>
+          </p:cNvPr>
+          <p:cNvSpPr>
+            <a:spLocks noGrp="1"/>
+          </p:cNvSpPr>
+          <p:nvPr>
+            <p:ph type="sldNum" sz="quarter" idx="12"/>
+          </p:nvPr>
+        </p:nvSpPr>
+        <p:spPr/>
+        <p:txBody>
+          <a:bodyPr/>
+          <a:lstStyle/>
+          <a:p>
+            <a:fld id="{799C26FD-E1A0-49B8-8B03-25A733166562}" type="slidenum">
+              <a:rPr lang="en-US" smtClean="0"/>
+              <a:pPr/>
+              <a:t>25</a:t>
+            </a:fld>
+            <a:endParaRPr lang="en-US" dirty="0"/>
+          </a:p>
+        </p:txBody>
+      </p:sp>
+    </p:spTree>
+    <p:extLst>
+      <p:ext uri="{BB962C8B-B14F-4D97-AF65-F5344CB8AC3E}">
+        <p14:creationId xmlns:p14="http://schemas.microsoft.com/office/powerpoint/2010/main" val="950703388"/>
+      </p:ext>
+    </p:extLst>
+  </p:cSld>
+  <p:clrMapOvr>
+    <a:masterClrMapping/>
+  </p:clrMapOvr>
+</p:sld>
+</file>
+
+<file path=ppt/slides/slide26.xml><?xml version="1.0" encoding="utf-8"?>
+<p:sld xmlns:a="http://schemas.openxmlformats.org/drawingml/2006/main" xmlns:r="http://schemas.openxmlformats.org/officeDocument/2006/relationships" xmlns:p="http://schemas.openxmlformats.org/presentationml/2006/main">
+  <p:cSld>
+    <p:spTree>
+      <p:nvGrpSpPr>
+        <p:cNvPr id="1" name=""/>
+        <p:cNvGrpSpPr/>
+        <p:nvPr/>
+      </p:nvGrpSpPr>
+      <p:grpSpPr>
+        <a:xfrm>
+          <a:off x="0" y="0"/>
+          <a:ext cx="0" cy="0"/>
+          <a:chOff x="0" y="0"/>
+          <a:chExt cx="0" cy="0"/>
+        </a:xfrm>
+      </p:grpSpPr>
+      <p:sp>
+        <p:nvSpPr>
+          <p:cNvPr id="8" name="Title 7">
+            <a:extLst>
+              <a:ext uri="{FF2B5EF4-FFF2-40B4-BE49-F238E27FC236}">
+                <a16:creationId xmlns:a16="http://schemas.microsoft.com/office/drawing/2014/main" id="{28A676F0-7617-44DC-8150-F07044C5B5E1}"/>
+              </a:ext>
+            </a:extLst>
+          </p:cNvPr>
+          <p:cNvSpPr>
+            <a:spLocks noGrp="1"/>
+          </p:cNvSpPr>
+          <p:nvPr>
+            <p:ph type="title"/>
+          </p:nvPr>
+        </p:nvSpPr>
+        <p:spPr/>
+        <p:txBody>
+          <a:bodyPr/>
+          <a:lstStyle/>
+          <a:p>
+            <a:r>
+              <a:rPr lang="en-US" dirty="0"/>
+              <a:t>Project Goal</a:t>
+            </a:r>
+          </a:p>
+        </p:txBody>
+      </p:sp>
+      <p:sp>
+        <p:nvSpPr>
+          <p:cNvPr id="9" name="Content Placeholder 8">
+            <a:extLst>
+              <a:ext uri="{FF2B5EF4-FFF2-40B4-BE49-F238E27FC236}">
+                <a16:creationId xmlns:a16="http://schemas.microsoft.com/office/drawing/2014/main" id="{E69617C4-28D4-4A76-BF84-571FFABA3CC8}"/>
+              </a:ext>
+            </a:extLst>
+          </p:cNvPr>
+          <p:cNvSpPr>
+            <a:spLocks noGrp="1"/>
+          </p:cNvSpPr>
+          <p:nvPr>
+            <p:ph idx="1"/>
+          </p:nvPr>
+        </p:nvSpPr>
+        <p:spPr/>
+        <p:txBody>
+          <a:bodyPr/>
+          <a:lstStyle/>
+          <a:p>
+            <a:r>
+              <a:rPr lang="en-US" b="1" dirty="0"/>
+              <a:t>To </a:t>
+            </a:r>
+            <a:r>
+              <a:rPr lang="en-US" dirty="0"/>
+              <a:t>perform a counterpoise analysis to pro-ISIS tweets. </a:t>
+            </a:r>
+          </a:p>
+          <a:p>
+            <a:r>
+              <a:rPr lang="en-US" dirty="0"/>
+              <a:t>A counterpoise provides a balance or backdrop against which to measure a primary object, in this case the original pro-Isis data. </a:t>
+            </a:r>
+          </a:p>
+          <a:p>
+            <a:r>
+              <a:rPr lang="en-US" dirty="0"/>
+              <a:t>So, if anyone wants to discriminate between pro-Isis tweets and other tweets concerning Isis you will need to model the original pro-Isis data or signal against the counterpoise which is signal + noise</a:t>
+            </a:r>
+          </a:p>
+        </p:txBody>
+      </p:sp>
+      <p:sp>
+        <p:nvSpPr>
+          <p:cNvPr id="5" name="Date Placeholder 4">
+            <a:extLst>
+              <a:ext uri="{FF2B5EF4-FFF2-40B4-BE49-F238E27FC236}">
+                <a16:creationId xmlns:a16="http://schemas.microsoft.com/office/drawing/2014/main" id="{C02FE7F2-7B24-4045-B0E5-38A70888CF09}"/>
+              </a:ext>
+            </a:extLst>
+          </p:cNvPr>
+          <p:cNvSpPr>
+            <a:spLocks noGrp="1"/>
+          </p:cNvSpPr>
+          <p:nvPr>
+            <p:ph type="dt" sz="half" idx="10"/>
+          </p:nvPr>
+        </p:nvSpPr>
+        <p:spPr/>
+        <p:txBody>
+          <a:bodyPr/>
+          <a:lstStyle/>
+          <a:p>
+            <a:fld id="{E7244459-F2A5-4FF9-8125-3DD79827DEF5}" type="datetime1">
+              <a:rPr lang="en-US" smtClean="0"/>
+              <a:t>8/11/2018</a:t>
+            </a:fld>
+            <a:endParaRPr lang="en-US" dirty="0"/>
+          </a:p>
+        </p:txBody>
+      </p:sp>
+      <p:sp>
+        <p:nvSpPr>
+          <p:cNvPr id="7" name="Slide Number Placeholder 6">
+            <a:extLst>
+              <a:ext uri="{FF2B5EF4-FFF2-40B4-BE49-F238E27FC236}">
+                <a16:creationId xmlns:a16="http://schemas.microsoft.com/office/drawing/2014/main" id="{29287576-2E83-45F5-9AED-BEE9D2CE3D29}"/>
+              </a:ext>
+            </a:extLst>
+          </p:cNvPr>
+          <p:cNvSpPr>
+            <a:spLocks noGrp="1"/>
+          </p:cNvSpPr>
+          <p:nvPr>
+            <p:ph type="sldNum" sz="quarter" idx="12"/>
+          </p:nvPr>
+        </p:nvSpPr>
+        <p:spPr/>
+        <p:txBody>
+          <a:bodyPr/>
+          <a:lstStyle/>
+          <a:p>
+            <a:fld id="{799C26FD-E1A0-49B8-8B03-25A733166562}" type="slidenum">
+              <a:rPr lang="en-US" smtClean="0"/>
+              <a:t>26</a:t>
+            </a:fld>
+            <a:endParaRPr lang="en-US" dirty="0"/>
+          </a:p>
+        </p:txBody>
+      </p:sp>
+      <p:sp>
+        <p:nvSpPr>
+          <p:cNvPr id="6" name="Footer Placeholder 5">
+            <a:extLst>
+              <a:ext uri="{FF2B5EF4-FFF2-40B4-BE49-F238E27FC236}">
+                <a16:creationId xmlns:a16="http://schemas.microsoft.com/office/drawing/2014/main" id="{110FFEBC-26B1-475B-888B-21662403FF0A}"/>
+              </a:ext>
+            </a:extLst>
+          </p:cNvPr>
+          <p:cNvSpPr>
+            <a:spLocks noGrp="1"/>
+          </p:cNvSpPr>
+          <p:nvPr>
+            <p:ph type="ftr" sz="quarter" idx="3"/>
+          </p:nvPr>
+        </p:nvSpPr>
+        <p:spPr/>
+        <p:txBody>
+          <a:bodyPr/>
+          <a:lstStyle/>
+          <a:p>
+            <a:r>
+              <a:rPr lang="en-US"/>
+              <a:t>Copyright © 2010 Simulation Educators</a:t>
+            </a:r>
+            <a:endParaRPr lang="en-US" dirty="0"/>
+          </a:p>
+        </p:txBody>
+      </p:sp>
+    </p:spTree>
+    <p:extLst>
+      <p:ext uri="{BB962C8B-B14F-4D97-AF65-F5344CB8AC3E}">
+        <p14:creationId xmlns:p14="http://schemas.microsoft.com/office/powerpoint/2010/main" val="2548301448"/>
+      </p:ext>
+    </p:extLst>
+  </p:cSld>
+  <p:clrMapOvr>
+    <a:masterClrMapping/>
+  </p:clrMapOvr>
+</p:sld>
+</file>
+
+<file path=ppt/slides/slide27.xml><?xml version="1.0" encoding="utf-8"?>
+<p:sld xmlns:a="http://schemas.openxmlformats.org/drawingml/2006/main" xmlns:r="http://schemas.openxmlformats.org/officeDocument/2006/relationships" xmlns:p="http://schemas.openxmlformats.org/presentationml/2006/main">
+  <p:cSld>
+    <p:spTree>
+      <p:nvGrpSpPr>
+        <p:cNvPr id="1" name=""/>
+        <p:cNvGrpSpPr/>
+        <p:nvPr/>
+      </p:nvGrpSpPr>
+      <p:grpSpPr>
+        <a:xfrm>
+          <a:off x="0" y="0"/>
+          <a:ext cx="0" cy="0"/>
+          <a:chOff x="0" y="0"/>
+          <a:chExt cx="0" cy="0"/>
+        </a:xfrm>
+      </p:grpSpPr>
+      <p:sp>
+        <p:nvSpPr>
+          <p:cNvPr id="2" name="Title 1">
+            <a:extLst>
+              <a:ext uri="{FF2B5EF4-FFF2-40B4-BE49-F238E27FC236}">
+                <a16:creationId xmlns:a16="http://schemas.microsoft.com/office/drawing/2014/main" id="{BB235C37-A401-4578-80A9-BFC2BBA67689}"/>
+              </a:ext>
+            </a:extLst>
+          </p:cNvPr>
+          <p:cNvSpPr>
+            <a:spLocks noGrp="1"/>
+          </p:cNvSpPr>
+          <p:nvPr>
+            <p:ph type="title"/>
+          </p:nvPr>
+        </p:nvSpPr>
+        <p:spPr/>
+        <p:txBody>
+          <a:bodyPr/>
+          <a:lstStyle/>
+          <a:p>
+            <a:r>
+              <a:rPr lang="en-US" dirty="0"/>
+              <a:t>Challenge</a:t>
+            </a:r>
+          </a:p>
+        </p:txBody>
+      </p:sp>
+      <p:sp>
+        <p:nvSpPr>
+          <p:cNvPr id="3" name="Content Placeholder 2">
+            <a:extLst>
+              <a:ext uri="{FF2B5EF4-FFF2-40B4-BE49-F238E27FC236}">
+                <a16:creationId xmlns:a16="http://schemas.microsoft.com/office/drawing/2014/main" id="{C5FCB1B4-C320-477B-AF94-FAC57D071F9D}"/>
+              </a:ext>
+            </a:extLst>
+          </p:cNvPr>
+          <p:cNvSpPr>
+            <a:spLocks noGrp="1"/>
+          </p:cNvSpPr>
+          <p:nvPr>
+            <p:ph idx="1"/>
+          </p:nvPr>
+        </p:nvSpPr>
+        <p:spPr/>
+        <p:txBody>
+          <a:bodyPr/>
+          <a:lstStyle/>
+          <a:p>
+            <a:r>
+              <a:rPr lang="en-US" dirty="0"/>
+              <a:t>When a Arabic word is translated to English as “love” or “joy,” did the person who wrote the tweet in Arabic have the same meaning in his mind as we do when we read the words in English?</a:t>
+            </a:r>
+          </a:p>
+          <a:p>
+            <a:r>
+              <a:rPr lang="en-US" dirty="0"/>
+              <a:t> In other words, is there a cognitive semantics difference between the Islamic meaning of an Arabic word, which is then translated to English?</a:t>
+            </a:r>
+          </a:p>
+          <a:p>
+            <a:r>
+              <a:rPr lang="en-US" dirty="0"/>
+              <a:t> None of the results I have seen adequately reflect this dilemma. </a:t>
+            </a:r>
+          </a:p>
+          <a:p>
+            <a:endParaRPr lang="en-US" dirty="0"/>
+          </a:p>
+        </p:txBody>
+      </p:sp>
+      <p:sp>
+        <p:nvSpPr>
+          <p:cNvPr id="4" name="Date Placeholder 3">
+            <a:extLst>
+              <a:ext uri="{FF2B5EF4-FFF2-40B4-BE49-F238E27FC236}">
+                <a16:creationId xmlns:a16="http://schemas.microsoft.com/office/drawing/2014/main" id="{18F48E1D-CA15-41C6-92FC-AA883A061BAD}"/>
+              </a:ext>
+            </a:extLst>
+          </p:cNvPr>
+          <p:cNvSpPr>
+            <a:spLocks noGrp="1"/>
+          </p:cNvSpPr>
+          <p:nvPr>
+            <p:ph type="dt" sz="half" idx="10"/>
+          </p:nvPr>
+        </p:nvSpPr>
+        <p:spPr/>
+        <p:txBody>
+          <a:bodyPr/>
+          <a:lstStyle/>
+          <a:p>
+            <a:fld id="{13570084-B57A-493D-8A30-572F2D9F55F8}" type="datetime1">
+              <a:rPr lang="en-US" smtClean="0"/>
+              <a:pPr/>
+              <a:t>8/11/2018</a:t>
+            </a:fld>
+            <a:endParaRPr lang="en-US" dirty="0"/>
+          </a:p>
+        </p:txBody>
+      </p:sp>
+      <p:sp>
+        <p:nvSpPr>
+          <p:cNvPr id="5" name="Slide Number Placeholder 4">
+            <a:extLst>
+              <a:ext uri="{FF2B5EF4-FFF2-40B4-BE49-F238E27FC236}">
+                <a16:creationId xmlns:a16="http://schemas.microsoft.com/office/drawing/2014/main" id="{7667C6DD-655E-4725-B25E-B8BF9723DACE}"/>
+              </a:ext>
+            </a:extLst>
+          </p:cNvPr>
+          <p:cNvSpPr>
+            <a:spLocks noGrp="1"/>
+          </p:cNvSpPr>
+          <p:nvPr>
+            <p:ph type="sldNum" sz="quarter" idx="12"/>
+          </p:nvPr>
+        </p:nvSpPr>
+        <p:spPr/>
+        <p:txBody>
+          <a:bodyPr/>
+          <a:lstStyle/>
+          <a:p>
+            <a:fld id="{799C26FD-E1A0-49B8-8B03-25A733166562}" type="slidenum">
+              <a:rPr lang="en-US" smtClean="0"/>
+              <a:pPr/>
+              <a:t>27</a:t>
+            </a:fld>
+            <a:endParaRPr lang="en-US" dirty="0"/>
+          </a:p>
+        </p:txBody>
+      </p:sp>
+      <p:sp>
+        <p:nvSpPr>
+          <p:cNvPr id="6" name="Footer Placeholder 5">
+            <a:extLst>
+              <a:ext uri="{FF2B5EF4-FFF2-40B4-BE49-F238E27FC236}">
+                <a16:creationId xmlns:a16="http://schemas.microsoft.com/office/drawing/2014/main" id="{17D6BBA9-FBF9-4546-BA73-9CD22D5DBE94}"/>
+              </a:ext>
+            </a:extLst>
+          </p:cNvPr>
+          <p:cNvSpPr>
+            <a:spLocks noGrp="1"/>
+          </p:cNvSpPr>
+          <p:nvPr>
+            <p:ph type="ftr" sz="quarter" idx="3"/>
+          </p:nvPr>
+        </p:nvSpPr>
+        <p:spPr/>
+        <p:txBody>
+          <a:bodyPr/>
+          <a:lstStyle/>
+          <a:p>
+            <a:r>
+              <a:rPr lang="en-US"/>
+              <a:t>Copyright © 2010 Simulation Educators</a:t>
+            </a:r>
+            <a:endParaRPr lang="en-US" dirty="0"/>
+          </a:p>
+        </p:txBody>
+      </p:sp>
+    </p:spTree>
+    <p:extLst>
+      <p:ext uri="{BB962C8B-B14F-4D97-AF65-F5344CB8AC3E}">
+        <p14:creationId xmlns:p14="http://schemas.microsoft.com/office/powerpoint/2010/main" val="188473592"/>
+      </p:ext>
+    </p:extLst>
+  </p:cSld>
+  <p:clrMapOvr>
+    <a:masterClrMapping/>
+  </p:clrMapOvr>
+</p:sld>
+</file>
+
+<file path=ppt/slides/slide28.xml><?xml version="1.0" encoding="utf-8"?>
+<p:sld xmlns:a="http://schemas.openxmlformats.org/drawingml/2006/main" xmlns:r="http://schemas.openxmlformats.org/officeDocument/2006/relationships" xmlns:p="http://schemas.openxmlformats.org/presentationml/2006/main">
+  <p:cSld>
+    <p:spTree>
+      <p:nvGrpSpPr>
+        <p:cNvPr id="1" name=""/>
+        <p:cNvGrpSpPr/>
+        <p:nvPr/>
+      </p:nvGrpSpPr>
+      <p:grpSpPr>
+        <a:xfrm>
+          <a:off x="0" y="0"/>
+          <a:ext cx="0" cy="0"/>
+          <a:chOff x="0" y="0"/>
+          <a:chExt cx="0" cy="0"/>
+        </a:xfrm>
+      </p:grpSpPr>
+      <p:sp>
+        <p:nvSpPr>
+          <p:cNvPr id="2" name="Title 1">
+            <a:extLst>
+              <a:ext uri="{FF2B5EF4-FFF2-40B4-BE49-F238E27FC236}">
+                <a16:creationId xmlns:a16="http://schemas.microsoft.com/office/drawing/2014/main" id="{439F3F39-0437-4742-844A-1F4C04E4899D}"/>
+              </a:ext>
+            </a:extLst>
+          </p:cNvPr>
+          <p:cNvSpPr>
+            <a:spLocks noGrp="1"/>
+          </p:cNvSpPr>
+          <p:nvPr>
+            <p:ph type="title"/>
+          </p:nvPr>
+        </p:nvSpPr>
+        <p:spPr/>
+        <p:txBody>
+          <a:bodyPr/>
+          <a:lstStyle/>
+          <a:p>
+            <a:r>
+              <a:rPr lang="en-US" dirty="0"/>
+              <a:t>Sample Analysis</a:t>
+            </a:r>
+          </a:p>
+        </p:txBody>
+      </p:sp>
+      <p:sp>
+        <p:nvSpPr>
+          <p:cNvPr id="7" name="Content Placeholder 6">
+            <a:extLst>
+              <a:ext uri="{FF2B5EF4-FFF2-40B4-BE49-F238E27FC236}">
+                <a16:creationId xmlns:a16="http://schemas.microsoft.com/office/drawing/2014/main" id="{0374E777-BA73-4AF1-AB9A-D98C1BA7316E}"/>
+              </a:ext>
+            </a:extLst>
+          </p:cNvPr>
+          <p:cNvSpPr>
+            <a:spLocks noGrp="1"/>
+          </p:cNvSpPr>
+          <p:nvPr>
+            <p:ph sz="half" idx="1"/>
+          </p:nvPr>
+        </p:nvSpPr>
+        <p:spPr>
+          <a:xfrm>
+            <a:off x="247828" y="1354666"/>
+            <a:ext cx="2901772" cy="5046134"/>
+          </a:xfrm>
+        </p:spPr>
+        <p:txBody>
+          <a:bodyPr/>
+          <a:lstStyle/>
+          <a:p>
+            <a:r>
+              <a:rPr lang="en-US" dirty="0"/>
+              <a:t>Load Libraries</a:t>
+            </a:r>
+          </a:p>
+          <a:p>
+            <a:r>
+              <a:rPr lang="en-US" dirty="0"/>
+              <a:t>Load Source Data</a:t>
+            </a:r>
+          </a:p>
+          <a:p>
+            <a:r>
+              <a:rPr lang="en-US" dirty="0"/>
+              <a:t>Processing Data</a:t>
+            </a:r>
+          </a:p>
+          <a:p>
+            <a:r>
+              <a:rPr lang="en-US" dirty="0"/>
+              <a:t>Tokenization</a:t>
+            </a:r>
+          </a:p>
+        </p:txBody>
+      </p:sp>
+      <p:sp>
+        <p:nvSpPr>
+          <p:cNvPr id="8" name="Content Placeholder 7">
+            <a:extLst>
+              <a:ext uri="{FF2B5EF4-FFF2-40B4-BE49-F238E27FC236}">
+                <a16:creationId xmlns:a16="http://schemas.microsoft.com/office/drawing/2014/main" id="{E657DC4B-58BF-4E62-9DBE-D807209743AF}"/>
+              </a:ext>
+            </a:extLst>
+          </p:cNvPr>
+          <p:cNvSpPr>
+            <a:spLocks noGrp="1"/>
+          </p:cNvSpPr>
+          <p:nvPr>
+            <p:ph sz="half" idx="2"/>
+          </p:nvPr>
+        </p:nvSpPr>
+        <p:spPr>
+          <a:xfrm>
+            <a:off x="3149600" y="1354666"/>
+            <a:ext cx="8635999" cy="5046134"/>
+          </a:xfrm>
+        </p:spPr>
+        <p:txBody>
+          <a:bodyPr>
+            <a:normAutofit/>
+          </a:bodyPr>
+          <a:lstStyle/>
+          <a:p>
+            <a:pPr>
+              <a:buClr>
+                <a:schemeClr val="bg1"/>
+              </a:buClr>
+              <a:buFont typeface="Lucida Console" panose="020B0609040504020204" pitchFamily="49" charset="0"/>
+              <a:buChar char="&gt;"/>
+            </a:pPr>
+            <a:r>
+              <a:rPr lang="en-US" sz="1800" dirty="0" err="1">
+                <a:latin typeface="Lucida Console" panose="020B0609040504020204" pitchFamily="49" charset="0"/>
+              </a:rPr>
+              <a:t>setwd</a:t>
+            </a:r>
+            <a:r>
+              <a:rPr lang="en-US" sz="1800" dirty="0">
+                <a:latin typeface="Lucida Console" panose="020B0609040504020204" pitchFamily="49" charset="0"/>
+              </a:rPr>
+              <a:t>("C:/Users/jeff/Documents/VIT_University/IsisFanboy/")</a:t>
+            </a:r>
+          </a:p>
+          <a:p>
+            <a:pPr>
+              <a:buClr>
+                <a:schemeClr val="bg1"/>
+              </a:buClr>
+              <a:buFont typeface="Lucida Console" panose="020B0609040504020204" pitchFamily="49" charset="0"/>
+              <a:buChar char="&gt;"/>
+            </a:pPr>
+            <a:r>
+              <a:rPr lang="en-US" sz="1800" dirty="0" err="1">
+                <a:latin typeface="Lucida Console" panose="020B0609040504020204" pitchFamily="49" charset="0"/>
+              </a:rPr>
+              <a:t>getwd</a:t>
+            </a:r>
+            <a:r>
+              <a:rPr lang="en-US" sz="1800" dirty="0">
+                <a:latin typeface="Lucida Console" panose="020B0609040504020204" pitchFamily="49" charset="0"/>
+              </a:rPr>
+              <a:t>()</a:t>
+            </a:r>
+          </a:p>
+          <a:p>
+            <a:pPr marL="230188" indent="0">
+              <a:buClr>
+                <a:schemeClr val="bg1"/>
+              </a:buClr>
+              <a:buNone/>
+            </a:pPr>
+            <a:r>
+              <a:rPr lang="en-US" sz="1800" dirty="0">
+                <a:latin typeface="Lucida Console" panose="020B0609040504020204" pitchFamily="49" charset="0"/>
+              </a:rPr>
+              <a:t>[1] "C:/Users/jeff/Documents/VIT_University/IsisFanboy"</a:t>
+            </a:r>
+          </a:p>
+          <a:p>
+            <a:pPr>
+              <a:buClr>
+                <a:schemeClr val="bg1"/>
+              </a:buClr>
+              <a:buFont typeface="Lucida Console" panose="020B0609040504020204" pitchFamily="49" charset="0"/>
+              <a:buChar char="&gt;"/>
+            </a:pPr>
+            <a:r>
+              <a:rPr lang="en-US" sz="1800" dirty="0">
+                <a:latin typeface="Lucida Console" panose="020B0609040504020204" pitchFamily="49" charset="0"/>
+              </a:rPr>
+              <a:t>tweets&lt;-read.csv("AboutIsis.csv",</a:t>
+            </a:r>
+            <a:r>
+              <a:rPr lang="en-US" sz="1800" dirty="0" err="1">
+                <a:latin typeface="Lucida Console" panose="020B0609040504020204" pitchFamily="49" charset="0"/>
+              </a:rPr>
+              <a:t>stringsAsFactor</a:t>
+            </a:r>
+            <a:r>
+              <a:rPr lang="en-US" sz="1800" dirty="0">
+                <a:latin typeface="Lucida Console" panose="020B0609040504020204" pitchFamily="49" charset="0"/>
+              </a:rPr>
+              <a:t>=FALSE)</a:t>
+            </a:r>
+          </a:p>
+          <a:p>
+            <a:pPr>
+              <a:buClr>
+                <a:schemeClr val="bg1"/>
+              </a:buClr>
+              <a:buFont typeface="Lucida Console" panose="020B0609040504020204" pitchFamily="49" charset="0"/>
+              <a:buChar char="&gt;"/>
+            </a:pPr>
+            <a:r>
+              <a:rPr lang="en-US" sz="1800" dirty="0" err="1">
+                <a:latin typeface="Lucida Console" panose="020B0609040504020204" pitchFamily="49" charset="0"/>
+              </a:rPr>
+              <a:t>str</a:t>
+            </a:r>
+            <a:r>
+              <a:rPr lang="en-US" sz="1800" dirty="0">
+                <a:latin typeface="Lucida Console" panose="020B0609040504020204" pitchFamily="49" charset="0"/>
+              </a:rPr>
+              <a:t>(tweets)</a:t>
+            </a:r>
+          </a:p>
+          <a:p>
+            <a:pPr marL="230188" indent="0">
+              <a:buClr>
+                <a:schemeClr val="bg1"/>
+              </a:buClr>
+              <a:buNone/>
+            </a:pPr>
+            <a:r>
+              <a:rPr lang="en-US" sz="1800" dirty="0">
+                <a:latin typeface="Lucida Console" panose="020B0609040504020204" pitchFamily="49" charset="0"/>
+              </a:rPr>
+              <a:t>'data.frame':	122619 obs. of  6 variables:</a:t>
+            </a:r>
+          </a:p>
+          <a:p>
+            <a:pPr marL="230188" indent="0">
+              <a:buClr>
+                <a:schemeClr val="bg1"/>
+              </a:buClr>
+              <a:buNone/>
+            </a:pPr>
+            <a:r>
+              <a:rPr lang="en-US" sz="1800" dirty="0">
+                <a:latin typeface="Lucida Console" panose="020B0609040504020204" pitchFamily="49" charset="0"/>
+              </a:rPr>
+              <a:t> $ name    : </a:t>
+            </a:r>
+            <a:r>
+              <a:rPr lang="en-US" sz="1800" dirty="0" err="1">
+                <a:latin typeface="Lucida Console" panose="020B0609040504020204" pitchFamily="49" charset="0"/>
+              </a:rPr>
+              <a:t>chr</a:t>
+            </a:r>
+            <a:r>
+              <a:rPr lang="en-US" sz="1800" dirty="0">
+                <a:latin typeface="Lucida Console" panose="020B0609040504020204" pitchFamily="49" charset="0"/>
+              </a:rPr>
+              <a:t>  "Sean </a:t>
+            </a:r>
+            <a:r>
+              <a:rPr lang="en-US" sz="1800" dirty="0" err="1">
+                <a:latin typeface="Lucida Console" panose="020B0609040504020204" pitchFamily="49" charset="0"/>
+              </a:rPr>
+              <a:t>Ferigan</a:t>
+            </a:r>
+            <a:r>
+              <a:rPr lang="en-US" sz="1800" dirty="0">
+                <a:latin typeface="Lucida Console" panose="020B0609040504020204" pitchFamily="49" charset="0"/>
+              </a:rPr>
+              <a:t>" "</a:t>
+            </a:r>
+            <a:r>
+              <a:rPr lang="en-US" sz="1800" dirty="0" err="1">
+                <a:latin typeface="Lucida Console" panose="020B0609040504020204" pitchFamily="49" charset="0"/>
+              </a:rPr>
+              <a:t>m.zakariyya</a:t>
+            </a:r>
+            <a:r>
+              <a:rPr lang="en-US" sz="1800" dirty="0">
+                <a:latin typeface="Lucida Console" panose="020B0609040504020204" pitchFamily="49" charset="0"/>
+              </a:rPr>
+              <a:t>" "ã\201¡ã‚ƒã‚“ã‚†ã\201š" "chutney" ...</a:t>
+            </a:r>
+          </a:p>
+          <a:p>
+            <a:pPr marL="230188" indent="0">
+              <a:buClr>
+                <a:schemeClr val="bg1"/>
+              </a:buClr>
+              <a:buNone/>
+            </a:pPr>
+            <a:r>
+              <a:rPr lang="en-US" sz="1800" dirty="0">
+                <a:latin typeface="Lucida Console" panose="020B0609040504020204" pitchFamily="49" charset="0"/>
+              </a:rPr>
+              <a:t> $ username: </a:t>
+            </a:r>
+            <a:r>
+              <a:rPr lang="en-US" sz="1800" dirty="0" err="1">
+                <a:latin typeface="Lucida Console" panose="020B0609040504020204" pitchFamily="49" charset="0"/>
+              </a:rPr>
+              <a:t>chr</a:t>
+            </a:r>
+            <a:r>
+              <a:rPr lang="en-US" sz="1800" dirty="0">
+                <a:latin typeface="Lucida Console" panose="020B0609040504020204" pitchFamily="49" charset="0"/>
+              </a:rPr>
+              <a:t>  "</a:t>
+            </a:r>
+            <a:r>
+              <a:rPr lang="en-US" sz="1800" dirty="0" err="1">
+                <a:latin typeface="Lucida Console" panose="020B0609040504020204" pitchFamily="49" charset="0"/>
+              </a:rPr>
+              <a:t>ferigan</a:t>
+            </a:r>
+            <a:r>
+              <a:rPr lang="en-US" sz="1800" dirty="0">
+                <a:latin typeface="Lucida Console" panose="020B0609040504020204" pitchFamily="49" charset="0"/>
+              </a:rPr>
+              <a:t>" "mzakariyya5" "yuzuchaaan777" "</a:t>
+            </a:r>
+            <a:r>
+              <a:rPr lang="en-US" sz="1800" dirty="0" err="1">
+                <a:latin typeface="Lucida Console" panose="020B0609040504020204" pitchFamily="49" charset="0"/>
+              </a:rPr>
+              <a:t>plainparatha</a:t>
+            </a:r>
+            <a:r>
+              <a:rPr lang="en-US" sz="1800" dirty="0">
+                <a:latin typeface="Lucida Console" panose="020B0609040504020204" pitchFamily="49" charset="0"/>
+              </a:rPr>
+              <a:t>" ...</a:t>
+            </a:r>
+          </a:p>
+          <a:p>
+            <a:pPr marL="230188" indent="0">
+              <a:buClr>
+                <a:schemeClr val="bg1"/>
+              </a:buClr>
+              <a:buNone/>
+            </a:pPr>
+            <a:r>
+              <a:rPr lang="en-US" sz="1800" dirty="0">
+                <a:latin typeface="Lucida Console" panose="020B0609040504020204" pitchFamily="49" charset="0"/>
+              </a:rPr>
+              <a:t> $ </a:t>
+            </a:r>
+            <a:r>
+              <a:rPr lang="en-US" sz="1800" dirty="0" err="1">
+                <a:latin typeface="Lucida Console" panose="020B0609040504020204" pitchFamily="49" charset="0"/>
+              </a:rPr>
+              <a:t>tweetid</a:t>
+            </a:r>
+            <a:r>
+              <a:rPr lang="en-US" sz="1800" dirty="0">
+                <a:latin typeface="Lucida Console" panose="020B0609040504020204" pitchFamily="49" charset="0"/>
+              </a:rPr>
+              <a:t> : </a:t>
+            </a:r>
+            <a:r>
+              <a:rPr lang="en-US" sz="1800" dirty="0" err="1">
+                <a:latin typeface="Lucida Console" panose="020B0609040504020204" pitchFamily="49" charset="0"/>
+              </a:rPr>
+              <a:t>num</a:t>
+            </a:r>
+            <a:r>
+              <a:rPr lang="en-US" sz="1800" dirty="0">
+                <a:latin typeface="Lucida Console" panose="020B0609040504020204" pitchFamily="49" charset="0"/>
+              </a:rPr>
+              <a:t>  7.52e+17 </a:t>
+            </a:r>
+            <a:r>
+              <a:rPr lang="en-US" sz="1800" dirty="0" err="1">
+                <a:latin typeface="Lucida Console" panose="020B0609040504020204" pitchFamily="49" charset="0"/>
+              </a:rPr>
+              <a:t>7.52e+17</a:t>
+            </a:r>
+            <a:r>
+              <a:rPr lang="en-US" sz="1800" dirty="0">
+                <a:latin typeface="Lucida Console" panose="020B0609040504020204" pitchFamily="49" charset="0"/>
+              </a:rPr>
+              <a:t> </a:t>
+            </a:r>
+            <a:r>
+              <a:rPr lang="en-US" sz="1800" dirty="0" err="1">
+                <a:latin typeface="Lucida Console" panose="020B0609040504020204" pitchFamily="49" charset="0"/>
+              </a:rPr>
+              <a:t>7.52e+17</a:t>
+            </a:r>
+            <a:r>
+              <a:rPr lang="en-US" sz="1800" dirty="0">
+                <a:latin typeface="Lucida Console" panose="020B0609040504020204" pitchFamily="49" charset="0"/>
+              </a:rPr>
+              <a:t> </a:t>
+            </a:r>
+            <a:r>
+              <a:rPr lang="en-US" sz="1800" dirty="0" err="1">
+                <a:latin typeface="Lucida Console" panose="020B0609040504020204" pitchFamily="49" charset="0"/>
+              </a:rPr>
+              <a:t>7.52e+17</a:t>
+            </a:r>
+            <a:r>
+              <a:rPr lang="en-US" sz="1800" dirty="0">
+                <a:latin typeface="Lucida Console" panose="020B0609040504020204" pitchFamily="49" charset="0"/>
+              </a:rPr>
+              <a:t> </a:t>
+            </a:r>
+            <a:r>
+              <a:rPr lang="en-US" sz="1800" dirty="0" err="1">
+                <a:latin typeface="Lucida Console" panose="020B0609040504020204" pitchFamily="49" charset="0"/>
+              </a:rPr>
+              <a:t>7.52e+17</a:t>
+            </a:r>
+            <a:r>
+              <a:rPr lang="en-US" sz="1800" dirty="0">
+                <a:latin typeface="Lucida Console" panose="020B0609040504020204" pitchFamily="49" charset="0"/>
+              </a:rPr>
+              <a:t> ...</a:t>
+            </a:r>
+          </a:p>
+          <a:p>
+            <a:pPr marL="230188" indent="0">
+              <a:buClr>
+                <a:schemeClr val="bg1"/>
+              </a:buClr>
+              <a:buNone/>
+            </a:pPr>
+            <a:r>
+              <a:rPr lang="en-US" sz="1800" dirty="0">
+                <a:latin typeface="Lucida Console" panose="020B0609040504020204" pitchFamily="49" charset="0"/>
+              </a:rPr>
+              <a:t>...</a:t>
+            </a:r>
+          </a:p>
+          <a:p>
+            <a:pPr marL="230188" indent="0">
+              <a:buClr>
+                <a:schemeClr val="bg1"/>
+              </a:buClr>
+              <a:buNone/>
+            </a:pPr>
+            <a:r>
+              <a:rPr lang="en-US" sz="1800" dirty="0">
+                <a:latin typeface="Lucida Console" panose="020B0609040504020204" pitchFamily="49" charset="0"/>
+              </a:rPr>
+              <a:t>...</a:t>
+            </a:r>
+          </a:p>
+        </p:txBody>
+      </p:sp>
+      <p:sp>
+        <p:nvSpPr>
+          <p:cNvPr id="4" name="Date Placeholder 3">
+            <a:extLst>
+              <a:ext uri="{FF2B5EF4-FFF2-40B4-BE49-F238E27FC236}">
+                <a16:creationId xmlns:a16="http://schemas.microsoft.com/office/drawing/2014/main" id="{76CB5928-43F0-45C7-B7CC-E5227C50DB90}"/>
+              </a:ext>
+            </a:extLst>
+          </p:cNvPr>
+          <p:cNvSpPr>
+            <a:spLocks noGrp="1"/>
+          </p:cNvSpPr>
+          <p:nvPr>
+            <p:ph type="dt" sz="half" idx="10"/>
+          </p:nvPr>
+        </p:nvSpPr>
+        <p:spPr/>
+        <p:txBody>
+          <a:bodyPr/>
+          <a:lstStyle/>
+          <a:p>
+            <a:fld id="{13570084-B57A-493D-8A30-572F2D9F55F8}" type="datetime1">
+              <a:rPr lang="en-US" smtClean="0"/>
+              <a:pPr/>
+              <a:t>8/11/2018</a:t>
+            </a:fld>
+            <a:endParaRPr lang="en-US" dirty="0"/>
+          </a:p>
+        </p:txBody>
+      </p:sp>
+      <p:sp>
+        <p:nvSpPr>
+          <p:cNvPr id="6" name="Footer Placeholder 5">
+            <a:extLst>
+              <a:ext uri="{FF2B5EF4-FFF2-40B4-BE49-F238E27FC236}">
+                <a16:creationId xmlns:a16="http://schemas.microsoft.com/office/drawing/2014/main" id="{5723575D-8867-4F9C-85AE-C0234693CB50}"/>
+              </a:ext>
+            </a:extLst>
+          </p:cNvPr>
+          <p:cNvSpPr>
+            <a:spLocks noGrp="1"/>
+          </p:cNvSpPr>
+          <p:nvPr>
+            <p:ph type="ftr" sz="quarter" idx="11"/>
+          </p:nvPr>
+        </p:nvSpPr>
+        <p:spPr/>
+        <p:txBody>
+          <a:bodyPr/>
+          <a:lstStyle/>
+          <a:p>
+            <a:r>
+              <a:rPr lang="en-US"/>
+              <a:t>Copyright © 2010 Simulation Educators</a:t>
+            </a:r>
+            <a:endParaRPr lang="en-US" dirty="0"/>
+          </a:p>
+        </p:txBody>
+      </p:sp>
+      <p:sp>
+        <p:nvSpPr>
+          <p:cNvPr id="5" name="Slide Number Placeholder 4">
+            <a:extLst>
+              <a:ext uri="{FF2B5EF4-FFF2-40B4-BE49-F238E27FC236}">
+                <a16:creationId xmlns:a16="http://schemas.microsoft.com/office/drawing/2014/main" id="{BDCD8B6D-9BBD-42F1-B597-5E8FE2DC275E}"/>
+              </a:ext>
+            </a:extLst>
+          </p:cNvPr>
+          <p:cNvSpPr>
+            <a:spLocks noGrp="1"/>
+          </p:cNvSpPr>
+          <p:nvPr>
+            <p:ph type="sldNum" sz="quarter" idx="12"/>
+          </p:nvPr>
+        </p:nvSpPr>
+        <p:spPr/>
+        <p:txBody>
+          <a:bodyPr/>
+          <a:lstStyle/>
+          <a:p>
+            <a:fld id="{799C26FD-E1A0-49B8-8B03-25A733166562}" type="slidenum">
+              <a:rPr lang="en-US" smtClean="0"/>
+              <a:pPr/>
+              <a:t>28</a:t>
+            </a:fld>
+            <a:endParaRPr lang="en-US" dirty="0"/>
+          </a:p>
+        </p:txBody>
+      </p:sp>
+    </p:spTree>
+    <p:extLst>
+      <p:ext uri="{BB962C8B-B14F-4D97-AF65-F5344CB8AC3E}">
+        <p14:creationId xmlns:p14="http://schemas.microsoft.com/office/powerpoint/2010/main" val="3465772320"/>
+      </p:ext>
+    </p:extLst>
+  </p:cSld>
+  <p:clrMapOvr>
+    <a:masterClrMapping/>
+  </p:clrMapOvr>
+</p:sld>
+</file>
+
+<file path=ppt/slides/slide29.xml><?xml version="1.0" encoding="utf-8"?>
+<p:sld xmlns:a="http://schemas.openxmlformats.org/drawingml/2006/main" xmlns:r="http://schemas.openxmlformats.org/officeDocument/2006/relationships" xmlns:p="http://schemas.openxmlformats.org/presentationml/2006/main">
+  <p:cSld>
+    <p:spTree>
+      <p:nvGrpSpPr>
+        <p:cNvPr id="1" name=""/>
+        <p:cNvGrpSpPr/>
+        <p:nvPr/>
+      </p:nvGrpSpPr>
+      <p:grpSpPr>
+        <a:xfrm>
+          <a:off x="0" y="0"/>
+          <a:ext cx="0" cy="0"/>
+          <a:chOff x="0" y="0"/>
+          <a:chExt cx="0" cy="0"/>
+        </a:xfrm>
+      </p:grpSpPr>
+      <p:sp>
+        <p:nvSpPr>
+          <p:cNvPr id="2" name="Title 1">
+            <a:extLst>
+              <a:ext uri="{FF2B5EF4-FFF2-40B4-BE49-F238E27FC236}">
+                <a16:creationId xmlns:a16="http://schemas.microsoft.com/office/drawing/2014/main" id="{0FE29C35-5049-4112-862C-5E98FACA25E7}"/>
+              </a:ext>
+            </a:extLst>
+          </p:cNvPr>
+          <p:cNvSpPr>
+            <a:spLocks noGrp="1"/>
+          </p:cNvSpPr>
+          <p:nvPr>
+            <p:ph type="title"/>
+          </p:nvPr>
+        </p:nvSpPr>
+        <p:spPr/>
+        <p:txBody>
+          <a:bodyPr/>
+          <a:lstStyle/>
+          <a:p>
+            <a:r>
+              <a:rPr lang="en-US" dirty="0"/>
+              <a:t>Sample Analysis</a:t>
+            </a:r>
+          </a:p>
+        </p:txBody>
+      </p:sp>
+      <p:pic>
+        <p:nvPicPr>
+          <p:cNvPr id="8" name="Content Placeholder 7">
+            <a:extLst>
+              <a:ext uri="{FF2B5EF4-FFF2-40B4-BE49-F238E27FC236}">
+                <a16:creationId xmlns:a16="http://schemas.microsoft.com/office/drawing/2014/main" id="{A4865225-B1EB-4E27-967A-CEA87DEE0259}"/>
+              </a:ext>
+            </a:extLst>
+          </p:cNvPr>
+          <p:cNvPicPr>
+            <a:picLocks noGrp="1" noChangeAspect="1"/>
+          </p:cNvPicPr>
+          <p:nvPr>
+            <p:ph sz="half" idx="1"/>
+          </p:nvPr>
+        </p:nvPicPr>
+        <p:blipFill rotWithShape="1">
+          <a:blip r:embed="rId2"/>
+          <a:srcRect l="18793" t="12227" r="16353" b="13757"/>
+          <a:stretch/>
+        </p:blipFill>
+        <p:spPr>
+          <a:xfrm>
+            <a:off x="580956" y="1327064"/>
+            <a:ext cx="5303520" cy="5091878"/>
+          </a:xfrm>
+          <a:prstGeom prst="rect">
+            <a:avLst/>
+          </a:prstGeom>
+        </p:spPr>
+      </p:pic>
+      <p:sp>
+        <p:nvSpPr>
+          <p:cNvPr id="4" name="Content Placeholder 3">
+            <a:extLst>
+              <a:ext uri="{FF2B5EF4-FFF2-40B4-BE49-F238E27FC236}">
+                <a16:creationId xmlns:a16="http://schemas.microsoft.com/office/drawing/2014/main" id="{87E35ADA-E9AC-4ED2-A11B-024EC9AB9736}"/>
+              </a:ext>
+            </a:extLst>
+          </p:cNvPr>
+          <p:cNvSpPr>
+            <a:spLocks noGrp="1"/>
+          </p:cNvSpPr>
+          <p:nvPr>
+            <p:ph sz="half" idx="2"/>
+          </p:nvPr>
+        </p:nvSpPr>
+        <p:spPr/>
+        <p:txBody>
+          <a:bodyPr/>
+          <a:lstStyle/>
+          <a:p>
+            <a:r>
+              <a:rPr lang="en-US" dirty="0"/>
+              <a:t>Word Plots</a:t>
+            </a:r>
+          </a:p>
+          <a:p>
+            <a:r>
+              <a:rPr lang="en-US" dirty="0"/>
+              <a:t>Bar Charts</a:t>
+            </a:r>
+          </a:p>
+          <a:p>
+            <a:r>
+              <a:rPr lang="en-US" dirty="0"/>
+              <a:t>Frequency tables</a:t>
+            </a:r>
+          </a:p>
+          <a:p>
+            <a:r>
+              <a:rPr lang="en-US" dirty="0"/>
+              <a:t>Model prototypes</a:t>
+            </a:r>
+          </a:p>
+          <a:p>
+            <a:r>
+              <a:rPr lang="en-US" dirty="0"/>
+              <a:t>Scatterplots</a:t>
+            </a:r>
+          </a:p>
+          <a:p>
+            <a:r>
+              <a:rPr lang="en-US" dirty="0"/>
+              <a:t>Boxplots</a:t>
+            </a:r>
+          </a:p>
+        </p:txBody>
+      </p:sp>
+      <p:sp>
+        <p:nvSpPr>
+          <p:cNvPr id="5" name="Date Placeholder 4">
+            <a:extLst>
+              <a:ext uri="{FF2B5EF4-FFF2-40B4-BE49-F238E27FC236}">
+                <a16:creationId xmlns:a16="http://schemas.microsoft.com/office/drawing/2014/main" id="{579D96B9-145B-4D07-8A64-E0ECC3281FA4}"/>
+              </a:ext>
+            </a:extLst>
+          </p:cNvPr>
+          <p:cNvSpPr>
+            <a:spLocks noGrp="1"/>
+          </p:cNvSpPr>
+          <p:nvPr>
+            <p:ph type="dt" sz="half" idx="10"/>
+          </p:nvPr>
+        </p:nvSpPr>
+        <p:spPr/>
+        <p:txBody>
+          <a:bodyPr/>
+          <a:lstStyle/>
+          <a:p>
+            <a:fld id="{E7244459-F2A5-4FF9-8125-3DD79827DEF5}" type="datetime1">
+              <a:rPr lang="en-US" smtClean="0"/>
+              <a:t>8/11/2018</a:t>
+            </a:fld>
+            <a:endParaRPr lang="en-US" dirty="0"/>
+          </a:p>
+        </p:txBody>
+      </p:sp>
+      <p:sp>
+        <p:nvSpPr>
+          <p:cNvPr id="6" name="Footer Placeholder 5">
+            <a:extLst>
+              <a:ext uri="{FF2B5EF4-FFF2-40B4-BE49-F238E27FC236}">
+                <a16:creationId xmlns:a16="http://schemas.microsoft.com/office/drawing/2014/main" id="{BF93E01D-5C83-456A-B680-9371EE08CAD7}"/>
+              </a:ext>
+            </a:extLst>
+          </p:cNvPr>
+          <p:cNvSpPr>
+            <a:spLocks noGrp="1"/>
+          </p:cNvSpPr>
+          <p:nvPr>
+            <p:ph type="ftr" sz="quarter" idx="11"/>
+          </p:nvPr>
+        </p:nvSpPr>
+        <p:spPr/>
+        <p:txBody>
+          <a:bodyPr/>
+          <a:lstStyle/>
+          <a:p>
+            <a:r>
+              <a:rPr lang="en-US"/>
+              <a:t>Copyright © 2010 Simulation Educators</a:t>
+            </a:r>
+            <a:endParaRPr lang="en-US" dirty="0"/>
+          </a:p>
+        </p:txBody>
+      </p:sp>
+      <p:sp>
+        <p:nvSpPr>
+          <p:cNvPr id="7" name="Slide Number Placeholder 6">
+            <a:extLst>
+              <a:ext uri="{FF2B5EF4-FFF2-40B4-BE49-F238E27FC236}">
+                <a16:creationId xmlns:a16="http://schemas.microsoft.com/office/drawing/2014/main" id="{6EA45C80-BF20-447A-8214-F5766848909A}"/>
+              </a:ext>
+            </a:extLst>
+          </p:cNvPr>
+          <p:cNvSpPr>
+            <a:spLocks noGrp="1"/>
+          </p:cNvSpPr>
+          <p:nvPr>
+            <p:ph type="sldNum" sz="quarter" idx="12"/>
+          </p:nvPr>
+        </p:nvSpPr>
+        <p:spPr/>
+        <p:txBody>
+          <a:bodyPr/>
+          <a:lstStyle/>
+          <a:p>
+            <a:fld id="{799C26FD-E1A0-49B8-8B03-25A733166562}" type="slidenum">
+              <a:rPr lang="en-US" smtClean="0"/>
+              <a:t>29</a:t>
+            </a:fld>
+            <a:endParaRPr lang="en-US" dirty="0"/>
+          </a:p>
+        </p:txBody>
+      </p:sp>
+    </p:spTree>
+    <p:extLst>
+      <p:ext uri="{BB962C8B-B14F-4D97-AF65-F5344CB8AC3E}">
+        <p14:creationId xmlns:p14="http://schemas.microsoft.com/office/powerpoint/2010/main" val="2816810345"/>
+      </p:ext>
+    </p:extLst>
+  </p:cSld>
+  <p:clrMapOvr>
+    <a:masterClrMapping/>
+  </p:clrMapOvr>
+</p:sld>
+</file>
+
+<file path=ppt/slides/slide3.xml><?xml version="1.0" encoding="utf-8"?>
+<p:sld xmlns:a="http://schemas.openxmlformats.org/drawingml/2006/main" xmlns:r="http://schemas.openxmlformats.org/officeDocument/2006/relationships" xmlns:p="http://schemas.openxmlformats.org/presentationml/2006/main">
+  <p:cSld>
+    <p:spTree>
+      <p:nvGrpSpPr>
+        <p:cNvPr id="1" name=""/>
+        <p:cNvGrpSpPr/>
+        <p:nvPr/>
+      </p:nvGrpSpPr>
+      <p:grpSpPr>
+        <a:xfrm>
+          <a:off x="0" y="0"/>
+          <a:ext cx="0" cy="0"/>
+          <a:chOff x="0" y="0"/>
+          <a:chExt cx="0" cy="0"/>
+        </a:xfrm>
+      </p:grpSpPr>
+      <p:sp>
+        <p:nvSpPr>
+          <p:cNvPr id="6" name="Title 5">
+            <a:extLst>
+              <a:ext uri="{FF2B5EF4-FFF2-40B4-BE49-F238E27FC236}">
+                <a16:creationId xmlns:a16="http://schemas.microsoft.com/office/drawing/2014/main" id="{55E98401-19F4-46FE-A2F6-17265E516116}"/>
+              </a:ext>
+            </a:extLst>
+          </p:cNvPr>
+          <p:cNvSpPr>
+            <a:spLocks noGrp="1"/>
+          </p:cNvSpPr>
+          <p:nvPr>
+            <p:ph type="title"/>
+          </p:nvPr>
+        </p:nvSpPr>
+        <p:spPr/>
+        <p:txBody>
+          <a:bodyPr>
+            <a:normAutofit/>
+          </a:bodyPr>
+          <a:lstStyle/>
+          <a:p>
+            <a:r>
+              <a:rPr lang="en-US" sz="3600" dirty="0"/>
+              <a:t>Packages We May Need For Text Analytics</a:t>
+            </a:r>
+          </a:p>
+        </p:txBody>
+      </p:sp>
+      <p:sp>
+        <p:nvSpPr>
+          <p:cNvPr id="11" name="Text Placeholder 10">
+            <a:extLst>
+              <a:ext uri="{FF2B5EF4-FFF2-40B4-BE49-F238E27FC236}">
+                <a16:creationId xmlns:a16="http://schemas.microsoft.com/office/drawing/2014/main" id="{B8C6072E-2CD1-4979-9359-67E1E79707E6}"/>
+              </a:ext>
+            </a:extLst>
+          </p:cNvPr>
+          <p:cNvSpPr>
+            <a:spLocks noGrp="1"/>
+          </p:cNvSpPr>
+          <p:nvPr>
+            <p:ph type="body" idx="1"/>
+          </p:nvPr>
+        </p:nvSpPr>
+        <p:spPr/>
+        <p:txBody>
+          <a:bodyPr/>
+          <a:lstStyle/>
+          <a:p>
+            <a:r>
+              <a:rPr lang="en-US" dirty="0"/>
+              <a:t>R frameworks for text analytics</a:t>
+            </a:r>
+          </a:p>
+        </p:txBody>
+      </p:sp>
+      <p:sp>
+        <p:nvSpPr>
+          <p:cNvPr id="7" name="Content Placeholder 6">
+            <a:extLst>
+              <a:ext uri="{FF2B5EF4-FFF2-40B4-BE49-F238E27FC236}">
+                <a16:creationId xmlns:a16="http://schemas.microsoft.com/office/drawing/2014/main" id="{3634BA77-6431-48A1-A0D1-DFBDE0E28887}"/>
+              </a:ext>
+            </a:extLst>
+          </p:cNvPr>
+          <p:cNvSpPr>
+            <a:spLocks noGrp="1"/>
+          </p:cNvSpPr>
+          <p:nvPr>
+            <p:ph sz="half" idx="2"/>
+          </p:nvPr>
+        </p:nvSpPr>
+        <p:spPr/>
+        <p:txBody>
+          <a:bodyPr>
+            <a:normAutofit/>
+          </a:bodyPr>
+          <a:lstStyle/>
+          <a:p>
+            <a:r>
+              <a:rPr lang="en-US" sz="2400" dirty="0"/>
+              <a:t>package 'tm' (and plugins)</a:t>
+            </a:r>
+          </a:p>
+          <a:p>
+            <a:r>
+              <a:rPr lang="en-US" sz="2400" dirty="0"/>
+              <a:t>package '</a:t>
+            </a:r>
+            <a:r>
+              <a:rPr lang="en-US" sz="2400" dirty="0" err="1"/>
+              <a:t>RcmdrPlugin.temis</a:t>
+            </a:r>
+            <a:r>
+              <a:rPr lang="en-US" sz="2400" dirty="0"/>
+              <a:t>'</a:t>
+            </a:r>
+          </a:p>
+          <a:p>
+            <a:r>
+              <a:rPr lang="en-US" sz="2400" dirty="0"/>
+              <a:t>package '</a:t>
+            </a:r>
+            <a:r>
+              <a:rPr lang="en-US" sz="2400" dirty="0" err="1"/>
+              <a:t>openNLP</a:t>
+            </a:r>
+            <a:r>
+              <a:rPr lang="en-US" sz="2400" dirty="0"/>
+              <a:t>'</a:t>
+            </a:r>
+          </a:p>
+          <a:p>
+            <a:r>
+              <a:rPr lang="en-US" sz="2400" dirty="0"/>
+              <a:t>package '</a:t>
+            </a:r>
+            <a:r>
+              <a:rPr lang="en-US" sz="2400" dirty="0" err="1"/>
+              <a:t>RWeka</a:t>
+            </a:r>
+            <a:r>
+              <a:rPr lang="en-US" sz="2400" dirty="0"/>
+              <a:t>'</a:t>
+            </a:r>
+          </a:p>
+          <a:p>
+            <a:r>
+              <a:rPr lang="en-US" sz="2400" dirty="0"/>
+              <a:t>package '</a:t>
+            </a:r>
+            <a:r>
+              <a:rPr lang="en-US" sz="2400" dirty="0" err="1"/>
+              <a:t>monkeylearn</a:t>
+            </a:r>
+            <a:r>
+              <a:rPr lang="en-US" sz="2400" dirty="0"/>
+              <a:t>'</a:t>
+            </a:r>
+          </a:p>
+          <a:p>
+            <a:r>
+              <a:rPr lang="en-US" sz="2400" dirty="0"/>
+              <a:t>package '</a:t>
+            </a:r>
+            <a:r>
+              <a:rPr lang="en-US" sz="2400" dirty="0" err="1"/>
+              <a:t>udpipe</a:t>
+            </a:r>
+            <a:r>
+              <a:rPr lang="en-US" sz="2400" dirty="0"/>
+              <a:t>'</a:t>
+            </a:r>
+          </a:p>
+          <a:p>
+            <a:r>
+              <a:rPr lang="en-US" sz="2400" dirty="0"/>
+              <a:t>package '</a:t>
+            </a:r>
+            <a:r>
+              <a:rPr lang="en-US" sz="2400" dirty="0" err="1"/>
+              <a:t>janeaustenr</a:t>
+            </a:r>
+            <a:r>
+              <a:rPr lang="en-US" sz="2400" dirty="0"/>
+              <a:t>'</a:t>
+            </a:r>
+          </a:p>
+          <a:p>
+            <a:r>
+              <a:rPr lang="en-US" sz="2400" dirty="0"/>
+              <a:t>Package '</a:t>
+            </a:r>
+            <a:r>
+              <a:rPr lang="en-US" dirty="0" err="1"/>
+              <a:t>SnowballC</a:t>
+            </a:r>
+            <a:r>
+              <a:rPr lang="en-US" dirty="0"/>
+              <a:t>'</a:t>
+            </a:r>
+            <a:endParaRPr lang="en-US" sz="2400" dirty="0"/>
+          </a:p>
+          <a:p>
+            <a:endParaRPr lang="en-US" sz="2400" dirty="0"/>
+          </a:p>
+        </p:txBody>
+      </p:sp>
+      <p:sp>
+        <p:nvSpPr>
+          <p:cNvPr id="12" name="Text Placeholder 11">
+            <a:extLst>
+              <a:ext uri="{FF2B5EF4-FFF2-40B4-BE49-F238E27FC236}">
+                <a16:creationId xmlns:a16="http://schemas.microsoft.com/office/drawing/2014/main" id="{477D5FDF-D06D-4CF2-8CA7-08680F8C0982}"/>
+              </a:ext>
+            </a:extLst>
+          </p:cNvPr>
+          <p:cNvSpPr>
+            <a:spLocks noGrp="1"/>
+          </p:cNvSpPr>
+          <p:nvPr>
+            <p:ph type="body" sz="quarter" idx="3"/>
+          </p:nvPr>
+        </p:nvSpPr>
+        <p:spPr/>
+        <p:txBody>
+          <a:bodyPr/>
+          <a:lstStyle/>
+          <a:p>
+            <a:r>
+              <a:rPr lang="en-US" dirty="0"/>
+              <a:t>Packages we need to load</a:t>
+            </a:r>
+          </a:p>
+        </p:txBody>
+      </p:sp>
+      <p:sp>
+        <p:nvSpPr>
+          <p:cNvPr id="13" name="Content Placeholder 12">
+            <a:extLst>
+              <a:ext uri="{FF2B5EF4-FFF2-40B4-BE49-F238E27FC236}">
+                <a16:creationId xmlns:a16="http://schemas.microsoft.com/office/drawing/2014/main" id="{2D8B72BD-D93E-47C6-8C78-DF075A325CA5}"/>
+              </a:ext>
+            </a:extLst>
+          </p:cNvPr>
+          <p:cNvSpPr>
+            <a:spLocks noGrp="1"/>
+          </p:cNvSpPr>
+          <p:nvPr>
+            <p:ph sz="quarter" idx="4"/>
+          </p:nvPr>
+        </p:nvSpPr>
+        <p:spPr/>
+        <p:txBody>
+          <a:bodyPr>
+            <a:normAutofit/>
+          </a:bodyPr>
+          <a:lstStyle/>
+          <a:p>
+            <a:r>
+              <a:rPr lang="en-US" dirty="0" err="1"/>
+              <a:t>install.packages</a:t>
+            </a:r>
+            <a:r>
+              <a:rPr lang="en-US" dirty="0"/>
+              <a:t>("</a:t>
+            </a:r>
+            <a:r>
+              <a:rPr lang="en-US" dirty="0" err="1"/>
+              <a:t>tidytext</a:t>
+            </a:r>
+            <a:r>
+              <a:rPr lang="en-US" dirty="0"/>
+              <a:t>")</a:t>
+            </a:r>
+          </a:p>
+          <a:p>
+            <a:pPr latinLnBrk="1"/>
+            <a:r>
+              <a:rPr lang="en-US" dirty="0" err="1"/>
+              <a:t>install.packages</a:t>
+            </a:r>
+            <a:r>
+              <a:rPr lang="en-US" dirty="0"/>
+              <a:t>("</a:t>
+            </a:r>
+            <a:r>
+              <a:rPr lang="en-US" dirty="0" err="1"/>
+              <a:t>wordcloud</a:t>
+            </a:r>
+            <a:r>
+              <a:rPr lang="en-US" dirty="0"/>
+              <a:t>")</a:t>
+            </a:r>
+          </a:p>
+          <a:p>
+            <a:pPr latinLnBrk="1"/>
+            <a:r>
+              <a:rPr lang="en-US" dirty="0" err="1"/>
+              <a:t>install.packages</a:t>
+            </a:r>
+            <a:r>
+              <a:rPr lang="en-US" dirty="0"/>
+              <a:t>("</a:t>
+            </a:r>
+            <a:r>
+              <a:rPr lang="en-US" dirty="0" err="1"/>
+              <a:t>tidyr</a:t>
+            </a:r>
+            <a:r>
+              <a:rPr lang="en-US" dirty="0"/>
+              <a:t>")</a:t>
+            </a:r>
+          </a:p>
+          <a:p>
+            <a:pPr latinLnBrk="1"/>
+            <a:r>
+              <a:rPr lang="en-US" dirty="0" err="1"/>
+              <a:t>install.packages</a:t>
+            </a:r>
+            <a:r>
+              <a:rPr lang="en-US" dirty="0"/>
+              <a:t>("ggplot2")</a:t>
+            </a:r>
+          </a:p>
+          <a:p>
+            <a:pPr latinLnBrk="1"/>
+            <a:r>
+              <a:rPr lang="en-US" dirty="0" err="1"/>
+              <a:t>install.packages</a:t>
+            </a:r>
+            <a:r>
+              <a:rPr lang="en-US" dirty="0"/>
+              <a:t>("</a:t>
+            </a:r>
+            <a:r>
+              <a:rPr lang="en-US" dirty="0" err="1"/>
+              <a:t>stringr</a:t>
+            </a:r>
+            <a:r>
+              <a:rPr lang="en-US" dirty="0"/>
+              <a:t>")</a:t>
+            </a:r>
+          </a:p>
+          <a:p>
+            <a:pPr latinLnBrk="1"/>
+            <a:r>
+              <a:rPr lang="en-US" dirty="0" err="1"/>
+              <a:t>install.packages</a:t>
+            </a:r>
+            <a:r>
+              <a:rPr lang="en-US" dirty="0"/>
+              <a:t>("</a:t>
+            </a:r>
+            <a:r>
+              <a:rPr lang="en-US" dirty="0" err="1"/>
+              <a:t>dplyr</a:t>
+            </a:r>
+            <a:r>
+              <a:rPr lang="en-US" dirty="0"/>
+              <a:t>")</a:t>
+            </a:r>
+          </a:p>
+          <a:p>
+            <a:pPr latinLnBrk="1"/>
+            <a:r>
+              <a:rPr lang="en-US" dirty="0" err="1"/>
+              <a:t>install.packages</a:t>
+            </a:r>
+            <a:r>
+              <a:rPr lang="en-US" dirty="0"/>
+              <a:t>("</a:t>
+            </a:r>
+            <a:r>
+              <a:rPr lang="en-US" dirty="0" err="1"/>
+              <a:t>janeaustenr</a:t>
+            </a:r>
+            <a:r>
+              <a:rPr lang="en-US" dirty="0"/>
+              <a:t>")</a:t>
+            </a:r>
+          </a:p>
+          <a:p>
+            <a:endParaRPr lang="en-US" dirty="0"/>
+          </a:p>
+        </p:txBody>
+      </p:sp>
+      <p:sp>
+        <p:nvSpPr>
+          <p:cNvPr id="3" name="Date Placeholder 2">
+            <a:extLst>
+              <a:ext uri="{FF2B5EF4-FFF2-40B4-BE49-F238E27FC236}">
+                <a16:creationId xmlns:a16="http://schemas.microsoft.com/office/drawing/2014/main" id="{42C3ABE0-74F5-406D-B8A3-C08BB04D074D}"/>
+              </a:ext>
+            </a:extLst>
+          </p:cNvPr>
+          <p:cNvSpPr>
+            <a:spLocks noGrp="1"/>
+          </p:cNvSpPr>
+          <p:nvPr>
+            <p:ph type="dt" sz="half" idx="10"/>
+          </p:nvPr>
+        </p:nvSpPr>
+        <p:spPr/>
+        <p:txBody>
+          <a:bodyPr/>
+          <a:lstStyle/>
+          <a:p>
+            <a:fld id="{64FA1387-E9BD-4269-B052-15A23CD1D16B}" type="datetime1">
+              <a:rPr lang="en-US" smtClean="0"/>
+              <a:t>8/11/2018</a:t>
+            </a:fld>
+            <a:endParaRPr lang="en-US" dirty="0"/>
+          </a:p>
+        </p:txBody>
+      </p:sp>
+      <p:sp>
+        <p:nvSpPr>
+          <p:cNvPr id="5" name="Footer Placeholder 4">
+            <a:extLst>
+              <a:ext uri="{FF2B5EF4-FFF2-40B4-BE49-F238E27FC236}">
+                <a16:creationId xmlns:a16="http://schemas.microsoft.com/office/drawing/2014/main" id="{EDAF8CAC-54B7-48D1-82ED-AEBCE419A1A4}"/>
+              </a:ext>
+            </a:extLst>
+          </p:cNvPr>
+          <p:cNvSpPr>
+            <a:spLocks noGrp="1"/>
+          </p:cNvSpPr>
+          <p:nvPr>
+            <p:ph type="ftr" sz="quarter" idx="11"/>
+          </p:nvPr>
+        </p:nvSpPr>
+        <p:spPr/>
+        <p:txBody>
+          <a:bodyPr/>
+          <a:lstStyle/>
+          <a:p>
+            <a:r>
+              <a:rPr lang="en-US"/>
+              <a:t>Copyright © 2010 Simulation Educators</a:t>
+            </a:r>
+            <a:endParaRPr lang="en-US" dirty="0"/>
+          </a:p>
+        </p:txBody>
+      </p:sp>
+      <p:sp>
+        <p:nvSpPr>
+          <p:cNvPr id="4" name="Slide Number Placeholder 3">
+            <a:extLst>
+              <a:ext uri="{FF2B5EF4-FFF2-40B4-BE49-F238E27FC236}">
+                <a16:creationId xmlns:a16="http://schemas.microsoft.com/office/drawing/2014/main" id="{83BAA10D-9129-4344-9FE0-9778109909C5}"/>
+              </a:ext>
+            </a:extLst>
+          </p:cNvPr>
+          <p:cNvSpPr>
+            <a:spLocks noGrp="1"/>
+          </p:cNvSpPr>
+          <p:nvPr>
+            <p:ph type="sldNum" sz="quarter" idx="12"/>
+          </p:nvPr>
+        </p:nvSpPr>
+        <p:spPr/>
+        <p:txBody>
+          <a:bodyPr/>
+          <a:lstStyle/>
+          <a:p>
+            <a:fld id="{799C26FD-E1A0-49B8-8B03-25A733166562}" type="slidenum">
+              <a:rPr lang="en-US" smtClean="0"/>
+              <a:pPr/>
+              <a:t>3</a:t>
+            </a:fld>
+            <a:endParaRPr lang="en-US" dirty="0"/>
+          </a:p>
+        </p:txBody>
+      </p:sp>
+    </p:spTree>
+    <p:extLst>
+      <p:ext uri="{BB962C8B-B14F-4D97-AF65-F5344CB8AC3E}">
+        <p14:creationId xmlns:p14="http://schemas.microsoft.com/office/powerpoint/2010/main" val="2881377342"/>
+      </p:ext>
+    </p:extLst>
+  </p:cSld>
+  <p:clrMapOvr>
+    <a:masterClrMapping/>
+  </p:clrMapOvr>
+</p:sld>
+</file>
+
+<file path=ppt/slides/slide30.xml><?xml version="1.0" encoding="utf-8"?>
+<p:sld xmlns:a="http://schemas.openxmlformats.org/drawingml/2006/main" xmlns:r="http://schemas.openxmlformats.org/officeDocument/2006/relationships" xmlns:p="http://schemas.openxmlformats.org/presentationml/2006/main">
+  <p:cSld>
+    <p:spTree>
+      <p:nvGrpSpPr>
+        <p:cNvPr id="1" name=""/>
+        <p:cNvGrpSpPr/>
+        <p:nvPr/>
+      </p:nvGrpSpPr>
+      <p:grpSpPr>
+        <a:xfrm>
+          <a:off x="0" y="0"/>
+          <a:ext cx="0" cy="0"/>
+          <a:chOff x="0" y="0"/>
+          <a:chExt cx="0" cy="0"/>
+        </a:xfrm>
+      </p:grpSpPr>
+      <p:sp>
+        <p:nvSpPr>
+          <p:cNvPr id="2" name="Title 1">
+            <a:extLst>
+              <a:ext uri="{FF2B5EF4-FFF2-40B4-BE49-F238E27FC236}">
+                <a16:creationId xmlns:a16="http://schemas.microsoft.com/office/drawing/2014/main" id="{B1B0EA01-D18A-4F63-9A24-80141931F0E9}"/>
+              </a:ext>
+            </a:extLst>
+          </p:cNvPr>
+          <p:cNvSpPr>
+            <a:spLocks noGrp="1"/>
+          </p:cNvSpPr>
+          <p:nvPr>
+            <p:ph type="title"/>
+          </p:nvPr>
+        </p:nvSpPr>
+        <p:spPr/>
+        <p:txBody>
+          <a:bodyPr/>
+          <a:lstStyle/>
+          <a:p>
+            <a:r>
+              <a:rPr lang="en-US" dirty="0"/>
+              <a:t>Sample Analysis</a:t>
+            </a:r>
+          </a:p>
+        </p:txBody>
+      </p:sp>
+      <p:pic>
+        <p:nvPicPr>
+          <p:cNvPr id="9" name="Content Placeholder 8">
+            <a:extLst>
+              <a:ext uri="{FF2B5EF4-FFF2-40B4-BE49-F238E27FC236}">
+                <a16:creationId xmlns:a16="http://schemas.microsoft.com/office/drawing/2014/main" id="{FABB7255-FD71-4F25-82CA-FE7361CFCEBA}"/>
+              </a:ext>
+            </a:extLst>
+          </p:cNvPr>
+          <p:cNvPicPr>
+            <a:picLocks noGrp="1" noChangeAspect="1"/>
+          </p:cNvPicPr>
+          <p:nvPr>
+            <p:ph sz="half" idx="1"/>
+          </p:nvPr>
+        </p:nvPicPr>
+        <p:blipFill>
+          <a:blip r:embed="rId2"/>
+          <a:stretch>
+            <a:fillRect/>
+          </a:stretch>
+        </p:blipFill>
+        <p:spPr>
+          <a:xfrm>
+            <a:off x="406400" y="1516333"/>
+            <a:ext cx="5613400" cy="4722272"/>
+          </a:xfrm>
+          <a:prstGeom prst="rect">
+            <a:avLst/>
+          </a:prstGeom>
+        </p:spPr>
+      </p:pic>
+      <p:pic>
+        <p:nvPicPr>
+          <p:cNvPr id="10" name="Content Placeholder 9">
+            <a:extLst>
+              <a:ext uri="{FF2B5EF4-FFF2-40B4-BE49-F238E27FC236}">
+                <a16:creationId xmlns:a16="http://schemas.microsoft.com/office/drawing/2014/main" id="{4E569140-D3B7-49C9-A1FE-E7FDB384931B}"/>
+              </a:ext>
+            </a:extLst>
+          </p:cNvPr>
+          <p:cNvPicPr>
+            <a:picLocks noGrp="1" noChangeAspect="1"/>
+          </p:cNvPicPr>
+          <p:nvPr>
+            <p:ph sz="half" idx="2"/>
+          </p:nvPr>
+        </p:nvPicPr>
+        <p:blipFill>
+          <a:blip r:embed="rId3"/>
+          <a:stretch>
+            <a:fillRect/>
+          </a:stretch>
+        </p:blipFill>
+        <p:spPr>
+          <a:xfrm>
+            <a:off x="6172200" y="1577097"/>
+            <a:ext cx="5468938" cy="4600743"/>
+          </a:xfrm>
+          <a:prstGeom prst="rect">
+            <a:avLst/>
+          </a:prstGeom>
+        </p:spPr>
+      </p:pic>
+      <p:sp>
+        <p:nvSpPr>
+          <p:cNvPr id="5" name="Date Placeholder 4">
+            <a:extLst>
+              <a:ext uri="{FF2B5EF4-FFF2-40B4-BE49-F238E27FC236}">
+                <a16:creationId xmlns:a16="http://schemas.microsoft.com/office/drawing/2014/main" id="{A969824A-0613-4405-BE68-426C0E6A161C}"/>
+              </a:ext>
+            </a:extLst>
+          </p:cNvPr>
+          <p:cNvSpPr>
+            <a:spLocks noGrp="1"/>
+          </p:cNvSpPr>
+          <p:nvPr>
+            <p:ph type="dt" sz="half" idx="10"/>
+          </p:nvPr>
+        </p:nvSpPr>
+        <p:spPr/>
+        <p:txBody>
+          <a:bodyPr/>
+          <a:lstStyle/>
+          <a:p>
+            <a:fld id="{E7244459-F2A5-4FF9-8125-3DD79827DEF5}" type="datetime1">
+              <a:rPr lang="en-US" smtClean="0"/>
+              <a:t>8/11/2018</a:t>
+            </a:fld>
+            <a:endParaRPr lang="en-US" dirty="0"/>
+          </a:p>
+        </p:txBody>
+      </p:sp>
+      <p:sp>
+        <p:nvSpPr>
+          <p:cNvPr id="6" name="Footer Placeholder 5">
+            <a:extLst>
+              <a:ext uri="{FF2B5EF4-FFF2-40B4-BE49-F238E27FC236}">
+                <a16:creationId xmlns:a16="http://schemas.microsoft.com/office/drawing/2014/main" id="{74C3B450-6EEA-449F-BB32-5463A81F20C0}"/>
+              </a:ext>
+            </a:extLst>
+          </p:cNvPr>
+          <p:cNvSpPr>
+            <a:spLocks noGrp="1"/>
+          </p:cNvSpPr>
+          <p:nvPr>
+            <p:ph type="ftr" sz="quarter" idx="11"/>
+          </p:nvPr>
+        </p:nvSpPr>
+        <p:spPr/>
+        <p:txBody>
+          <a:bodyPr/>
+          <a:lstStyle/>
+          <a:p>
+            <a:r>
+              <a:rPr lang="en-US"/>
+              <a:t>Copyright © 2010 Simulation Educators</a:t>
+            </a:r>
+            <a:endParaRPr lang="en-US" dirty="0"/>
+          </a:p>
+        </p:txBody>
+      </p:sp>
+      <p:sp>
+        <p:nvSpPr>
+          <p:cNvPr id="7" name="Slide Number Placeholder 6">
+            <a:extLst>
+              <a:ext uri="{FF2B5EF4-FFF2-40B4-BE49-F238E27FC236}">
+                <a16:creationId xmlns:a16="http://schemas.microsoft.com/office/drawing/2014/main" id="{A5040705-CDC4-4B7D-A75A-05CEBE69CCB7}"/>
+              </a:ext>
+            </a:extLst>
+          </p:cNvPr>
+          <p:cNvSpPr>
+            <a:spLocks noGrp="1"/>
+          </p:cNvSpPr>
+          <p:nvPr>
+            <p:ph type="sldNum" sz="quarter" idx="12"/>
+          </p:nvPr>
+        </p:nvSpPr>
+        <p:spPr/>
+        <p:txBody>
+          <a:bodyPr/>
+          <a:lstStyle/>
+          <a:p>
+            <a:fld id="{799C26FD-E1A0-49B8-8B03-25A733166562}" type="slidenum">
+              <a:rPr lang="en-US" smtClean="0"/>
+              <a:t>30</a:t>
+            </a:fld>
+            <a:endParaRPr lang="en-US" dirty="0"/>
+          </a:p>
+        </p:txBody>
+      </p:sp>
+    </p:spTree>
+    <p:extLst>
+      <p:ext uri="{BB962C8B-B14F-4D97-AF65-F5344CB8AC3E}">
+        <p14:creationId xmlns:p14="http://schemas.microsoft.com/office/powerpoint/2010/main" val="1893619053"/>
+      </p:ext>
+    </p:extLst>
+  </p:cSld>
+  <p:clrMapOvr>
+    <a:masterClrMapping/>
+  </p:clrMapOvr>
+</p:sld>
+</file>
+
+<file path=ppt/slides/slide31.xml><?xml version="1.0" encoding="utf-8"?>
+<p:sld xmlns:a="http://schemas.openxmlformats.org/drawingml/2006/main" xmlns:r="http://schemas.openxmlformats.org/officeDocument/2006/relationships" xmlns:p="http://schemas.openxmlformats.org/presentationml/2006/main">
+  <p:cSld>
+    <p:spTree>
+      <p:nvGrpSpPr>
+        <p:cNvPr id="1" name=""/>
+        <p:cNvGrpSpPr/>
+        <p:nvPr/>
+      </p:nvGrpSpPr>
+      <p:grpSpPr>
+        <a:xfrm>
+          <a:off x="0" y="0"/>
+          <a:ext cx="0" cy="0"/>
+          <a:chOff x="0" y="0"/>
+          <a:chExt cx="0" cy="0"/>
+        </a:xfrm>
+      </p:grpSpPr>
+      <p:sp>
+        <p:nvSpPr>
+          <p:cNvPr id="2" name="Title 1">
+            <a:extLst>
+              <a:ext uri="{FF2B5EF4-FFF2-40B4-BE49-F238E27FC236}">
+                <a16:creationId xmlns:a16="http://schemas.microsoft.com/office/drawing/2014/main" id="{57EC22B5-DE35-4B67-A486-7F8E5836A3DF}"/>
+              </a:ext>
+            </a:extLst>
+          </p:cNvPr>
+          <p:cNvSpPr>
+            <a:spLocks noGrp="1"/>
+          </p:cNvSpPr>
+          <p:nvPr>
+            <p:ph type="title"/>
+          </p:nvPr>
+        </p:nvSpPr>
+        <p:spPr/>
+        <p:txBody>
+          <a:bodyPr/>
+          <a:lstStyle/>
+          <a:p>
+            <a:r>
+              <a:rPr lang="en-US" dirty="0"/>
+              <a:t>Sample Analysis</a:t>
+            </a:r>
+          </a:p>
+        </p:txBody>
+      </p:sp>
+      <p:pic>
+        <p:nvPicPr>
+          <p:cNvPr id="8" name="Content Placeholder 7">
+            <a:extLst>
+              <a:ext uri="{FF2B5EF4-FFF2-40B4-BE49-F238E27FC236}">
+                <a16:creationId xmlns:a16="http://schemas.microsoft.com/office/drawing/2014/main" id="{BA6F30C9-C257-4524-B3DF-F808D9999751}"/>
+              </a:ext>
+            </a:extLst>
+          </p:cNvPr>
+          <p:cNvPicPr>
+            <a:picLocks noGrp="1" noChangeAspect="1"/>
+          </p:cNvPicPr>
+          <p:nvPr>
+            <p:ph sz="half" idx="1"/>
+          </p:nvPr>
+        </p:nvPicPr>
+        <p:blipFill rotWithShape="1">
+          <a:blip r:embed="rId2"/>
+          <a:srcRect l="28079" t="19132" r="28837" b="23646"/>
+          <a:stretch/>
+        </p:blipFill>
+        <p:spPr>
+          <a:xfrm>
+            <a:off x="1982624" y="2623558"/>
+            <a:ext cx="2418460" cy="2324457"/>
+          </a:xfrm>
+          <a:prstGeom prst="rect">
+            <a:avLst/>
+          </a:prstGeom>
+        </p:spPr>
+      </p:pic>
+      <p:pic>
+        <p:nvPicPr>
+          <p:cNvPr id="9" name="Content Placeholder 8">
+            <a:extLst>
+              <a:ext uri="{FF2B5EF4-FFF2-40B4-BE49-F238E27FC236}">
+                <a16:creationId xmlns:a16="http://schemas.microsoft.com/office/drawing/2014/main" id="{E699A446-9140-4104-B5E0-61DCCC8982DF}"/>
+              </a:ext>
+            </a:extLst>
+          </p:cNvPr>
+          <p:cNvPicPr>
+            <a:picLocks noGrp="1" noChangeAspect="1"/>
+          </p:cNvPicPr>
+          <p:nvPr>
+            <p:ph sz="half" idx="2"/>
+          </p:nvPr>
+        </p:nvPicPr>
+        <p:blipFill rotWithShape="1">
+          <a:blip r:embed="rId3"/>
+          <a:srcRect l="23244" t="14646" r="23472" b="14313"/>
+          <a:stretch/>
+        </p:blipFill>
+        <p:spPr>
+          <a:xfrm>
+            <a:off x="6170632" y="2099492"/>
+            <a:ext cx="3657600" cy="3528885"/>
+          </a:xfrm>
+          <a:prstGeom prst="rect">
+            <a:avLst/>
+          </a:prstGeom>
+        </p:spPr>
+      </p:pic>
+      <p:sp>
+        <p:nvSpPr>
+          <p:cNvPr id="5" name="Date Placeholder 4">
+            <a:extLst>
+              <a:ext uri="{FF2B5EF4-FFF2-40B4-BE49-F238E27FC236}">
+                <a16:creationId xmlns:a16="http://schemas.microsoft.com/office/drawing/2014/main" id="{E73374D4-BE50-4E01-8962-874A9A5D8632}"/>
+              </a:ext>
+            </a:extLst>
+          </p:cNvPr>
+          <p:cNvSpPr>
+            <a:spLocks noGrp="1"/>
+          </p:cNvSpPr>
+          <p:nvPr>
+            <p:ph type="dt" sz="half" idx="10"/>
+          </p:nvPr>
+        </p:nvSpPr>
+        <p:spPr/>
+        <p:txBody>
+          <a:bodyPr/>
+          <a:lstStyle/>
+          <a:p>
+            <a:fld id="{E7244459-F2A5-4FF9-8125-3DD79827DEF5}" type="datetime1">
+              <a:rPr lang="en-US" smtClean="0"/>
+              <a:t>8/11/2018</a:t>
+            </a:fld>
+            <a:endParaRPr lang="en-US" dirty="0"/>
+          </a:p>
+        </p:txBody>
+      </p:sp>
+      <p:sp>
+        <p:nvSpPr>
+          <p:cNvPr id="6" name="Footer Placeholder 5">
+            <a:extLst>
+              <a:ext uri="{FF2B5EF4-FFF2-40B4-BE49-F238E27FC236}">
+                <a16:creationId xmlns:a16="http://schemas.microsoft.com/office/drawing/2014/main" id="{64D92A89-BF7F-4268-A67F-306C21C6140D}"/>
+              </a:ext>
+            </a:extLst>
+          </p:cNvPr>
+          <p:cNvSpPr>
+            <a:spLocks noGrp="1"/>
+          </p:cNvSpPr>
+          <p:nvPr>
+            <p:ph type="ftr" sz="quarter" idx="11"/>
+          </p:nvPr>
+        </p:nvSpPr>
+        <p:spPr/>
+        <p:txBody>
+          <a:bodyPr/>
+          <a:lstStyle/>
+          <a:p>
+            <a:r>
+              <a:rPr lang="en-US"/>
+              <a:t>Copyright © 2010 Simulation Educators</a:t>
+            </a:r>
+            <a:endParaRPr lang="en-US" dirty="0"/>
+          </a:p>
+        </p:txBody>
+      </p:sp>
+      <p:sp>
+        <p:nvSpPr>
+          <p:cNvPr id="7" name="Slide Number Placeholder 6">
+            <a:extLst>
+              <a:ext uri="{FF2B5EF4-FFF2-40B4-BE49-F238E27FC236}">
+                <a16:creationId xmlns:a16="http://schemas.microsoft.com/office/drawing/2014/main" id="{6B6CBA7B-584F-4067-84CD-24133A59F18D}"/>
+              </a:ext>
+            </a:extLst>
+          </p:cNvPr>
+          <p:cNvSpPr>
+            <a:spLocks noGrp="1"/>
+          </p:cNvSpPr>
+          <p:nvPr>
+            <p:ph type="sldNum" sz="quarter" idx="12"/>
+          </p:nvPr>
+        </p:nvSpPr>
+        <p:spPr/>
+        <p:txBody>
+          <a:bodyPr/>
+          <a:lstStyle/>
+          <a:p>
+            <a:fld id="{799C26FD-E1A0-49B8-8B03-25A733166562}" type="slidenum">
+              <a:rPr lang="en-US" smtClean="0"/>
+              <a:t>31</a:t>
+            </a:fld>
+            <a:endParaRPr lang="en-US" dirty="0"/>
+          </a:p>
+        </p:txBody>
+      </p:sp>
+      <p:sp>
+        <p:nvSpPr>
+          <p:cNvPr id="10" name="TextBox 9">
+            <a:extLst>
+              <a:ext uri="{FF2B5EF4-FFF2-40B4-BE49-F238E27FC236}">
+                <a16:creationId xmlns:a16="http://schemas.microsoft.com/office/drawing/2014/main" id="{453D30B7-5241-49A5-93BC-DFCE6E401793}"/>
+              </a:ext>
+            </a:extLst>
+          </p:cNvPr>
+          <p:cNvSpPr txBox="1"/>
+          <p:nvPr/>
+        </p:nvSpPr>
+        <p:spPr>
+          <a:xfrm>
+            <a:off x="3484989" y="1991431"/>
+            <a:ext cx="2180469" cy="400110"/>
+          </a:xfrm>
+          <a:prstGeom prst="rect">
+            <a:avLst/>
+          </a:prstGeom>
+          <a:noFill/>
+        </p:spPr>
+        <p:txBody>
+          <a:bodyPr wrap="none" rtlCol="0">
+            <a:spAutoFit/>
+          </a:bodyPr>
+          <a:lstStyle/>
+          <a:p>
+            <a:r>
+              <a:rPr lang="en-US" sz="2000" b="1" dirty="0">
+                <a:solidFill>
+                  <a:schemeClr val="accent4">
+                    <a:lumMod val="20000"/>
+                    <a:lumOff val="80000"/>
+                  </a:schemeClr>
+                </a:solidFill>
+              </a:rPr>
+              <a:t>Actual proportions</a:t>
+            </a:r>
+          </a:p>
+        </p:txBody>
+      </p:sp>
+    </p:spTree>
+    <p:extLst>
+      <p:ext uri="{BB962C8B-B14F-4D97-AF65-F5344CB8AC3E}">
+        <p14:creationId xmlns:p14="http://schemas.microsoft.com/office/powerpoint/2010/main" val="1386397371"/>
+      </p:ext>
+    </p:extLst>
+  </p:cSld>
+  <p:clrMapOvr>
+    <a:masterClrMapping/>
+  </p:clrMapOvr>
+</p:sld>
+</file>
+
+<file path=ppt/slides/slide32.xml><?xml version="1.0" encoding="utf-8"?>
+<p:sld xmlns:a="http://schemas.openxmlformats.org/drawingml/2006/main" xmlns:r="http://schemas.openxmlformats.org/officeDocument/2006/relationships" xmlns:p="http://schemas.openxmlformats.org/presentationml/2006/main">
+  <p:cSld>
+    <p:spTree>
+      <p:nvGrpSpPr>
+        <p:cNvPr id="1" name=""/>
+        <p:cNvGrpSpPr/>
+        <p:nvPr/>
+      </p:nvGrpSpPr>
+      <p:grpSpPr>
+        <a:xfrm>
+          <a:off x="0" y="0"/>
+          <a:ext cx="0" cy="0"/>
+          <a:chOff x="0" y="0"/>
+          <a:chExt cx="0" cy="0"/>
+        </a:xfrm>
+      </p:grpSpPr>
+      <p:sp>
+        <p:nvSpPr>
+          <p:cNvPr id="2" name="Title 1">
+            <a:extLst>
+              <a:ext uri="{FF2B5EF4-FFF2-40B4-BE49-F238E27FC236}">
+                <a16:creationId xmlns:a16="http://schemas.microsoft.com/office/drawing/2014/main" id="{2D9039D0-2AF3-4430-B447-C738021DC65B}"/>
+              </a:ext>
+            </a:extLst>
+          </p:cNvPr>
+          <p:cNvSpPr>
+            <a:spLocks noGrp="1"/>
+          </p:cNvSpPr>
+          <p:nvPr>
+            <p:ph type="title"/>
+          </p:nvPr>
+        </p:nvSpPr>
+        <p:spPr/>
+        <p:txBody>
+          <a:bodyPr/>
+          <a:lstStyle/>
+          <a:p>
+            <a:r>
+              <a:rPr lang="en-US" dirty="0"/>
+              <a:t>Sample Analysis</a:t>
+            </a:r>
+          </a:p>
+        </p:txBody>
+      </p:sp>
+      <p:pic>
+        <p:nvPicPr>
+          <p:cNvPr id="9" name="Content Placeholder 8">
+            <a:extLst>
+              <a:ext uri="{FF2B5EF4-FFF2-40B4-BE49-F238E27FC236}">
+                <a16:creationId xmlns:a16="http://schemas.microsoft.com/office/drawing/2014/main" id="{88826604-51E0-4D8E-92BF-CFDF47744D84}"/>
+              </a:ext>
+            </a:extLst>
+          </p:cNvPr>
+          <p:cNvPicPr>
+            <a:picLocks noGrp="1" noChangeAspect="1"/>
+          </p:cNvPicPr>
+          <p:nvPr>
+            <p:ph idx="1"/>
+          </p:nvPr>
+        </p:nvPicPr>
+        <p:blipFill>
+          <a:blip r:embed="rId2"/>
+          <a:stretch>
+            <a:fillRect/>
+          </a:stretch>
+        </p:blipFill>
+        <p:spPr>
+          <a:xfrm>
+            <a:off x="834201" y="1336675"/>
+            <a:ext cx="10537886" cy="5065713"/>
+          </a:xfrm>
+          <a:prstGeom prst="rect">
+            <a:avLst/>
+          </a:prstGeom>
+        </p:spPr>
+      </p:pic>
+      <p:sp>
+        <p:nvSpPr>
+          <p:cNvPr id="5" name="Date Placeholder 4">
+            <a:extLst>
+              <a:ext uri="{FF2B5EF4-FFF2-40B4-BE49-F238E27FC236}">
+                <a16:creationId xmlns:a16="http://schemas.microsoft.com/office/drawing/2014/main" id="{EE07901D-2540-4E4A-997C-DCBA2A62CDD7}"/>
+              </a:ext>
+            </a:extLst>
+          </p:cNvPr>
+          <p:cNvSpPr>
+            <a:spLocks noGrp="1"/>
+          </p:cNvSpPr>
+          <p:nvPr>
+            <p:ph type="dt" sz="half" idx="10"/>
+          </p:nvPr>
+        </p:nvSpPr>
+        <p:spPr/>
+        <p:txBody>
+          <a:bodyPr/>
+          <a:lstStyle/>
+          <a:p>
+            <a:fld id="{E7244459-F2A5-4FF9-8125-3DD79827DEF5}" type="datetime1">
+              <a:rPr lang="en-US" smtClean="0"/>
+              <a:t>8/11/2018</a:t>
+            </a:fld>
+            <a:endParaRPr lang="en-US" dirty="0"/>
+          </a:p>
+        </p:txBody>
+      </p:sp>
+      <p:sp>
+        <p:nvSpPr>
+          <p:cNvPr id="7" name="Slide Number Placeholder 6">
+            <a:extLst>
+              <a:ext uri="{FF2B5EF4-FFF2-40B4-BE49-F238E27FC236}">
+                <a16:creationId xmlns:a16="http://schemas.microsoft.com/office/drawing/2014/main" id="{F9705C85-6EB9-4F32-B94C-B2898C0F630D}"/>
+              </a:ext>
+            </a:extLst>
+          </p:cNvPr>
+          <p:cNvSpPr>
+            <a:spLocks noGrp="1"/>
+          </p:cNvSpPr>
+          <p:nvPr>
+            <p:ph type="sldNum" sz="quarter" idx="12"/>
+          </p:nvPr>
+        </p:nvSpPr>
+        <p:spPr/>
+        <p:txBody>
+          <a:bodyPr/>
+          <a:lstStyle/>
+          <a:p>
+            <a:fld id="{799C26FD-E1A0-49B8-8B03-25A733166562}" type="slidenum">
+              <a:rPr lang="en-US" smtClean="0"/>
+              <a:t>32</a:t>
+            </a:fld>
+            <a:endParaRPr lang="en-US" dirty="0"/>
+          </a:p>
+        </p:txBody>
+      </p:sp>
+      <p:sp>
+        <p:nvSpPr>
+          <p:cNvPr id="6" name="Footer Placeholder 5">
+            <a:extLst>
+              <a:ext uri="{FF2B5EF4-FFF2-40B4-BE49-F238E27FC236}">
+                <a16:creationId xmlns:a16="http://schemas.microsoft.com/office/drawing/2014/main" id="{1918193B-D0DB-43A0-905E-999A83B03E36}"/>
+              </a:ext>
+            </a:extLst>
+          </p:cNvPr>
+          <p:cNvSpPr>
+            <a:spLocks noGrp="1"/>
+          </p:cNvSpPr>
+          <p:nvPr>
+            <p:ph type="ftr" sz="quarter" idx="3"/>
+          </p:nvPr>
+        </p:nvSpPr>
+        <p:spPr/>
+        <p:txBody>
+          <a:bodyPr/>
+          <a:lstStyle/>
+          <a:p>
+            <a:r>
+              <a:rPr lang="en-US"/>
+              <a:t>Copyright © 2010 Simulation Educators</a:t>
+            </a:r>
+            <a:endParaRPr lang="en-US" dirty="0"/>
+          </a:p>
+        </p:txBody>
+      </p:sp>
+    </p:spTree>
+    <p:extLst>
+      <p:ext uri="{BB962C8B-B14F-4D97-AF65-F5344CB8AC3E}">
+        <p14:creationId xmlns:p14="http://schemas.microsoft.com/office/powerpoint/2010/main" val="2566246900"/>
+      </p:ext>
+    </p:extLst>
+  </p:cSld>
+  <p:clrMapOvr>
+    <a:masterClrMapping/>
+  </p:clrMapOvr>
+</p:sld>
+</file>
+
+<file path=ppt/slides/slide33.xml><?xml version="1.0" encoding="utf-8"?>
+<p:sld xmlns:a="http://schemas.openxmlformats.org/drawingml/2006/main" xmlns:r="http://schemas.openxmlformats.org/officeDocument/2006/relationships" xmlns:p="http://schemas.openxmlformats.org/presentationml/2006/main">
+  <p:cSld>
+    <p:spTree>
+      <p:nvGrpSpPr>
+        <p:cNvPr id="1" name=""/>
+        <p:cNvGrpSpPr/>
+        <p:nvPr/>
+      </p:nvGrpSpPr>
+      <p:grpSpPr>
+        <a:xfrm>
+          <a:off x="0" y="0"/>
+          <a:ext cx="0" cy="0"/>
+          <a:chOff x="0" y="0"/>
+          <a:chExt cx="0" cy="0"/>
+        </a:xfrm>
+      </p:grpSpPr>
+      <p:sp>
+        <p:nvSpPr>
           <p:cNvPr id="7" name="Title 6"/>
           <p:cNvSpPr>
             <a:spLocks noGrp="1"/>
@@ -12447,7 +16364,7 @@
             <a:fld id="{13570084-B57A-493D-8A30-572F2D9F55F8}" type="datetime1">
               <a:rPr lang="en-US" smtClean="0"/>
               <a:pPr/>
-              <a:t>8/1/2018</a:t>
+              <a:t>8/11/2018</a:t>
             </a:fld>
             <a:endParaRPr lang="en-US" dirty="0"/>
           </a:p>
@@ -12493,7 +16410,7 @@
             <a:fld id="{799C26FD-E1A0-49B8-8B03-25A733166562}" type="slidenum">
               <a:rPr lang="en-US" smtClean="0"/>
               <a:pPr/>
-              <a:t>20</a:t>
+              <a:t>33</a:t>
             </a:fld>
             <a:endParaRPr lang="en-US" dirty="0"/>
           </a:p>
@@ -12524,493 +16441,6 @@
 </p:sld>
 </file>
 
-<file path=ppt/slides/slide3.xml><?xml version="1.0" encoding="utf-8"?>
-<p:sld xmlns:a="http://schemas.openxmlformats.org/drawingml/2006/main" xmlns:r="http://schemas.openxmlformats.org/officeDocument/2006/relationships" xmlns:p="http://schemas.openxmlformats.org/presentationml/2006/main">
-  <p:cSld>
-    <p:spTree>
-      <p:nvGrpSpPr>
-        <p:cNvPr id="1" name=""/>
-        <p:cNvGrpSpPr/>
-        <p:nvPr/>
-      </p:nvGrpSpPr>
-      <p:grpSpPr>
-        <a:xfrm>
-          <a:off x="0" y="0"/>
-          <a:ext cx="0" cy="0"/>
-          <a:chOff x="0" y="0"/>
-          <a:chExt cx="0" cy="0"/>
-        </a:xfrm>
-      </p:grpSpPr>
-      <p:sp>
-        <p:nvSpPr>
-          <p:cNvPr id="6" name="Title 5">
-            <a:extLst>
-              <a:ext uri="{FF2B5EF4-FFF2-40B4-BE49-F238E27FC236}">
-                <a16:creationId xmlns:a16="http://schemas.microsoft.com/office/drawing/2014/main" id="{55E98401-19F4-46FE-A2F6-17265E516116}"/>
-              </a:ext>
-            </a:extLst>
-          </p:cNvPr>
-          <p:cNvSpPr>
-            <a:spLocks noGrp="1"/>
-          </p:cNvSpPr>
-          <p:nvPr>
-            <p:ph type="title"/>
-          </p:nvPr>
-        </p:nvSpPr>
-        <p:spPr/>
-        <p:txBody>
-          <a:bodyPr>
-            <a:normAutofit/>
-          </a:bodyPr>
-          <a:lstStyle/>
-          <a:p>
-            <a:r>
-              <a:rPr lang="en-US" sz="3600" dirty="0"/>
-              <a:t>Packages We May Need For Text Analytics</a:t>
-            </a:r>
-          </a:p>
-        </p:txBody>
-      </p:sp>
-      <p:sp>
-        <p:nvSpPr>
-          <p:cNvPr id="11" name="Text Placeholder 10">
-            <a:extLst>
-              <a:ext uri="{FF2B5EF4-FFF2-40B4-BE49-F238E27FC236}">
-                <a16:creationId xmlns:a16="http://schemas.microsoft.com/office/drawing/2014/main" id="{B8C6072E-2CD1-4979-9359-67E1E79707E6}"/>
-              </a:ext>
-            </a:extLst>
-          </p:cNvPr>
-          <p:cNvSpPr>
-            <a:spLocks noGrp="1"/>
-          </p:cNvSpPr>
-          <p:nvPr>
-            <p:ph type="body" idx="1"/>
-          </p:nvPr>
-        </p:nvSpPr>
-        <p:spPr/>
-        <p:txBody>
-          <a:bodyPr/>
-          <a:lstStyle/>
-          <a:p>
-            <a:r>
-              <a:rPr lang="en-US" dirty="0"/>
-              <a:t>R frameworks for text analytics</a:t>
-            </a:r>
-          </a:p>
-        </p:txBody>
-      </p:sp>
-      <p:sp>
-        <p:nvSpPr>
-          <p:cNvPr id="7" name="Content Placeholder 6">
-            <a:extLst>
-              <a:ext uri="{FF2B5EF4-FFF2-40B4-BE49-F238E27FC236}">
-                <a16:creationId xmlns:a16="http://schemas.microsoft.com/office/drawing/2014/main" id="{3634BA77-6431-48A1-A0D1-DFBDE0E28887}"/>
-              </a:ext>
-            </a:extLst>
-          </p:cNvPr>
-          <p:cNvSpPr>
-            <a:spLocks noGrp="1"/>
-          </p:cNvSpPr>
-          <p:nvPr>
-            <p:ph sz="half" idx="2"/>
-          </p:nvPr>
-        </p:nvSpPr>
-        <p:spPr/>
-        <p:txBody>
-          <a:bodyPr>
-            <a:normAutofit/>
-          </a:bodyPr>
-          <a:lstStyle/>
-          <a:p>
-            <a:r>
-              <a:rPr lang="en-US" sz="2400" dirty="0"/>
-              <a:t>package 'tm' (and plugins)</a:t>
-            </a:r>
-          </a:p>
-          <a:p>
-            <a:r>
-              <a:rPr lang="en-US" sz="2400" dirty="0"/>
-              <a:t>package '</a:t>
-            </a:r>
-            <a:r>
-              <a:rPr lang="en-US" sz="2400" dirty="0" err="1"/>
-              <a:t>RcmdrPlugin.temis</a:t>
-            </a:r>
-            <a:r>
-              <a:rPr lang="en-US" sz="2400" dirty="0"/>
-              <a:t>'</a:t>
-            </a:r>
-          </a:p>
-          <a:p>
-            <a:r>
-              <a:rPr lang="en-US" sz="2400" dirty="0"/>
-              <a:t>package '</a:t>
-            </a:r>
-            <a:r>
-              <a:rPr lang="en-US" sz="2400" dirty="0" err="1"/>
-              <a:t>openNLP</a:t>
-            </a:r>
-            <a:r>
-              <a:rPr lang="en-US" sz="2400" dirty="0"/>
-              <a:t>'</a:t>
-            </a:r>
-          </a:p>
-          <a:p>
-            <a:r>
-              <a:rPr lang="en-US" sz="2400" dirty="0"/>
-              <a:t>package '</a:t>
-            </a:r>
-            <a:r>
-              <a:rPr lang="en-US" sz="2400" dirty="0" err="1"/>
-              <a:t>RWeka</a:t>
-            </a:r>
-            <a:r>
-              <a:rPr lang="en-US" sz="2400" dirty="0"/>
-              <a:t>'</a:t>
-            </a:r>
-          </a:p>
-          <a:p>
-            <a:r>
-              <a:rPr lang="en-US" sz="2400" dirty="0"/>
-              <a:t>package '</a:t>
-            </a:r>
-            <a:r>
-              <a:rPr lang="en-US" sz="2400" dirty="0" err="1"/>
-              <a:t>monkeylearn</a:t>
-            </a:r>
-            <a:r>
-              <a:rPr lang="en-US" sz="2400" dirty="0"/>
-              <a:t>'</a:t>
-            </a:r>
-          </a:p>
-          <a:p>
-            <a:r>
-              <a:rPr lang="en-US" sz="2400" dirty="0"/>
-              <a:t>package '</a:t>
-            </a:r>
-            <a:r>
-              <a:rPr lang="en-US" sz="2400" dirty="0" err="1"/>
-              <a:t>udpipe</a:t>
-            </a:r>
-            <a:r>
-              <a:rPr lang="en-US" sz="2400" dirty="0"/>
-              <a:t>'</a:t>
-            </a:r>
-          </a:p>
-          <a:p>
-            <a:r>
-              <a:rPr lang="en-US" sz="2400" dirty="0"/>
-              <a:t>package '</a:t>
-            </a:r>
-            <a:r>
-              <a:rPr lang="en-US" sz="2400" dirty="0" err="1"/>
-              <a:t>janeaustenr</a:t>
-            </a:r>
-            <a:r>
-              <a:rPr lang="en-US" sz="2400" dirty="0"/>
-              <a:t>'</a:t>
-            </a:r>
-          </a:p>
-          <a:p>
-            <a:r>
-              <a:rPr lang="en-US" sz="2400" dirty="0"/>
-              <a:t>Package '</a:t>
-            </a:r>
-            <a:r>
-              <a:rPr lang="en-US" dirty="0" err="1"/>
-              <a:t>SnowballC</a:t>
-            </a:r>
-            <a:r>
-              <a:rPr lang="en-US" dirty="0"/>
-              <a:t>'</a:t>
-            </a:r>
-            <a:endParaRPr lang="en-US" sz="2400" dirty="0"/>
-          </a:p>
-          <a:p>
-            <a:endParaRPr lang="en-US" sz="2400" dirty="0"/>
-          </a:p>
-        </p:txBody>
-      </p:sp>
-      <p:sp>
-        <p:nvSpPr>
-          <p:cNvPr id="12" name="Text Placeholder 11">
-            <a:extLst>
-              <a:ext uri="{FF2B5EF4-FFF2-40B4-BE49-F238E27FC236}">
-                <a16:creationId xmlns:a16="http://schemas.microsoft.com/office/drawing/2014/main" id="{477D5FDF-D06D-4CF2-8CA7-08680F8C0982}"/>
-              </a:ext>
-            </a:extLst>
-          </p:cNvPr>
-          <p:cNvSpPr>
-            <a:spLocks noGrp="1"/>
-          </p:cNvSpPr>
-          <p:nvPr>
-            <p:ph type="body" sz="quarter" idx="3"/>
-          </p:nvPr>
-        </p:nvSpPr>
-        <p:spPr/>
-        <p:txBody>
-          <a:bodyPr/>
-          <a:lstStyle/>
-          <a:p>
-            <a:r>
-              <a:rPr lang="en-US" dirty="0"/>
-              <a:t>Packages we need to load</a:t>
-            </a:r>
-          </a:p>
-        </p:txBody>
-      </p:sp>
-      <p:sp>
-        <p:nvSpPr>
-          <p:cNvPr id="13" name="Content Placeholder 12">
-            <a:extLst>
-              <a:ext uri="{FF2B5EF4-FFF2-40B4-BE49-F238E27FC236}">
-                <a16:creationId xmlns:a16="http://schemas.microsoft.com/office/drawing/2014/main" id="{2D8B72BD-D93E-47C6-8C78-DF075A325CA5}"/>
-              </a:ext>
-            </a:extLst>
-          </p:cNvPr>
-          <p:cNvSpPr>
-            <a:spLocks noGrp="1"/>
-          </p:cNvSpPr>
-          <p:nvPr>
-            <p:ph sz="quarter" idx="4"/>
-          </p:nvPr>
-        </p:nvSpPr>
-        <p:spPr/>
-        <p:txBody>
-          <a:bodyPr>
-            <a:normAutofit/>
-          </a:bodyPr>
-          <a:lstStyle/>
-          <a:p>
-            <a:r>
-              <a:rPr lang="en-US" dirty="0" err="1"/>
-              <a:t>install.packages</a:t>
-            </a:r>
-            <a:r>
-              <a:rPr lang="en-US" dirty="0"/>
-              <a:t>("</a:t>
-            </a:r>
-            <a:r>
-              <a:rPr lang="en-US" dirty="0" err="1"/>
-              <a:t>tidytext</a:t>
-            </a:r>
-            <a:r>
-              <a:rPr lang="en-US" dirty="0"/>
-              <a:t>")</a:t>
-            </a:r>
-          </a:p>
-          <a:p>
-            <a:pPr latinLnBrk="1"/>
-            <a:r>
-              <a:rPr lang="en-US" dirty="0" err="1"/>
-              <a:t>install.packages</a:t>
-            </a:r>
-            <a:r>
-              <a:rPr lang="en-US" dirty="0"/>
-              <a:t>("</a:t>
-            </a:r>
-            <a:r>
-              <a:rPr lang="en-US" dirty="0" err="1"/>
-              <a:t>wordcloud</a:t>
-            </a:r>
-            <a:r>
-              <a:rPr lang="en-US" dirty="0"/>
-              <a:t>")</a:t>
-            </a:r>
-          </a:p>
-          <a:p>
-            <a:pPr latinLnBrk="1"/>
-            <a:r>
-              <a:rPr lang="en-US" dirty="0" err="1"/>
-              <a:t>install.packages</a:t>
-            </a:r>
-            <a:r>
-              <a:rPr lang="en-US" dirty="0"/>
-              <a:t>("</a:t>
-            </a:r>
-            <a:r>
-              <a:rPr lang="en-US" dirty="0" err="1"/>
-              <a:t>tidyr</a:t>
-            </a:r>
-            <a:r>
-              <a:rPr lang="en-US" dirty="0"/>
-              <a:t>")</a:t>
-            </a:r>
-          </a:p>
-          <a:p>
-            <a:pPr latinLnBrk="1"/>
-            <a:r>
-              <a:rPr lang="en-US" dirty="0" err="1"/>
-              <a:t>install.packages</a:t>
-            </a:r>
-            <a:r>
-              <a:rPr lang="en-US" dirty="0"/>
-              <a:t>("ggplot2")</a:t>
-            </a:r>
-          </a:p>
-          <a:p>
-            <a:pPr latinLnBrk="1"/>
-            <a:r>
-              <a:rPr lang="en-US" dirty="0" err="1"/>
-              <a:t>install.packages</a:t>
-            </a:r>
-            <a:r>
-              <a:rPr lang="en-US" dirty="0"/>
-              <a:t>("</a:t>
-            </a:r>
-            <a:r>
-              <a:rPr lang="en-US" dirty="0" err="1"/>
-              <a:t>stringr</a:t>
-            </a:r>
-            <a:r>
-              <a:rPr lang="en-US" dirty="0"/>
-              <a:t>")</a:t>
-            </a:r>
-          </a:p>
-          <a:p>
-            <a:pPr latinLnBrk="1"/>
-            <a:r>
-              <a:rPr lang="en-US" dirty="0" err="1"/>
-              <a:t>install.packages</a:t>
-            </a:r>
-            <a:r>
-              <a:rPr lang="en-US" dirty="0"/>
-              <a:t>("</a:t>
-            </a:r>
-            <a:r>
-              <a:rPr lang="en-US" dirty="0" err="1"/>
-              <a:t>dplyr</a:t>
-            </a:r>
-            <a:r>
-              <a:rPr lang="en-US" dirty="0"/>
-              <a:t>")</a:t>
-            </a:r>
-          </a:p>
-          <a:p>
-            <a:pPr latinLnBrk="1"/>
-            <a:r>
-              <a:rPr lang="en-US" dirty="0" err="1"/>
-              <a:t>install.packages</a:t>
-            </a:r>
-            <a:r>
-              <a:rPr lang="en-US" dirty="0"/>
-              <a:t>("</a:t>
-            </a:r>
-            <a:r>
-              <a:rPr lang="en-US" dirty="0" err="1"/>
-              <a:t>janeaustenr</a:t>
-            </a:r>
-            <a:r>
-              <a:rPr lang="en-US" dirty="0"/>
-              <a:t>")</a:t>
-            </a:r>
-          </a:p>
-          <a:p>
-            <a:endParaRPr lang="en-US" dirty="0"/>
-          </a:p>
-        </p:txBody>
-      </p:sp>
-      <p:sp>
-        <p:nvSpPr>
-          <p:cNvPr id="3" name="Date Placeholder 2">
-            <a:extLst>
-              <a:ext uri="{FF2B5EF4-FFF2-40B4-BE49-F238E27FC236}">
-                <a16:creationId xmlns:a16="http://schemas.microsoft.com/office/drawing/2014/main" id="{42C3ABE0-74F5-406D-B8A3-C08BB04D074D}"/>
-              </a:ext>
-            </a:extLst>
-          </p:cNvPr>
-          <p:cNvSpPr>
-            <a:spLocks noGrp="1"/>
-          </p:cNvSpPr>
-          <p:nvPr>
-            <p:ph type="dt" sz="half" idx="10"/>
-          </p:nvPr>
-        </p:nvSpPr>
-        <p:spPr/>
-        <p:txBody>
-          <a:bodyPr/>
-          <a:lstStyle/>
-          <a:p>
-            <a:fld id="{64FA1387-E9BD-4269-B052-15A23CD1D16B}" type="datetime1">
-              <a:rPr lang="en-US" smtClean="0"/>
-              <a:t>8/1/2018</a:t>
-            </a:fld>
-            <a:endParaRPr lang="en-US" dirty="0"/>
-          </a:p>
-        </p:txBody>
-      </p:sp>
-      <p:sp>
-        <p:nvSpPr>
-          <p:cNvPr id="5" name="Footer Placeholder 4">
-            <a:extLst>
-              <a:ext uri="{FF2B5EF4-FFF2-40B4-BE49-F238E27FC236}">
-                <a16:creationId xmlns:a16="http://schemas.microsoft.com/office/drawing/2014/main" id="{EDAF8CAC-54B7-48D1-82ED-AEBCE419A1A4}"/>
-              </a:ext>
-            </a:extLst>
-          </p:cNvPr>
-          <p:cNvSpPr>
-            <a:spLocks noGrp="1"/>
-          </p:cNvSpPr>
-          <p:nvPr>
-            <p:ph type="ftr" sz="quarter" idx="11"/>
-          </p:nvPr>
-        </p:nvSpPr>
-        <p:spPr/>
-        <p:txBody>
-          <a:bodyPr/>
-          <a:lstStyle/>
-          <a:p>
-            <a:r>
-              <a:rPr lang="en-US"/>
-              <a:t>Copyright © 2010 Simulation Educators</a:t>
-            </a:r>
-            <a:endParaRPr lang="en-US" dirty="0"/>
-          </a:p>
-        </p:txBody>
-      </p:sp>
-      <p:sp>
-        <p:nvSpPr>
-          <p:cNvPr id="4" name="Slide Number Placeholder 3">
-            <a:extLst>
-              <a:ext uri="{FF2B5EF4-FFF2-40B4-BE49-F238E27FC236}">
-                <a16:creationId xmlns:a16="http://schemas.microsoft.com/office/drawing/2014/main" id="{83BAA10D-9129-4344-9FE0-9778109909C5}"/>
-              </a:ext>
-            </a:extLst>
-          </p:cNvPr>
-          <p:cNvSpPr>
-            <a:spLocks noGrp="1"/>
-          </p:cNvSpPr>
-          <p:nvPr>
-            <p:ph type="sldNum" sz="quarter" idx="12"/>
-          </p:nvPr>
-        </p:nvSpPr>
-        <p:spPr/>
-        <p:txBody>
-          <a:bodyPr/>
-          <a:lstStyle/>
-          <a:p>
-            <a:fld id="{799C26FD-E1A0-49B8-8B03-25A733166562}" type="slidenum">
-              <a:rPr lang="en-US" smtClean="0"/>
-              <a:pPr/>
-              <a:t>3</a:t>
-            </a:fld>
-            <a:endParaRPr lang="en-US" dirty="0"/>
-          </a:p>
-        </p:txBody>
-      </p:sp>
-    </p:spTree>
-    <p:extLst>
-      <p:ext uri="{BB962C8B-B14F-4D97-AF65-F5344CB8AC3E}">
-        <p14:creationId xmlns:p14="http://schemas.microsoft.com/office/powerpoint/2010/main" val="2881377342"/>
-      </p:ext>
-    </p:extLst>
-  </p:cSld>
-  <p:clrMapOvr>
-    <a:masterClrMapping/>
-  </p:clrMapOvr>
-</p:sld>
-</file>
-
 <file path=ppt/slides/slide4.xml><?xml version="1.0" encoding="utf-8"?>
 <p:sld xmlns:a="http://schemas.openxmlformats.org/drawingml/2006/main" xmlns:r="http://schemas.openxmlformats.org/officeDocument/2006/relationships" xmlns:p="http://schemas.openxmlformats.org/presentationml/2006/main">
   <p:cSld>
@@ -13103,7 +16533,7 @@
         <p:spPr/>
         <p:txBody>
           <a:bodyPr>
-            <a:normAutofit fontScale="62500" lnSpcReduction="20000"/>
+            <a:normAutofit fontScale="70000" lnSpcReduction="20000"/>
           </a:bodyPr>
           <a:lstStyle/>
           <a:p>
@@ -13185,7 +16615,7 @@
         <p:spPr/>
         <p:txBody>
           <a:bodyPr>
-            <a:normAutofit fontScale="62500" lnSpcReduction="20000"/>
+            <a:normAutofit fontScale="70000" lnSpcReduction="20000"/>
           </a:bodyPr>
           <a:lstStyle/>
           <a:p>
@@ -13299,7 +16729,7 @@
           <a:p>
             <a:fld id="{B3A53202-F90A-473F-9577-0694CB3DE811}" type="datetime1">
               <a:rPr lang="en-US" smtClean="0"/>
-              <a:t>8/1/2018</a:t>
+              <a:t>8/11/2018</a:t>
             </a:fld>
             <a:endParaRPr lang="en-US" dirty="0"/>
           </a:p>
@@ -13669,7 +17099,7 @@
           <a:p>
             <a:fld id="{B3A53202-F90A-473F-9577-0694CB3DE811}" type="datetime1">
               <a:rPr lang="en-US" smtClean="0"/>
-              <a:t>8/1/2018</a:t>
+              <a:t>8/11/2018</a:t>
             </a:fld>
             <a:endParaRPr lang="en-US" dirty="0"/>
           </a:p>
@@ -13841,7 +17271,7 @@
         <p:spPr/>
         <p:txBody>
           <a:bodyPr>
-            <a:normAutofit fontScale="77500" lnSpcReduction="20000"/>
+            <a:normAutofit fontScale="85000" lnSpcReduction="20000"/>
           </a:bodyPr>
           <a:lstStyle/>
           <a:p>
@@ -13937,7 +17367,7 @@
         <p:spPr/>
         <p:txBody>
           <a:bodyPr>
-            <a:normAutofit fontScale="77500" lnSpcReduction="20000"/>
+            <a:normAutofit fontScale="85000" lnSpcReduction="20000"/>
           </a:bodyPr>
           <a:lstStyle/>
           <a:p>
@@ -14028,7 +17458,7 @@
           <a:p>
             <a:fld id="{B3A53202-F90A-473F-9577-0694CB3DE811}" type="datetime1">
               <a:rPr lang="en-US" smtClean="0"/>
-              <a:t>8/1/2018</a:t>
+              <a:t>8/11/2018</a:t>
             </a:fld>
             <a:endParaRPr lang="en-US" dirty="0"/>
           </a:p>
@@ -14198,7 +17628,7 @@
         <p:spPr/>
         <p:txBody>
           <a:bodyPr>
-            <a:normAutofit fontScale="55000" lnSpcReduction="20000"/>
+            <a:normAutofit fontScale="62500" lnSpcReduction="20000"/>
           </a:bodyPr>
           <a:lstStyle/>
           <a:p>
@@ -14348,7 +17778,7 @@
         <p:spPr/>
         <p:txBody>
           <a:bodyPr>
-            <a:normAutofit fontScale="55000" lnSpcReduction="20000"/>
+            <a:normAutofit fontScale="62500" lnSpcReduction="20000"/>
           </a:bodyPr>
           <a:lstStyle/>
           <a:p>
@@ -14454,7 +17884,7 @@
           <a:p>
             <a:fld id="{B3A53202-F90A-473F-9577-0694CB3DE811}" type="datetime1">
               <a:rPr lang="en-US" smtClean="0"/>
-              <a:t>8/1/2018</a:t>
+              <a:t>8/11/2018</a:t>
             </a:fld>
             <a:endParaRPr lang="en-US" dirty="0"/>
           </a:p>
@@ -14759,7 +18189,7 @@
           <a:p>
             <a:fld id="{B3A53202-F90A-473F-9577-0694CB3DE811}" type="datetime1">
               <a:rPr lang="en-US" smtClean="0"/>
-              <a:t>8/1/2018</a:t>
+              <a:t>8/11/2018</a:t>
             </a:fld>
             <a:endParaRPr lang="en-US" dirty="0"/>
           </a:p>
@@ -14928,7 +18358,7 @@
         <p:spPr/>
         <p:txBody>
           <a:bodyPr>
-            <a:normAutofit fontScale="77500" lnSpcReduction="20000"/>
+            <a:normAutofit fontScale="92500" lnSpcReduction="20000"/>
           </a:bodyPr>
           <a:lstStyle/>
           <a:p>
@@ -15026,7 +18456,7 @@
         <p:spPr/>
         <p:txBody>
           <a:bodyPr>
-            <a:normAutofit fontScale="77500" lnSpcReduction="20000"/>
+            <a:normAutofit fontScale="92500" lnSpcReduction="20000"/>
           </a:bodyPr>
           <a:lstStyle/>
           <a:p>
@@ -15084,7 +18514,7 @@
           <a:p>
             <a:fld id="{B3A53202-F90A-473F-9577-0694CB3DE811}" type="datetime1">
               <a:rPr lang="en-US" smtClean="0"/>
-              <a:t>8/1/2018</a:t>
+              <a:t>8/11/2018</a:t>
             </a:fld>
             <a:endParaRPr lang="en-US" dirty="0"/>
           </a:p>
@@ -15416,7 +18846,7 @@
   <a:extraClrSchemeLst/>
   <a:extLst>
     <a:ext uri="{05A4C25C-085E-4340-85A3-A5531E510DB2}">
-      <thm15:themeFamily xmlns:thm15="http://schemas.microsoft.com/office/thememl/2012/main" name="Lesson 12 - Data Analytics - GLMs" id="{2D671843-01B0-4809-83B7-DCD6022711AC}" vid="{631529AC-459A-4F8A-9050-54C0368E42C7}"/>
+      <thm15:themeFamily xmlns:thm15="http://schemas.microsoft.com/office/thememl/2012/main" name="Analytics_World" id="{0D0CA6F4-4249-491F-90A1-38D2E759BAFB}" vid="{73C02A8C-8EF0-4E7B-9EF2-CA7EFEB1E564}"/>
     </a:ext>
   </a:extLst>
 </a:theme>
